--- a/documentation/json2puml introduction.pptx
+++ b/documentation/json2puml introduction.pptx
@@ -11,17 +11,15 @@
     <p:sldId id="260" r:id="rId8"/>
     <p:sldId id="274" r:id="rId9"/>
     <p:sldId id="266" r:id="rId10"/>
-    <p:sldId id="262" r:id="rId11"/>
-    <p:sldId id="263" r:id="rId12"/>
-    <p:sldId id="264" r:id="rId13"/>
-    <p:sldId id="265" r:id="rId14"/>
-    <p:sldId id="270" r:id="rId15"/>
-    <p:sldId id="273" r:id="rId16"/>
-    <p:sldId id="271" r:id="rId17"/>
-    <p:sldId id="268" r:id="rId18"/>
-    <p:sldId id="267" r:id="rId19"/>
-    <p:sldId id="269" r:id="rId20"/>
-    <p:sldId id="272" r:id="rId21"/>
+    <p:sldId id="275" r:id="rId11"/>
+    <p:sldId id="262" r:id="rId12"/>
+    <p:sldId id="263" r:id="rId13"/>
+    <p:sldId id="270" r:id="rId14"/>
+    <p:sldId id="273" r:id="rId15"/>
+    <p:sldId id="271" r:id="rId16"/>
+    <p:sldId id="277" r:id="rId17"/>
+    <p:sldId id="276" r:id="rId18"/>
+    <p:sldId id="272" r:id="rId19"/>
   </p:sldIdLst>
   <p:sldSz cx="12192000" cy="6858000"/>
   <p:notesSz cx="6858000" cy="9144000"/>
@@ -328,7 +326,7 @@
           <a:p>
             <a:fld id="{EC6AFC3F-A6A2-4EF2-B0C3-1F371E9FB00B}" type="datetimeFigureOut">
               <a:rPr lang="de-DE" smtClean="0"/>
-              <a:t>14.04.2022</a:t>
+              <a:t>26.01.2023</a:t>
             </a:fld>
             <a:endParaRPr lang="de-DE"/>
           </a:p>
@@ -518,7 +516,7 @@
           <a:p>
             <a:fld id="{EC6AFC3F-A6A2-4EF2-B0C3-1F371E9FB00B}" type="datetimeFigureOut">
               <a:rPr lang="de-DE" smtClean="0"/>
-              <a:t>14.04.2022</a:t>
+              <a:t>26.01.2023</a:t>
             </a:fld>
             <a:endParaRPr lang="de-DE"/>
           </a:p>
@@ -698,7 +696,7 @@
           <a:p>
             <a:fld id="{EC6AFC3F-A6A2-4EF2-B0C3-1F371E9FB00B}" type="datetimeFigureOut">
               <a:rPr lang="de-DE" smtClean="0"/>
-              <a:t>14.04.2022</a:t>
+              <a:t>26.01.2023</a:t>
             </a:fld>
             <a:endParaRPr lang="de-DE"/>
           </a:p>
@@ -868,7 +866,7 @@
           <a:p>
             <a:fld id="{EC6AFC3F-A6A2-4EF2-B0C3-1F371E9FB00B}" type="datetimeFigureOut">
               <a:rPr lang="de-DE" smtClean="0"/>
-              <a:t>14.04.2022</a:t>
+              <a:t>26.01.2023</a:t>
             </a:fld>
             <a:endParaRPr lang="de-DE"/>
           </a:p>
@@ -1124,7 +1122,7 @@
           <a:p>
             <a:fld id="{EC6AFC3F-A6A2-4EF2-B0C3-1F371E9FB00B}" type="datetimeFigureOut">
               <a:rPr lang="de-DE" smtClean="0"/>
-              <a:t>14.04.2022</a:t>
+              <a:t>26.01.2023</a:t>
             </a:fld>
             <a:endParaRPr lang="de-DE" dirty="0"/>
           </a:p>
@@ -1412,7 +1410,7 @@
           <a:p>
             <a:fld id="{EC6AFC3F-A6A2-4EF2-B0C3-1F371E9FB00B}" type="datetimeFigureOut">
               <a:rPr lang="de-DE" smtClean="0"/>
-              <a:t>14.04.2022</a:t>
+              <a:t>26.01.2023</a:t>
             </a:fld>
             <a:endParaRPr lang="de-DE"/>
           </a:p>
@@ -1850,7 +1848,7 @@
           <a:p>
             <a:fld id="{EC6AFC3F-A6A2-4EF2-B0C3-1F371E9FB00B}" type="datetimeFigureOut">
               <a:rPr lang="de-DE" smtClean="0"/>
-              <a:t>14.04.2022</a:t>
+              <a:t>26.01.2023</a:t>
             </a:fld>
             <a:endParaRPr lang="de-DE"/>
           </a:p>
@@ -1968,7 +1966,7 @@
           <a:p>
             <a:fld id="{EC6AFC3F-A6A2-4EF2-B0C3-1F371E9FB00B}" type="datetimeFigureOut">
               <a:rPr lang="de-DE" smtClean="0"/>
-              <a:t>14.04.2022</a:t>
+              <a:t>26.01.2023</a:t>
             </a:fld>
             <a:endParaRPr lang="de-DE"/>
           </a:p>
@@ -2063,7 +2061,7 @@
           <a:p>
             <a:fld id="{EC6AFC3F-A6A2-4EF2-B0C3-1F371E9FB00B}" type="datetimeFigureOut">
               <a:rPr lang="de-DE" smtClean="0"/>
-              <a:t>14.04.2022</a:t>
+              <a:t>26.01.2023</a:t>
             </a:fld>
             <a:endParaRPr lang="de-DE"/>
           </a:p>
@@ -2419,7 +2417,7 @@
           <a:p>
             <a:fld id="{EC6AFC3F-A6A2-4EF2-B0C3-1F371E9FB00B}" type="datetimeFigureOut">
               <a:rPr lang="de-DE" smtClean="0"/>
-              <a:t>14.04.2022</a:t>
+              <a:t>26.01.2023</a:t>
             </a:fld>
             <a:endParaRPr lang="de-DE"/>
           </a:p>
@@ -2735,7 +2733,7 @@
           <a:p>
             <a:fld id="{EC6AFC3F-A6A2-4EF2-B0C3-1F371E9FB00B}" type="datetimeFigureOut">
               <a:rPr lang="de-DE" smtClean="0"/>
-              <a:t>14.04.2022</a:t>
+              <a:t>26.01.2023</a:t>
             </a:fld>
             <a:endParaRPr lang="de-DE"/>
           </a:p>
@@ -2968,7 +2966,7 @@
           <a:p>
             <a:fld id="{EC6AFC3F-A6A2-4EF2-B0C3-1F371E9FB00B}" type="datetimeFigureOut">
               <a:rPr lang="de-DE" smtClean="0"/>
-              <a:t>14.04.2022</a:t>
+              <a:t>26.01.2023</a:t>
             </a:fld>
             <a:endParaRPr lang="de-DE"/>
           </a:p>
@@ -3741,261 +3739,6 @@
           <a:chExt cx="0" cy="0"/>
         </a:xfrm>
       </p:grpSpPr>
-      <p:pic>
-        <p:nvPicPr>
-          <p:cNvPr id="11" name="Grafik 10">
-            <a:extLst>
-              <a:ext uri="{FF2B5EF4-FFF2-40B4-BE49-F238E27FC236}">
-                <a16:creationId xmlns:a16="http://schemas.microsoft.com/office/drawing/2014/main" id="{E4D8CD12-3972-47C8-85AE-1298B3FDC065}"/>
-              </a:ext>
-            </a:extLst>
-          </p:cNvPr>
-          <p:cNvPicPr>
-            <a:picLocks noChangeAspect="1"/>
-          </p:cNvPicPr>
-          <p:nvPr/>
-        </p:nvPicPr>
-        <p:blipFill>
-          <a:blip r:embed="rId2" cstate="email">
-            <a:extLst>
-              <a:ext uri="{28A0092B-C50C-407E-A947-70E740481C1C}">
-                <a14:useLocalDpi xmlns:a14="http://schemas.microsoft.com/office/drawing/2010/main"/>
-              </a:ext>
-            </a:extLst>
-          </a:blip>
-          <a:stretch>
-            <a:fillRect/>
-          </a:stretch>
-        </p:blipFill>
-        <p:spPr>
-          <a:xfrm>
-            <a:off x="6492728" y="908904"/>
-            <a:ext cx="5519489" cy="3944471"/>
-          </a:xfrm>
-          <a:prstGeom prst="rect">
-            <a:avLst/>
-          </a:prstGeom>
-          <a:ln>
-            <a:solidFill>
-              <a:schemeClr val="accent1"/>
-            </a:solidFill>
-          </a:ln>
-        </p:spPr>
-      </p:pic>
-      <p:sp>
-        <p:nvSpPr>
-          <p:cNvPr id="2" name="Titel 1">
-            <a:extLst>
-              <a:ext uri="{FF2B5EF4-FFF2-40B4-BE49-F238E27FC236}">
-                <a16:creationId xmlns:a16="http://schemas.microsoft.com/office/drawing/2014/main" id="{C5F43591-0E72-4C7B-9B26-CDDB11BE59C1}"/>
-              </a:ext>
-            </a:extLst>
-          </p:cNvPr>
-          <p:cNvSpPr>
-            <a:spLocks noGrp="1"/>
-          </p:cNvSpPr>
-          <p:nvPr>
-            <p:ph type="title"/>
-          </p:nvPr>
-        </p:nvSpPr>
-        <p:spPr>
-          <a:xfrm>
-            <a:off x="657224" y="421899"/>
-            <a:ext cx="10772775" cy="1658198"/>
-          </a:xfrm>
-        </p:spPr>
-        <p:txBody>
-          <a:bodyPr anchor="t">
-            <a:normAutofit/>
-          </a:bodyPr>
-          <a:lstStyle/>
-          <a:p>
-            <a:r>
-              <a:rPr lang="de-DE" sz="4400" dirty="0" err="1"/>
-              <a:t>Example</a:t>
-            </a:r>
-            <a:r>
-              <a:rPr lang="de-DE" sz="4400" dirty="0"/>
-              <a:t> 3: TMF 629, 632, 637, 666, 670 </a:t>
-            </a:r>
-            <a:br>
-              <a:rPr lang="de-DE" sz="4400" dirty="0"/>
-            </a:br>
-            <a:r>
-              <a:rPr lang="de-DE" sz="4400" dirty="0" err="1"/>
-              <a:t>for</a:t>
-            </a:r>
-            <a:r>
-              <a:rPr lang="de-DE" sz="4400" dirty="0"/>
-              <a:t> </a:t>
-            </a:r>
-            <a:r>
-              <a:rPr lang="de-DE" sz="4400" dirty="0" err="1"/>
-              <a:t>one</a:t>
-            </a:r>
-            <a:r>
-              <a:rPr lang="de-DE" sz="4400" dirty="0"/>
-              <a:t> </a:t>
-            </a:r>
-            <a:r>
-              <a:rPr lang="de-DE" sz="4400" dirty="0" err="1"/>
-              <a:t>customer</a:t>
-            </a:r>
-            <a:r>
-              <a:rPr lang="de-DE" sz="4400" dirty="0"/>
-              <a:t> (different </a:t>
-            </a:r>
-            <a:r>
-              <a:rPr lang="de-DE" sz="4400" dirty="0" err="1"/>
-              <a:t>formats</a:t>
-            </a:r>
-            <a:r>
-              <a:rPr lang="de-DE" sz="4400" dirty="0"/>
-              <a:t>)</a:t>
-            </a:r>
-          </a:p>
-        </p:txBody>
-      </p:sp>
-      <p:pic>
-        <p:nvPicPr>
-          <p:cNvPr id="4" name="Grafik 3">
-            <a:extLst>
-              <a:ext uri="{FF2B5EF4-FFF2-40B4-BE49-F238E27FC236}">
-                <a16:creationId xmlns:a16="http://schemas.microsoft.com/office/drawing/2014/main" id="{565E3A7B-0318-4864-BE41-C0FA3A4FFC0D}"/>
-              </a:ext>
-            </a:extLst>
-          </p:cNvPr>
-          <p:cNvPicPr>
-            <a:picLocks noChangeAspect="1"/>
-          </p:cNvPicPr>
-          <p:nvPr/>
-        </p:nvPicPr>
-        <p:blipFill>
-          <a:blip r:embed="rId3" cstate="email">
-            <a:extLst>
-              <a:ext uri="{28A0092B-C50C-407E-A947-70E740481C1C}">
-                <a14:useLocalDpi xmlns:a14="http://schemas.microsoft.com/office/drawing/2010/main"/>
-              </a:ext>
-            </a:extLst>
-          </a:blip>
-          <a:stretch>
-            <a:fillRect/>
-          </a:stretch>
-        </p:blipFill>
-        <p:spPr>
-          <a:xfrm>
-            <a:off x="376517" y="1684837"/>
-            <a:ext cx="4020545" cy="3630282"/>
-          </a:xfrm>
-          <a:prstGeom prst="rect">
-            <a:avLst/>
-          </a:prstGeom>
-          <a:ln>
-            <a:solidFill>
-              <a:schemeClr val="accent1"/>
-            </a:solidFill>
-          </a:ln>
-        </p:spPr>
-      </p:pic>
-      <p:pic>
-        <p:nvPicPr>
-          <p:cNvPr id="8" name="Grafik 7">
-            <a:extLst>
-              <a:ext uri="{FF2B5EF4-FFF2-40B4-BE49-F238E27FC236}">
-                <a16:creationId xmlns:a16="http://schemas.microsoft.com/office/drawing/2014/main" id="{CFD0F439-676D-4D36-BEE2-3E1A2B5DD8A4}"/>
-              </a:ext>
-            </a:extLst>
-          </p:cNvPr>
-          <p:cNvPicPr>
-            <a:picLocks noChangeAspect="1"/>
-          </p:cNvPicPr>
-          <p:nvPr/>
-        </p:nvPicPr>
-        <p:blipFill>
-          <a:blip r:embed="rId4" cstate="email">
-            <a:extLst>
-              <a:ext uri="{28A0092B-C50C-407E-A947-70E740481C1C}">
-                <a14:useLocalDpi xmlns:a14="http://schemas.microsoft.com/office/drawing/2010/main"/>
-              </a:ext>
-            </a:extLst>
-          </a:blip>
-          <a:stretch>
-            <a:fillRect/>
-          </a:stretch>
-        </p:blipFill>
-        <p:spPr>
-          <a:xfrm>
-            <a:off x="3227295" y="4383742"/>
-            <a:ext cx="5337065" cy="2321574"/>
-          </a:xfrm>
-          <a:prstGeom prst="rect">
-            <a:avLst/>
-          </a:prstGeom>
-          <a:ln>
-            <a:solidFill>
-              <a:schemeClr val="accent1"/>
-            </a:solidFill>
-          </a:ln>
-        </p:spPr>
-      </p:pic>
-    </p:spTree>
-    <p:extLst>
-      <p:ext uri="{BB962C8B-B14F-4D97-AF65-F5344CB8AC3E}">
-        <p14:creationId xmlns:p14="http://schemas.microsoft.com/office/powerpoint/2010/main" val="2069052730"/>
-      </p:ext>
-    </p:extLst>
-  </p:cSld>
-  <p:clrMapOvr>
-    <a:masterClrMapping/>
-  </p:clrMapOvr>
-</p:sld>
-</file>
-
-<file path=ppt/slides/slide11.xml><?xml version="1.0" encoding="utf-8"?>
-<p:sld xmlns:a="http://schemas.openxmlformats.org/drawingml/2006/main" xmlns:r="http://schemas.openxmlformats.org/officeDocument/2006/relationships" xmlns:p="http://schemas.openxmlformats.org/presentationml/2006/main">
-  <p:cSld>
-    <p:spTree>
-      <p:nvGrpSpPr>
-        <p:cNvPr id="1" name=""/>
-        <p:cNvGrpSpPr/>
-        <p:nvPr/>
-      </p:nvGrpSpPr>
-      <p:grpSpPr>
-        <a:xfrm>
-          <a:off x="0" y="0"/>
-          <a:ext cx="0" cy="0"/>
-          <a:chOff x="0" y="0"/>
-          <a:chExt cx="0" cy="0"/>
-        </a:xfrm>
-      </p:grpSpPr>
-      <p:sp>
-        <p:nvSpPr>
-          <p:cNvPr id="2" name="Titel 1">
-            <a:extLst>
-              <a:ext uri="{FF2B5EF4-FFF2-40B4-BE49-F238E27FC236}">
-                <a16:creationId xmlns:a16="http://schemas.microsoft.com/office/drawing/2014/main" id="{9646D6E3-105B-49A0-BBDF-CA7E3A471FCE}"/>
-              </a:ext>
-            </a:extLst>
-          </p:cNvPr>
-          <p:cNvSpPr>
-            <a:spLocks noGrp="1"/>
-          </p:cNvSpPr>
-          <p:nvPr>
-            <p:ph type="title"/>
-          </p:nvPr>
-        </p:nvSpPr>
-        <p:spPr/>
-        <p:txBody>
-          <a:bodyPr/>
-          <a:lstStyle/>
-          <a:p>
-            <a:r>
-              <a:rPr lang="en-GB" dirty="0"/>
-              <a:t>Star Wars Example</a:t>
-            </a:r>
-          </a:p>
-        </p:txBody>
-      </p:sp>
       <p:sp>
         <p:nvSpPr>
           <p:cNvPr id="3" name="Inhaltsplatzhalter 2">
@@ -4012,21 +3755,51 @@
             <p:ph idx="1"/>
           </p:nvPr>
         </p:nvSpPr>
-        <p:spPr/>
-        <p:txBody>
-          <a:bodyPr/>
+        <p:spPr>
+          <a:xfrm>
+            <a:off x="676656" y="1179872"/>
+            <a:ext cx="10753725" cy="4597994"/>
+          </a:xfrm>
+        </p:spPr>
+        <p:txBody>
+          <a:bodyPr>
+            <a:normAutofit lnSpcReduction="10000"/>
+          </a:bodyPr>
           <a:lstStyle/>
           <a:p>
             <a:pPr algn="ctr"/>
             <a:r>
-              <a:rPr lang="en-US" dirty="0">
-                <a:hlinkClick r:id="rId2"/>
+              <a:rPr lang="en-US" sz="5400" spc="-120" dirty="0">
+                <a:solidFill>
+                  <a:schemeClr val="accent1"/>
+                </a:solidFill>
+                <a:latin typeface="+mj-lt"/>
+                <a:ea typeface="+mj-ea"/>
+                <a:cs typeface="+mj-cs"/>
+                <a:hlinkClick r:id="rId2">
+                  <a:extLst>
+                    <a:ext uri="{A12FA001-AC4F-418D-AE19-62706E023703}">
+                      <ahyp:hlinkClr xmlns:ahyp="http://schemas.microsoft.com/office/drawing/2018/hyperlinkcolor" val="tx"/>
+                    </a:ext>
+                  </a:extLst>
+                </a:hlinkClick>
               </a:rPr>
               <a:t>SWAPI - The Star Wars API</a:t>
             </a:r>
+            <a:endParaRPr lang="en-US" sz="5400" spc="-120" dirty="0">
+              <a:solidFill>
+                <a:schemeClr val="accent1"/>
+              </a:solidFill>
+              <a:latin typeface="+mj-lt"/>
+              <a:ea typeface="+mj-ea"/>
+              <a:cs typeface="+mj-cs"/>
+            </a:endParaRPr>
+          </a:p>
+          <a:p>
+            <a:pPr algn="ctr"/>
             <a:endParaRPr lang="en-US" b="0" i="0" dirty="0">
               <a:solidFill>
-                <a:srgbClr val="C8C8C8"/>
+                <a:schemeClr val="tx1"/>
               </a:solidFill>
               <a:effectLst/>
               <a:latin typeface="Helvetica Neue"/>
@@ -4041,9 +3814,27 @@
                 </a:solidFill>
                 <a:effectLst/>
                 <a:latin typeface="Helvetica Neue"/>
+                <a:hlinkClick r:id="rId2"/>
               </a:rPr>
               <a:t>https://swapi.dev/</a:t>
             </a:r>
+            <a:endParaRPr lang="en-US" b="0" i="0" dirty="0">
+              <a:solidFill>
+                <a:schemeClr val="tx1"/>
+              </a:solidFill>
+              <a:effectLst/>
+              <a:latin typeface="Helvetica Neue"/>
+            </a:endParaRPr>
+          </a:p>
+          <a:p>
+            <a:pPr algn="ctr"/>
+            <a:endParaRPr lang="en-US" b="0" i="0" dirty="0">
+              <a:solidFill>
+                <a:schemeClr val="tx1"/>
+              </a:solidFill>
+              <a:effectLst/>
+              <a:latin typeface="Helvetica Neue"/>
+            </a:endParaRPr>
           </a:p>
           <a:p>
             <a:pPr algn="ctr"/>
@@ -4142,7 +3933,7 @@
 </p:sld>
 </file>
 
-<file path=ppt/slides/slide12.xml><?xml version="1.0" encoding="utf-8"?>
+<file path=ppt/slides/slide11.xml><?xml version="1.0" encoding="utf-8"?>
 <p:sld xmlns:a="http://schemas.openxmlformats.org/drawingml/2006/main" xmlns:r="http://schemas.openxmlformats.org/officeDocument/2006/relationships" xmlns:p="http://schemas.openxmlformats.org/presentationml/2006/main">
   <p:cSld>
     <p:spTree>
@@ -4256,7 +4047,7 @@
 </p:sld>
 </file>
 
-<file path=ppt/slides/slide13.xml><?xml version="1.0" encoding="utf-8"?>
+<file path=ppt/slides/slide12.xml><?xml version="1.0" encoding="utf-8"?>
 <p:sld xmlns:a="http://schemas.openxmlformats.org/drawingml/2006/main" xmlns:r="http://schemas.openxmlformats.org/officeDocument/2006/relationships" xmlns:p="http://schemas.openxmlformats.org/presentationml/2006/main">
   <p:cSld>
     <p:spTree>
@@ -4465,6 +4256,560 @@
 </p:sld>
 </file>
 
+<file path=ppt/slides/slide13.xml><?xml version="1.0" encoding="utf-8"?>
+<p:sld xmlns:a="http://schemas.openxmlformats.org/drawingml/2006/main" xmlns:r="http://schemas.openxmlformats.org/officeDocument/2006/relationships" xmlns:p="http://schemas.openxmlformats.org/presentationml/2006/main">
+  <p:cSld>
+    <p:spTree>
+      <p:nvGrpSpPr>
+        <p:cNvPr id="1" name=""/>
+        <p:cNvGrpSpPr/>
+        <p:nvPr/>
+      </p:nvGrpSpPr>
+      <p:grpSpPr>
+        <a:xfrm>
+          <a:off x="0" y="0"/>
+          <a:ext cx="0" cy="0"/>
+          <a:chOff x="0" y="0"/>
+          <a:chExt cx="0" cy="0"/>
+        </a:xfrm>
+      </p:grpSpPr>
+      <p:sp>
+        <p:nvSpPr>
+          <p:cNvPr id="2" name="Titel 1">
+            <a:extLst>
+              <a:ext uri="{FF2B5EF4-FFF2-40B4-BE49-F238E27FC236}">
+                <a16:creationId xmlns:a16="http://schemas.microsoft.com/office/drawing/2014/main" id="{67220C61-AFC5-7C78-0482-6ADA9F91E459}"/>
+              </a:ext>
+            </a:extLst>
+          </p:cNvPr>
+          <p:cNvSpPr>
+            <a:spLocks noGrp="1"/>
+          </p:cNvSpPr>
+          <p:nvPr>
+            <p:ph type="title"/>
+          </p:nvPr>
+        </p:nvSpPr>
+        <p:spPr/>
+        <p:txBody>
+          <a:bodyPr/>
+          <a:lstStyle/>
+          <a:p>
+            <a:r>
+              <a:rPr lang="de-DE" dirty="0" err="1"/>
+              <a:t>How</a:t>
+            </a:r>
+            <a:r>
+              <a:rPr lang="de-DE" dirty="0"/>
+              <a:t> </a:t>
+            </a:r>
+            <a:r>
+              <a:rPr lang="de-DE" dirty="0" err="1"/>
+              <a:t>is</a:t>
+            </a:r>
+            <a:r>
+              <a:rPr lang="de-DE" dirty="0"/>
+              <a:t> </a:t>
+            </a:r>
+            <a:r>
+              <a:rPr lang="de-DE" dirty="0" err="1"/>
+              <a:t>it</a:t>
+            </a:r>
+            <a:r>
+              <a:rPr lang="de-DE" dirty="0"/>
+              <a:t> </a:t>
+            </a:r>
+            <a:r>
+              <a:rPr lang="de-DE" dirty="0" err="1"/>
+              <a:t>working</a:t>
+            </a:r>
+            <a:endParaRPr lang="de-DE" dirty="0"/>
+          </a:p>
+        </p:txBody>
+      </p:sp>
+      <p:graphicFrame>
+        <p:nvGraphicFramePr>
+          <p:cNvPr id="4" name="Inhaltsplatzhalter 3">
+            <a:extLst>
+              <a:ext uri="{FF2B5EF4-FFF2-40B4-BE49-F238E27FC236}">
+                <a16:creationId xmlns:a16="http://schemas.microsoft.com/office/drawing/2014/main" id="{8C8739A4-DD31-FAC4-AE14-F31C64F2E4CE}"/>
+              </a:ext>
+            </a:extLst>
+          </p:cNvPr>
+          <p:cNvGraphicFramePr>
+            <a:graphicFrameLocks noGrp="1"/>
+          </p:cNvGraphicFramePr>
+          <p:nvPr>
+            <p:ph idx="1"/>
+            <p:extLst>
+              <p:ext uri="{D42A27DB-BD31-4B8C-83A1-F6EECF244321}">
+                <p14:modId xmlns:p14="http://schemas.microsoft.com/office/powerpoint/2010/main" val="2303137206"/>
+              </p:ext>
+            </p:extLst>
+          </p:nvPr>
+        </p:nvGraphicFramePr>
+        <p:xfrm>
+          <a:off x="676275" y="2011363"/>
+          <a:ext cx="10772775" cy="3566160"/>
+        </p:xfrm>
+        <a:graphic>
+          <a:graphicData uri="http://schemas.openxmlformats.org/drawingml/2006/table">
+            <a:tbl>
+              <a:tblPr firstRow="1" bandRow="1">
+                <a:tableStyleId>{2D5ABB26-0587-4C30-8999-92F81FD0307C}</a:tableStyleId>
+              </a:tblPr>
+              <a:tblGrid>
+                <a:gridCol w="2321859">
+                  <a:extLst>
+                    <a:ext uri="{9D8B030D-6E8A-4147-A177-3AD203B41FA5}">
+                      <a16:colId xmlns:a16="http://schemas.microsoft.com/office/drawing/2014/main" val="1831453365"/>
+                    </a:ext>
+                  </a:extLst>
+                </a:gridCol>
+                <a:gridCol w="8450916">
+                  <a:extLst>
+                    <a:ext uri="{9D8B030D-6E8A-4147-A177-3AD203B41FA5}">
+                      <a16:colId xmlns:a16="http://schemas.microsoft.com/office/drawing/2014/main" val="3265967973"/>
+                    </a:ext>
+                  </a:extLst>
+                </a:gridCol>
+              </a:tblGrid>
+              <a:tr h="370840">
+                <a:tc>
+                  <a:txBody>
+                    <a:bodyPr/>
+                    <a:lstStyle/>
+                    <a:p>
+                      <a:r>
+                        <a:rPr lang="en-GB" sz="2400" b="1" noProof="0" dirty="0">
+                          <a:latin typeface="Courier New" panose="02070309020205020404" pitchFamily="49" charset="0"/>
+                          <a:cs typeface="Courier New" panose="02070309020205020404" pitchFamily="49" charset="0"/>
+                        </a:rPr>
+                        <a:t>json2puml</a:t>
+                      </a:r>
+                      <a:endParaRPr lang="en-GB" sz="2400" b="1" noProof="0" dirty="0"/>
+                    </a:p>
+                  </a:txBody>
+                  <a:tcPr>
+                    <a:lnL w="12700" cap="flat" cmpd="sng" algn="ctr">
+                      <a:noFill/>
+                      <a:prstDash val="solid"/>
+                      <a:round/>
+                      <a:headEnd type="none" w="med" len="med"/>
+                      <a:tailEnd type="none" w="med" len="med"/>
+                    </a:lnL>
+                    <a:lnR w="12700" cap="flat" cmpd="sng" algn="ctr">
+                      <a:noFill/>
+                      <a:prstDash val="solid"/>
+                      <a:round/>
+                      <a:headEnd type="none" w="med" len="med"/>
+                      <a:tailEnd type="none" w="med" len="med"/>
+                    </a:lnR>
+                    <a:lnT w="12700" cap="flat" cmpd="sng" algn="ctr">
+                      <a:noFill/>
+                      <a:prstDash val="solid"/>
+                      <a:round/>
+                      <a:headEnd type="none" w="med" len="med"/>
+                      <a:tailEnd type="none" w="med" len="med"/>
+                    </a:lnT>
+                    <a:lnB w="12700" cap="flat" cmpd="sng" algn="ctr">
+                      <a:noFill/>
+                      <a:prstDash val="solid"/>
+                      <a:round/>
+                      <a:headEnd type="none" w="med" len="med"/>
+                      <a:tailEnd type="none" w="med" len="med"/>
+                    </a:lnB>
+                    <a:lnTlToBr w="12700" cmpd="sng">
+                      <a:noFill/>
+                      <a:prstDash val="solid"/>
+                    </a:lnTlToBr>
+                    <a:lnBlToTr w="12700" cmpd="sng">
+                      <a:noFill/>
+                      <a:prstDash val="solid"/>
+                    </a:lnBlToTr>
+                  </a:tcPr>
+                </a:tc>
+                <a:tc>
+                  <a:txBody>
+                    <a:bodyPr/>
+                    <a:lstStyle/>
+                    <a:p>
+                      <a:r>
+                        <a:rPr lang="en-GB" sz="2400" noProof="0" dirty="0"/>
+                        <a:t>Has three main components which can be combined</a:t>
+                      </a:r>
+                    </a:p>
+                  </a:txBody>
+                  <a:tcPr>
+                    <a:lnL w="12700" cap="flat" cmpd="sng" algn="ctr">
+                      <a:noFill/>
+                      <a:prstDash val="solid"/>
+                      <a:round/>
+                      <a:headEnd type="none" w="med" len="med"/>
+                      <a:tailEnd type="none" w="med" len="med"/>
+                    </a:lnL>
+                    <a:lnR w="12700" cap="flat" cmpd="sng" algn="ctr">
+                      <a:noFill/>
+                      <a:prstDash val="solid"/>
+                      <a:round/>
+                      <a:headEnd type="none" w="med" len="med"/>
+                      <a:tailEnd type="none" w="med" len="med"/>
+                    </a:lnR>
+                    <a:lnT w="12700" cap="flat" cmpd="sng" algn="ctr">
+                      <a:noFill/>
+                      <a:prstDash val="solid"/>
+                      <a:round/>
+                      <a:headEnd type="none" w="med" len="med"/>
+                      <a:tailEnd type="none" w="med" len="med"/>
+                    </a:lnT>
+                    <a:lnB w="12700" cap="flat" cmpd="sng" algn="ctr">
+                      <a:noFill/>
+                      <a:prstDash val="solid"/>
+                      <a:round/>
+                      <a:headEnd type="none" w="med" len="med"/>
+                      <a:tailEnd type="none" w="med" len="med"/>
+                    </a:lnB>
+                    <a:lnTlToBr w="12700" cmpd="sng">
+                      <a:noFill/>
+                      <a:prstDash val="solid"/>
+                    </a:lnTlToBr>
+                    <a:lnBlToTr w="12700" cmpd="sng">
+                      <a:noFill/>
+                      <a:prstDash val="solid"/>
+                    </a:lnBlToTr>
+                  </a:tcPr>
+                </a:tc>
+                <a:extLst>
+                  <a:ext uri="{0D108BD9-81ED-4DB2-BD59-A6C34878D82A}">
+                    <a16:rowId xmlns:a16="http://schemas.microsoft.com/office/drawing/2014/main" val="1148381100"/>
+                  </a:ext>
+                </a:extLst>
+              </a:tr>
+              <a:tr h="370840">
+                <a:tc>
+                  <a:txBody>
+                    <a:bodyPr/>
+                    <a:lstStyle/>
+                    <a:p>
+                      <a:endParaRPr lang="en-GB" sz="2400" b="1" noProof="0" dirty="0"/>
+                    </a:p>
+                  </a:txBody>
+                  <a:tcPr>
+                    <a:lnL w="12700" cap="flat" cmpd="sng" algn="ctr">
+                      <a:noFill/>
+                      <a:prstDash val="solid"/>
+                      <a:round/>
+                      <a:headEnd type="none" w="med" len="med"/>
+                      <a:tailEnd type="none" w="med" len="med"/>
+                    </a:lnL>
+                    <a:lnR w="12700" cap="flat" cmpd="sng" algn="ctr">
+                      <a:noFill/>
+                      <a:prstDash val="solid"/>
+                      <a:round/>
+                      <a:headEnd type="none" w="med" len="med"/>
+                      <a:tailEnd type="none" w="med" len="med"/>
+                    </a:lnR>
+                    <a:lnT w="12700" cap="flat" cmpd="sng" algn="ctr">
+                      <a:noFill/>
+                      <a:prstDash val="solid"/>
+                      <a:round/>
+                      <a:headEnd type="none" w="med" len="med"/>
+                      <a:tailEnd type="none" w="med" len="med"/>
+                    </a:lnT>
+                    <a:lnB w="12700" cap="flat" cmpd="sng" algn="ctr">
+                      <a:noFill/>
+                      <a:prstDash val="solid"/>
+                      <a:round/>
+                      <a:headEnd type="none" w="med" len="med"/>
+                      <a:tailEnd type="none" w="med" len="med"/>
+                    </a:lnB>
+                    <a:lnTlToBr w="12700" cmpd="sng">
+                      <a:noFill/>
+                      <a:prstDash val="solid"/>
+                    </a:lnTlToBr>
+                    <a:lnBlToTr w="12700" cmpd="sng">
+                      <a:noFill/>
+                      <a:prstDash val="solid"/>
+                    </a:lnBlToTr>
+                  </a:tcPr>
+                </a:tc>
+                <a:tc>
+                  <a:txBody>
+                    <a:bodyPr/>
+                    <a:lstStyle/>
+                    <a:p>
+                      <a:pPr marL="514350" indent="-514350">
+                        <a:buFont typeface="+mj-lt"/>
+                        <a:buAutoNum type="arabicPeriod"/>
+                      </a:pPr>
+                      <a:r>
+                        <a:rPr lang="en-GB" sz="2400" noProof="0" dirty="0"/>
+                        <a:t>Fetch data from a defined set of API’s using curl. (Optional)</a:t>
+                      </a:r>
+                    </a:p>
+                    <a:p>
+                      <a:pPr marL="514350" indent="-514350">
+                        <a:buFont typeface="+mj-lt"/>
+                        <a:buAutoNum type="arabicPeriod"/>
+                      </a:pPr>
+                      <a:r>
+                        <a:rPr lang="en-GB" sz="2400" noProof="0" dirty="0"/>
+                        <a:t>Convert the JSON data into a </a:t>
+                      </a:r>
+                      <a:r>
+                        <a:rPr lang="en-GB" sz="2400" noProof="0" dirty="0" err="1"/>
+                        <a:t>PlantUml</a:t>
+                      </a:r>
+                      <a:r>
+                        <a:rPr lang="en-GB" sz="2400" noProof="0" dirty="0"/>
+                        <a:t> script.</a:t>
+                      </a:r>
+                    </a:p>
+                    <a:p>
+                      <a:pPr marL="514350" indent="-514350">
+                        <a:buFont typeface="+mj-lt"/>
+                        <a:buAutoNum type="arabicPeriod"/>
+                      </a:pPr>
+                      <a:r>
+                        <a:rPr lang="en-GB" sz="2400" noProof="0" dirty="0"/>
+                        <a:t>Convert the </a:t>
+                      </a:r>
+                      <a:r>
+                        <a:rPr lang="en-GB" sz="2400" noProof="0" dirty="0" err="1"/>
+                        <a:t>PlantUml</a:t>
+                      </a:r>
+                      <a:r>
+                        <a:rPr lang="en-GB" sz="2400" noProof="0" dirty="0"/>
+                        <a:t> script into a SVG or PNG file using the </a:t>
+                      </a:r>
+                      <a:r>
+                        <a:rPr lang="en-GB" sz="2400" noProof="0" dirty="0" err="1"/>
+                        <a:t>PlantUml</a:t>
+                      </a:r>
+                      <a:r>
+                        <a:rPr lang="en-GB" sz="2400" noProof="0" dirty="0"/>
+                        <a:t> jar file.</a:t>
+                      </a:r>
+                    </a:p>
+                  </a:txBody>
+                  <a:tcPr>
+                    <a:lnL w="12700" cap="flat" cmpd="sng" algn="ctr">
+                      <a:noFill/>
+                      <a:prstDash val="solid"/>
+                      <a:round/>
+                      <a:headEnd type="none" w="med" len="med"/>
+                      <a:tailEnd type="none" w="med" len="med"/>
+                    </a:lnL>
+                    <a:lnR w="12700" cap="flat" cmpd="sng" algn="ctr">
+                      <a:noFill/>
+                      <a:prstDash val="solid"/>
+                      <a:round/>
+                      <a:headEnd type="none" w="med" len="med"/>
+                      <a:tailEnd type="none" w="med" len="med"/>
+                    </a:lnR>
+                    <a:lnT w="12700" cap="flat" cmpd="sng" algn="ctr">
+                      <a:noFill/>
+                      <a:prstDash val="solid"/>
+                      <a:round/>
+                      <a:headEnd type="none" w="med" len="med"/>
+                      <a:tailEnd type="none" w="med" len="med"/>
+                    </a:lnT>
+                    <a:lnB w="12700" cap="flat" cmpd="sng" algn="ctr">
+                      <a:noFill/>
+                      <a:prstDash val="solid"/>
+                      <a:round/>
+                      <a:headEnd type="none" w="med" len="med"/>
+                      <a:tailEnd type="none" w="med" len="med"/>
+                    </a:lnB>
+                    <a:lnTlToBr w="12700" cmpd="sng">
+                      <a:noFill/>
+                      <a:prstDash val="solid"/>
+                    </a:lnTlToBr>
+                    <a:lnBlToTr w="12700" cmpd="sng">
+                      <a:noFill/>
+                      <a:prstDash val="solid"/>
+                    </a:lnBlToTr>
+                  </a:tcPr>
+                </a:tc>
+                <a:extLst>
+                  <a:ext uri="{0D108BD9-81ED-4DB2-BD59-A6C34878D82A}">
+                    <a16:rowId xmlns:a16="http://schemas.microsoft.com/office/drawing/2014/main" val="3122311908"/>
+                  </a:ext>
+                </a:extLst>
+              </a:tr>
+              <a:tr h="370840">
+                <a:tc>
+                  <a:txBody>
+                    <a:bodyPr/>
+                    <a:lstStyle/>
+                    <a:p>
+                      <a:pPr marL="0" marR="0" lvl="0" indent="0" algn="l" defTabSz="914400" rtl="0" eaLnBrk="1" fontAlgn="auto" latinLnBrk="0" hangingPunct="1">
+                        <a:lnSpc>
+                          <a:spcPct val="100000"/>
+                        </a:lnSpc>
+                        <a:spcBef>
+                          <a:spcPts val="0"/>
+                        </a:spcBef>
+                        <a:spcAft>
+                          <a:spcPts val="0"/>
+                        </a:spcAft>
+                        <a:buClrTx/>
+                        <a:buSzTx/>
+                        <a:buFontTx/>
+                        <a:buNone/>
+                        <a:tabLst/>
+                        <a:defRPr/>
+                      </a:pPr>
+                      <a:r>
+                        <a:rPr lang="en-GB" sz="2400" b="1" noProof="0" dirty="0">
+                          <a:latin typeface="Courier New" panose="02070309020205020404" pitchFamily="49" charset="0"/>
+                          <a:cs typeface="Courier New" panose="02070309020205020404" pitchFamily="49" charset="0"/>
+                        </a:rPr>
+                        <a:t>json2puml</a:t>
+                      </a:r>
+                      <a:endParaRPr lang="en-GB" sz="2400" b="1" noProof="0" dirty="0"/>
+                    </a:p>
+                  </a:txBody>
+                  <a:tcPr>
+                    <a:lnL w="12700" cap="flat" cmpd="sng" algn="ctr">
+                      <a:noFill/>
+                      <a:prstDash val="solid"/>
+                      <a:round/>
+                      <a:headEnd type="none" w="med" len="med"/>
+                      <a:tailEnd type="none" w="med" len="med"/>
+                    </a:lnL>
+                    <a:lnR w="12700" cap="flat" cmpd="sng" algn="ctr">
+                      <a:noFill/>
+                      <a:prstDash val="solid"/>
+                      <a:round/>
+                      <a:headEnd type="none" w="med" len="med"/>
+                      <a:tailEnd type="none" w="med" len="med"/>
+                    </a:lnR>
+                    <a:lnT w="12700" cap="flat" cmpd="sng" algn="ctr">
+                      <a:noFill/>
+                      <a:prstDash val="solid"/>
+                      <a:round/>
+                      <a:headEnd type="none" w="med" len="med"/>
+                      <a:tailEnd type="none" w="med" len="med"/>
+                    </a:lnT>
+                    <a:lnB w="12700" cap="flat" cmpd="sng" algn="ctr">
+                      <a:noFill/>
+                      <a:prstDash val="solid"/>
+                      <a:round/>
+                      <a:headEnd type="none" w="med" len="med"/>
+                      <a:tailEnd type="none" w="med" len="med"/>
+                    </a:lnB>
+                    <a:lnTlToBr w="12700" cmpd="sng">
+                      <a:noFill/>
+                      <a:prstDash val="solid"/>
+                    </a:lnTlToBr>
+                    <a:lnBlToTr w="12700" cmpd="sng">
+                      <a:noFill/>
+                      <a:prstDash val="solid"/>
+                    </a:lnBlToTr>
+                  </a:tcPr>
+                </a:tc>
+                <a:tc>
+                  <a:txBody>
+                    <a:bodyPr/>
+                    <a:lstStyle/>
+                    <a:p>
+                      <a:r>
+                        <a:rPr lang="en-GB" sz="2400" noProof="0" dirty="0"/>
+                        <a:t>can automate the fetching of data by using data from an API result as an input criteria for the next API call.</a:t>
+                      </a:r>
+                      <a:br>
+                        <a:rPr lang="en-GB" sz="2400" noProof="0" dirty="0"/>
+                      </a:br>
+                      <a:r>
+                        <a:rPr lang="en-GB" sz="2400" noProof="0" dirty="0"/>
+                        <a:t>E.g. The </a:t>
+                      </a:r>
+                      <a:r>
+                        <a:rPr lang="en-GB" sz="2400" noProof="0" dirty="0">
+                          <a:latin typeface="Courier New" panose="02070309020205020404" pitchFamily="49" charset="0"/>
+                          <a:cs typeface="Courier New" panose="02070309020205020404" pitchFamily="49" charset="0"/>
+                        </a:rPr>
+                        <a:t>get /launch</a:t>
+                      </a:r>
+                      <a:r>
+                        <a:rPr lang="en-GB" sz="2400" noProof="0" dirty="0"/>
+                        <a:t> result includes the ID of the used rocket. This ID can be used for the next </a:t>
+                      </a:r>
+                      <a:r>
+                        <a:rPr lang="en-GB" sz="2400" noProof="0" dirty="0">
+                          <a:latin typeface="Courier New" panose="02070309020205020404" pitchFamily="49" charset="0"/>
+                          <a:cs typeface="Courier New" panose="02070309020205020404" pitchFamily="49" charset="0"/>
+                        </a:rPr>
+                        <a:t>get /rocket</a:t>
+                      </a:r>
+                      <a:r>
+                        <a:rPr lang="en-GB" sz="2400" noProof="0" dirty="0"/>
+                        <a:t> call.</a:t>
+                      </a:r>
+                    </a:p>
+                  </a:txBody>
+                  <a:tcPr>
+                    <a:lnL w="12700" cap="flat" cmpd="sng" algn="ctr">
+                      <a:noFill/>
+                      <a:prstDash val="solid"/>
+                      <a:round/>
+                      <a:headEnd type="none" w="med" len="med"/>
+                      <a:tailEnd type="none" w="med" len="med"/>
+                    </a:lnL>
+                    <a:lnR w="12700" cap="flat" cmpd="sng" algn="ctr">
+                      <a:noFill/>
+                      <a:prstDash val="solid"/>
+                      <a:round/>
+                      <a:headEnd type="none" w="med" len="med"/>
+                      <a:tailEnd type="none" w="med" len="med"/>
+                    </a:lnR>
+                    <a:lnT w="12700" cap="flat" cmpd="sng" algn="ctr">
+                      <a:noFill/>
+                      <a:prstDash val="solid"/>
+                      <a:round/>
+                      <a:headEnd type="none" w="med" len="med"/>
+                      <a:tailEnd type="none" w="med" len="med"/>
+                    </a:lnT>
+                    <a:lnB w="12700" cap="flat" cmpd="sng" algn="ctr">
+                      <a:noFill/>
+                      <a:prstDash val="solid"/>
+                      <a:round/>
+                      <a:headEnd type="none" w="med" len="med"/>
+                      <a:tailEnd type="none" w="med" len="med"/>
+                    </a:lnB>
+                    <a:lnTlToBr w="12700" cmpd="sng">
+                      <a:noFill/>
+                      <a:prstDash val="solid"/>
+                    </a:lnTlToBr>
+                    <a:lnBlToTr w="12700" cmpd="sng">
+                      <a:noFill/>
+                      <a:prstDash val="solid"/>
+                    </a:lnBlToTr>
+                  </a:tcPr>
+                </a:tc>
+                <a:extLst>
+                  <a:ext uri="{0D108BD9-81ED-4DB2-BD59-A6C34878D82A}">
+                    <a16:rowId xmlns:a16="http://schemas.microsoft.com/office/drawing/2014/main" val="55294990"/>
+                  </a:ext>
+                </a:extLst>
+              </a:tr>
+            </a:tbl>
+          </a:graphicData>
+        </a:graphic>
+      </p:graphicFrame>
+    </p:spTree>
+    <p:extLst>
+      <p:ext uri="{BB962C8B-B14F-4D97-AF65-F5344CB8AC3E}">
+        <p14:creationId xmlns:p14="http://schemas.microsoft.com/office/powerpoint/2010/main" val="3063304229"/>
+      </p:ext>
+    </p:extLst>
+  </p:cSld>
+  <p:clrMapOvr>
+    <a:masterClrMapping/>
+  </p:clrMapOvr>
+</p:sld>
+</file>
+
 <file path=ppt/slides/slide14.xml><?xml version="1.0" encoding="utf-8"?>
 <p:sld xmlns:a="http://schemas.openxmlformats.org/drawingml/2006/main" xmlns:r="http://schemas.openxmlformats.org/officeDocument/2006/relationships" xmlns:p="http://schemas.openxmlformats.org/presentationml/2006/main">
   <p:cSld>
@@ -4484,10 +4829,10 @@
       </p:grpSpPr>
       <p:sp>
         <p:nvSpPr>
-          <p:cNvPr id="2" name="Title 1">
+          <p:cNvPr id="2" name="Titel 1">
             <a:extLst>
               <a:ext uri="{FF2B5EF4-FFF2-40B4-BE49-F238E27FC236}">
-                <a16:creationId xmlns:a16="http://schemas.microsoft.com/office/drawing/2014/main" id="{451D9BC3-8557-4FFA-80AD-F6309E989EAA}"/>
+                <a16:creationId xmlns:a16="http://schemas.microsoft.com/office/drawing/2014/main" id="{84DCC747-4632-1243-CBF5-2A2D22A5A8F6}"/>
               </a:ext>
             </a:extLst>
           </p:cNvPr>
@@ -4504,1358 +4849,410 @@
           <a:lstStyle/>
           <a:p>
             <a:r>
-              <a:rPr lang="en-GB" dirty="0">
-                <a:cs typeface="Calibri Light"/>
-              </a:rPr>
-              <a:t>Command line parameters:</a:t>
-            </a:r>
-            <a:endParaRPr lang="en-GB" dirty="0"/>
-          </a:p>
-        </p:txBody>
-      </p:sp>
-      <p:sp>
-        <p:nvSpPr>
-          <p:cNvPr id="3" name="Content Placeholder 2">
+              <a:rPr lang="de-DE" dirty="0"/>
+              <a:t>Operating Systems</a:t>
+            </a:r>
+          </a:p>
+        </p:txBody>
+      </p:sp>
+      <p:graphicFrame>
+        <p:nvGraphicFramePr>
+          <p:cNvPr id="4" name="Inhaltsplatzhalter 3">
             <a:extLst>
               <a:ext uri="{FF2B5EF4-FFF2-40B4-BE49-F238E27FC236}">
-                <a16:creationId xmlns:a16="http://schemas.microsoft.com/office/drawing/2014/main" id="{60F8127B-CBEA-4831-9440-5D40A23E8525}"/>
+                <a16:creationId xmlns:a16="http://schemas.microsoft.com/office/drawing/2014/main" id="{C08308AE-6AD1-E33C-7FAE-184A83FED096}"/>
               </a:ext>
             </a:extLst>
           </p:cNvPr>
-          <p:cNvSpPr>
-            <a:spLocks noGrp="1"/>
-          </p:cNvSpPr>
+          <p:cNvGraphicFramePr>
+            <a:graphicFrameLocks noGrp="1"/>
+          </p:cNvGraphicFramePr>
           <p:nvPr>
             <p:ph idx="1"/>
+            <p:extLst>
+              <p:ext uri="{D42A27DB-BD31-4B8C-83A1-F6EECF244321}">
+                <p14:modId xmlns:p14="http://schemas.microsoft.com/office/powerpoint/2010/main" val="2059341007"/>
+              </p:ext>
+            </p:extLst>
           </p:nvPr>
-        </p:nvSpPr>
-        <p:spPr>
-          <a:xfrm>
-            <a:off x="659072" y="1777219"/>
-            <a:ext cx="10771309" cy="4475430"/>
-          </a:xfrm>
-          <a:solidFill>
-            <a:schemeClr val="bg1">
-              <a:lumMod val="50000"/>
-            </a:schemeClr>
-          </a:solidFill>
-          <a:ln>
-            <a:solidFill>
-              <a:srgbClr val="4472C4"/>
-            </a:solidFill>
-          </a:ln>
-        </p:spPr>
-        <p:txBody>
-          <a:bodyPr vert="horz" lIns="91440" tIns="45720" rIns="91440" bIns="45720" rtlCol="0" anchor="t">
-            <a:normAutofit fontScale="40000" lnSpcReduction="20000"/>
-          </a:bodyPr>
-          <a:lstStyle/>
-          <a:p>
-            <a:pPr marL="0" indent="0">
-              <a:lnSpc>
-                <a:spcPct val="120000"/>
-              </a:lnSpc>
-              <a:spcBef>
-                <a:spcPts val="0"/>
-              </a:spcBef>
-              <a:buNone/>
-            </a:pPr>
-            <a:r>
-              <a:rPr lang="en-GB" dirty="0">
-                <a:solidFill>
-                  <a:srgbClr val="FFFFFF"/>
-                </a:solidFill>
-                <a:latin typeface="Courier New"/>
-                <a:ea typeface="+mn-lt"/>
-                <a:cs typeface="Courier New"/>
-              </a:rPr>
-              <a:t>json2puml TMF-Open API Command Line Converter to PUML</a:t>
-            </a:r>
-            <a:endParaRPr lang="en-GB" dirty="0">
-              <a:solidFill>
-                <a:srgbClr val="FFFFFF"/>
-              </a:solidFill>
-              <a:latin typeface="Courier New"/>
-              <a:cs typeface="Courier New"/>
-            </a:endParaRPr>
-          </a:p>
-          <a:p>
-            <a:pPr marL="0" indent="0">
-              <a:lnSpc>
-                <a:spcPct val="120000"/>
-              </a:lnSpc>
-              <a:spcBef>
-                <a:spcPts val="0"/>
-              </a:spcBef>
-              <a:buNone/>
-            </a:pPr>
-            <a:endParaRPr lang="en-GB">
-              <a:solidFill>
-                <a:srgbClr val="FFFFFF"/>
-              </a:solidFill>
-              <a:latin typeface="Courier New"/>
-              <a:cs typeface="Courier New"/>
-            </a:endParaRPr>
-          </a:p>
-          <a:p>
-            <a:pPr marL="0" indent="0">
-              <a:lnSpc>
-                <a:spcPct val="120000"/>
-              </a:lnSpc>
-              <a:spcBef>
-                <a:spcPts val="0"/>
-              </a:spcBef>
-              <a:buNone/>
-            </a:pPr>
-            <a:endParaRPr lang="en-GB">
-              <a:solidFill>
-                <a:srgbClr val="FFFFFF"/>
-              </a:solidFill>
-              <a:latin typeface="Courier New"/>
-              <a:cs typeface="Courier New"/>
-            </a:endParaRPr>
-          </a:p>
-          <a:p>
-            <a:pPr marL="0" indent="0">
-              <a:lnSpc>
-                <a:spcPct val="120000"/>
-              </a:lnSpc>
-              <a:spcBef>
-                <a:spcPts val="0"/>
-              </a:spcBef>
-              <a:buNone/>
-            </a:pPr>
-            <a:r>
-              <a:rPr lang="en-GB" dirty="0">
-                <a:solidFill>
-                  <a:srgbClr val="FFFFFF"/>
-                </a:solidFill>
-                <a:latin typeface="Courier New"/>
-                <a:ea typeface="+mn-lt"/>
-                <a:cs typeface="Courier New"/>
-              </a:rPr>
-              <a:t>/?                         : Help screen</a:t>
-            </a:r>
-            <a:endParaRPr lang="en-GB" dirty="0">
-              <a:solidFill>
-                <a:srgbClr val="FFFFFF"/>
-              </a:solidFill>
-              <a:latin typeface="Courier New"/>
-              <a:cs typeface="Courier New"/>
-            </a:endParaRPr>
-          </a:p>
-          <a:p>
-            <a:pPr marL="0" indent="0">
-              <a:lnSpc>
-                <a:spcPct val="120000"/>
-              </a:lnSpc>
-              <a:spcBef>
-                <a:spcPts val="0"/>
-              </a:spcBef>
-              <a:buNone/>
-            </a:pPr>
-            <a:r>
-              <a:rPr lang="en-GB" dirty="0">
-                <a:solidFill>
-                  <a:srgbClr val="FFFFFF"/>
-                </a:solidFill>
-                <a:latin typeface="Courier New"/>
-                <a:ea typeface="+mn-lt"/>
-                <a:cs typeface="Courier New"/>
-              </a:rPr>
-              <a:t>/</a:t>
-            </a:r>
-            <a:r>
-              <a:rPr lang="en-GB" dirty="0" err="1">
-                <a:solidFill>
-                  <a:srgbClr val="FFFFFF"/>
-                </a:solidFill>
-                <a:latin typeface="Courier New"/>
-                <a:ea typeface="+mn-lt"/>
-                <a:cs typeface="Courier New"/>
-              </a:rPr>
-              <a:t>plantumljar</a:t>
-            </a:r>
-            <a:r>
-              <a:rPr lang="en-GB" dirty="0">
-                <a:solidFill>
-                  <a:srgbClr val="FFFFFF"/>
-                </a:solidFill>
-                <a:latin typeface="Courier New"/>
-                <a:ea typeface="+mn-lt"/>
-                <a:cs typeface="Courier New"/>
-              </a:rPr>
-              <a:t>:&lt;file&gt;        : </a:t>
-            </a:r>
-            <a:r>
-              <a:rPr lang="en-GB" dirty="0" err="1">
-                <a:solidFill>
-                  <a:srgbClr val="FFFFFF"/>
-                </a:solidFill>
-                <a:latin typeface="Courier New"/>
-                <a:ea typeface="+mn-lt"/>
-                <a:cs typeface="Courier New"/>
-              </a:rPr>
-              <a:t>Plantuml</a:t>
-            </a:r>
-            <a:r>
-              <a:rPr lang="en-GB" dirty="0">
-                <a:solidFill>
-                  <a:srgbClr val="FFFFFF"/>
-                </a:solidFill>
-                <a:latin typeface="Courier New"/>
-                <a:ea typeface="+mn-lt"/>
-                <a:cs typeface="Courier New"/>
-              </a:rPr>
-              <a:t> Jar file which should be used to generate the sample images</a:t>
-            </a:r>
-            <a:endParaRPr lang="en-GB" dirty="0">
-              <a:solidFill>
-                <a:srgbClr val="FFFFFF"/>
-              </a:solidFill>
-              <a:latin typeface="Courier New"/>
-              <a:cs typeface="Courier New"/>
-            </a:endParaRPr>
-          </a:p>
-          <a:p>
-            <a:pPr marL="0" indent="0">
-              <a:lnSpc>
-                <a:spcPct val="120000"/>
-              </a:lnSpc>
-              <a:spcBef>
-                <a:spcPts val="0"/>
-              </a:spcBef>
-              <a:buNone/>
-            </a:pPr>
-            <a:r>
-              <a:rPr lang="en-GB" dirty="0">
-                <a:solidFill>
-                  <a:srgbClr val="FFFFFF"/>
-                </a:solidFill>
-                <a:latin typeface="Courier New"/>
-                <a:ea typeface="+mn-lt"/>
-                <a:cs typeface="Courier New"/>
-              </a:rPr>
-              <a:t>                             If defined this parameter overwrites the corresponding parameter in the definition file</a:t>
-            </a:r>
-            <a:endParaRPr lang="en-GB" dirty="0">
-              <a:solidFill>
-                <a:srgbClr val="FFFFFF"/>
-              </a:solidFill>
-              <a:latin typeface="Courier New"/>
-              <a:cs typeface="Courier New"/>
-            </a:endParaRPr>
-          </a:p>
-          <a:p>
-            <a:pPr marL="0" indent="0">
-              <a:lnSpc>
-                <a:spcPct val="120000"/>
-              </a:lnSpc>
-              <a:spcBef>
-                <a:spcPts val="0"/>
-              </a:spcBef>
-              <a:buNone/>
-            </a:pPr>
-            <a:endParaRPr lang="en-GB">
-              <a:solidFill>
-                <a:srgbClr val="FFFFFF"/>
-              </a:solidFill>
-              <a:latin typeface="Courier New"/>
-              <a:cs typeface="Courier New"/>
-            </a:endParaRPr>
-          </a:p>
-          <a:p>
-            <a:pPr marL="0" indent="0">
-              <a:lnSpc>
-                <a:spcPct val="120000"/>
-              </a:lnSpc>
-              <a:spcBef>
-                <a:spcPts val="0"/>
-              </a:spcBef>
-              <a:buNone/>
-            </a:pPr>
-            <a:r>
-              <a:rPr lang="en-GB" dirty="0">
-                <a:solidFill>
-                  <a:srgbClr val="FFFFFF"/>
-                </a:solidFill>
-                <a:latin typeface="Courier New"/>
-                <a:ea typeface="+mn-lt"/>
-                <a:cs typeface="Courier New"/>
-              </a:rPr>
-              <a:t>/definition:&lt;file&gt;         : </a:t>
-            </a:r>
-            <a:r>
-              <a:rPr lang="en-GB" dirty="0" err="1">
-                <a:solidFill>
-                  <a:srgbClr val="FFFFFF"/>
-                </a:solidFill>
-                <a:latin typeface="Courier New"/>
-                <a:ea typeface="+mn-lt"/>
-                <a:cs typeface="Courier New"/>
-              </a:rPr>
-              <a:t>Definitionfile</a:t>
-            </a:r>
-            <a:r>
-              <a:rPr lang="en-GB" dirty="0">
-                <a:solidFill>
-                  <a:srgbClr val="FFFFFF"/>
-                </a:solidFill>
-                <a:latin typeface="Courier New"/>
-                <a:ea typeface="+mn-lt"/>
-                <a:cs typeface="Courier New"/>
-              </a:rPr>
-              <a:t> which contains the configuration of the mapper</a:t>
-            </a:r>
-            <a:endParaRPr lang="en-GB" dirty="0">
-              <a:solidFill>
-                <a:srgbClr val="FFFFFF"/>
-              </a:solidFill>
-              <a:latin typeface="Courier New"/>
-              <a:cs typeface="Courier New"/>
-            </a:endParaRPr>
-          </a:p>
-          <a:p>
-            <a:pPr marL="0" indent="0">
-              <a:lnSpc>
-                <a:spcPct val="120000"/>
-              </a:lnSpc>
-              <a:spcBef>
-                <a:spcPts val="0"/>
-              </a:spcBef>
-              <a:buNone/>
-            </a:pPr>
-            <a:r>
-              <a:rPr lang="en-GB" dirty="0">
-                <a:solidFill>
-                  <a:srgbClr val="FFFFFF"/>
-                </a:solidFill>
-                <a:latin typeface="Courier New"/>
-                <a:ea typeface="+mn-lt"/>
-                <a:cs typeface="Courier New"/>
-              </a:rPr>
-              <a:t>/</a:t>
-            </a:r>
-            <a:r>
-              <a:rPr lang="en-GB" dirty="0" err="1">
-                <a:solidFill>
-                  <a:srgbClr val="FFFFFF"/>
-                </a:solidFill>
-                <a:latin typeface="Courier New"/>
-                <a:ea typeface="+mn-lt"/>
-                <a:cs typeface="Courier New"/>
-              </a:rPr>
-              <a:t>optionfile</a:t>
-            </a:r>
-            <a:r>
-              <a:rPr lang="en-GB" dirty="0">
-                <a:solidFill>
-                  <a:srgbClr val="FFFFFF"/>
-                </a:solidFill>
-                <a:latin typeface="Courier New"/>
-                <a:ea typeface="+mn-lt"/>
-                <a:cs typeface="Courier New"/>
-              </a:rPr>
-              <a:t>:&lt;file&gt;         : </a:t>
-            </a:r>
-            <a:r>
-              <a:rPr lang="en-GB" dirty="0" err="1">
-                <a:solidFill>
-                  <a:srgbClr val="FFFFFF"/>
-                </a:solidFill>
-                <a:latin typeface="Courier New"/>
-                <a:ea typeface="+mn-lt"/>
-                <a:cs typeface="Courier New"/>
-              </a:rPr>
-              <a:t>Optionfile</a:t>
-            </a:r>
-            <a:r>
-              <a:rPr lang="en-GB" dirty="0">
-                <a:solidFill>
-                  <a:srgbClr val="FFFFFF"/>
-                </a:solidFill>
-                <a:latin typeface="Courier New"/>
-                <a:ea typeface="+mn-lt"/>
-                <a:cs typeface="Courier New"/>
-              </a:rPr>
-              <a:t> which contains only the configuration of one option which then will be used for generation</a:t>
-            </a:r>
-            <a:endParaRPr lang="en-GB" dirty="0">
-              <a:solidFill>
-                <a:srgbClr val="FFFFFF"/>
-              </a:solidFill>
-              <a:latin typeface="Courier New"/>
-              <a:cs typeface="Courier New"/>
-            </a:endParaRPr>
-          </a:p>
-          <a:p>
-            <a:pPr marL="0" indent="0">
-              <a:lnSpc>
-                <a:spcPct val="120000"/>
-              </a:lnSpc>
-              <a:spcBef>
-                <a:spcPts val="0"/>
-              </a:spcBef>
-              <a:buNone/>
-            </a:pPr>
-            <a:r>
-              <a:rPr lang="en-GB" dirty="0">
-                <a:solidFill>
-                  <a:srgbClr val="FFFFFF"/>
-                </a:solidFill>
-                <a:latin typeface="Courier New"/>
-                <a:ea typeface="+mn-lt"/>
-                <a:cs typeface="Courier New"/>
-              </a:rPr>
-              <a:t>/option:&lt;name&gt;             : Name of the option group of the </a:t>
-            </a:r>
-            <a:r>
-              <a:rPr lang="en-GB" dirty="0" err="1">
-                <a:solidFill>
-                  <a:srgbClr val="FFFFFF"/>
-                </a:solidFill>
-                <a:latin typeface="Courier New"/>
-                <a:ea typeface="+mn-lt"/>
-                <a:cs typeface="Courier New"/>
-              </a:rPr>
-              <a:t>definitionfile</a:t>
-            </a:r>
-            <a:r>
-              <a:rPr lang="en-GB" dirty="0">
-                <a:solidFill>
-                  <a:srgbClr val="FFFFFF"/>
-                </a:solidFill>
-                <a:latin typeface="Courier New"/>
-                <a:ea typeface="+mn-lt"/>
-                <a:cs typeface="Courier New"/>
-              </a:rPr>
-              <a:t> which should be used to generate the files</a:t>
-            </a:r>
-            <a:endParaRPr lang="en-GB" dirty="0">
-              <a:solidFill>
-                <a:srgbClr val="FFFFFF"/>
-              </a:solidFill>
-              <a:latin typeface="Courier New"/>
-              <a:cs typeface="Courier New"/>
-            </a:endParaRPr>
-          </a:p>
-          <a:p>
-            <a:pPr marL="0" indent="0">
-              <a:lnSpc>
-                <a:spcPct val="120000"/>
-              </a:lnSpc>
-              <a:spcBef>
-                <a:spcPts val="0"/>
-              </a:spcBef>
-              <a:buNone/>
-            </a:pPr>
-            <a:r>
-              <a:rPr lang="en-GB" dirty="0">
-                <a:solidFill>
-                  <a:srgbClr val="FFFFFF"/>
-                </a:solidFill>
-                <a:latin typeface="Courier New"/>
-                <a:ea typeface="+mn-lt"/>
-                <a:cs typeface="Courier New"/>
-              </a:rPr>
-              <a:t>/</a:t>
-            </a:r>
-            <a:r>
-              <a:rPr lang="en-GB" dirty="0" err="1">
-                <a:solidFill>
-                  <a:srgbClr val="FFFFFF"/>
-                </a:solidFill>
-                <a:latin typeface="Courier New"/>
-                <a:ea typeface="+mn-lt"/>
-                <a:cs typeface="Courier New"/>
-              </a:rPr>
-              <a:t>alloptions</a:t>
-            </a:r>
-            <a:r>
-              <a:rPr lang="en-GB" dirty="0">
-                <a:solidFill>
-                  <a:srgbClr val="FFFFFF"/>
-                </a:solidFill>
-                <a:latin typeface="Courier New"/>
-                <a:ea typeface="+mn-lt"/>
-                <a:cs typeface="Courier New"/>
-              </a:rPr>
-              <a:t>                : Flag to generate for all defined options</a:t>
-            </a:r>
-            <a:endParaRPr lang="en-GB" dirty="0">
-              <a:solidFill>
-                <a:srgbClr val="FFFFFF"/>
-              </a:solidFill>
-              <a:latin typeface="Courier New"/>
-              <a:cs typeface="Courier New"/>
-            </a:endParaRPr>
-          </a:p>
-          <a:p>
-            <a:pPr marL="0" indent="0">
-              <a:lnSpc>
-                <a:spcPct val="120000"/>
-              </a:lnSpc>
-              <a:spcBef>
-                <a:spcPts val="0"/>
-              </a:spcBef>
-              <a:buNone/>
-            </a:pPr>
-            <a:endParaRPr lang="en-GB">
-              <a:solidFill>
-                <a:srgbClr val="FFFFFF"/>
-              </a:solidFill>
-              <a:latin typeface="Courier New"/>
-              <a:cs typeface="Courier New"/>
-            </a:endParaRPr>
-          </a:p>
-          <a:p>
-            <a:pPr marL="0" indent="0">
-              <a:lnSpc>
-                <a:spcPct val="120000"/>
-              </a:lnSpc>
-              <a:spcBef>
-                <a:spcPts val="0"/>
-              </a:spcBef>
-              <a:buNone/>
-            </a:pPr>
-            <a:r>
-              <a:rPr lang="en-GB" dirty="0">
-                <a:solidFill>
-                  <a:srgbClr val="FFFFFF"/>
-                </a:solidFill>
-                <a:latin typeface="Courier New"/>
-                <a:ea typeface="+mn-lt"/>
-                <a:cs typeface="Courier New"/>
-              </a:rPr>
-              <a:t>/</a:t>
-            </a:r>
-            <a:r>
-              <a:rPr lang="en-GB" dirty="0" err="1">
-                <a:solidFill>
-                  <a:srgbClr val="FFFFFF"/>
-                </a:solidFill>
-                <a:latin typeface="Courier New"/>
-                <a:ea typeface="+mn-lt"/>
-                <a:cs typeface="Courier New"/>
-              </a:rPr>
-              <a:t>inputfile</a:t>
-            </a:r>
-            <a:r>
-              <a:rPr lang="en-GB" dirty="0">
-                <a:solidFill>
-                  <a:srgbClr val="FFFFFF"/>
-                </a:solidFill>
-                <a:latin typeface="Courier New"/>
-                <a:ea typeface="+mn-lt"/>
-                <a:cs typeface="Courier New"/>
-              </a:rPr>
-              <a:t>:&lt;file&gt;          : Single JSON file to be migrated</a:t>
-            </a:r>
-            <a:endParaRPr lang="en-GB" dirty="0">
-              <a:solidFill>
-                <a:srgbClr val="FFFFFF"/>
-              </a:solidFill>
-              <a:latin typeface="Courier New"/>
-              <a:cs typeface="Courier New"/>
-            </a:endParaRPr>
-          </a:p>
-          <a:p>
-            <a:pPr marL="0" indent="0">
-              <a:lnSpc>
-                <a:spcPct val="120000"/>
-              </a:lnSpc>
-              <a:spcBef>
-                <a:spcPts val="0"/>
-              </a:spcBef>
-              <a:buNone/>
-            </a:pPr>
-            <a:r>
-              <a:rPr lang="en-GB" dirty="0">
-                <a:solidFill>
-                  <a:srgbClr val="FFFFFF"/>
-                </a:solidFill>
-                <a:latin typeface="Courier New"/>
-                <a:ea typeface="+mn-lt"/>
-                <a:cs typeface="Courier New"/>
-              </a:rPr>
-              <a:t>/</a:t>
-            </a:r>
-            <a:r>
-              <a:rPr lang="en-GB" dirty="0" err="1">
-                <a:solidFill>
-                  <a:srgbClr val="FFFFFF"/>
-                </a:solidFill>
-                <a:latin typeface="Courier New"/>
-                <a:ea typeface="+mn-lt"/>
-                <a:cs typeface="Courier New"/>
-              </a:rPr>
-              <a:t>inputlistfile</a:t>
-            </a:r>
-            <a:r>
-              <a:rPr lang="en-GB" dirty="0">
-                <a:solidFill>
-                  <a:srgbClr val="FFFFFF"/>
-                </a:solidFill>
-                <a:latin typeface="Courier New"/>
-                <a:ea typeface="+mn-lt"/>
-                <a:cs typeface="Courier New"/>
-              </a:rPr>
-              <a:t>:&lt;file&gt;      : </a:t>
-            </a:r>
-            <a:r>
-              <a:rPr lang="en-GB" dirty="0" err="1">
-                <a:solidFill>
-                  <a:srgbClr val="FFFFFF"/>
-                </a:solidFill>
-                <a:latin typeface="Courier New"/>
-                <a:ea typeface="+mn-lt"/>
-                <a:cs typeface="Courier New"/>
-              </a:rPr>
-              <a:t>Listfile</a:t>
-            </a:r>
-            <a:r>
-              <a:rPr lang="en-GB" dirty="0">
-                <a:solidFill>
-                  <a:srgbClr val="FFFFFF"/>
-                </a:solidFill>
-                <a:latin typeface="Courier New"/>
-                <a:ea typeface="+mn-lt"/>
-                <a:cs typeface="Courier New"/>
-              </a:rPr>
-              <a:t> which contains the </a:t>
-            </a:r>
-            <a:r>
-              <a:rPr lang="en-GB" dirty="0" err="1">
-                <a:solidFill>
-                  <a:srgbClr val="FFFFFF"/>
-                </a:solidFill>
-                <a:latin typeface="Courier New"/>
-                <a:ea typeface="+mn-lt"/>
-                <a:cs typeface="Courier New"/>
-              </a:rPr>
-              <a:t>coniguration</a:t>
-            </a:r>
-            <a:r>
-              <a:rPr lang="en-GB" dirty="0">
-                <a:solidFill>
-                  <a:srgbClr val="FFFFFF"/>
-                </a:solidFill>
-                <a:latin typeface="Courier New"/>
-                <a:ea typeface="+mn-lt"/>
-                <a:cs typeface="Courier New"/>
-              </a:rPr>
-              <a:t> to handle list of</a:t>
-            </a:r>
-            <a:endParaRPr lang="en-GB" dirty="0">
-              <a:solidFill>
-                <a:srgbClr val="FFFFFF"/>
-              </a:solidFill>
-              <a:latin typeface="Courier New"/>
-              <a:cs typeface="Courier New"/>
-            </a:endParaRPr>
-          </a:p>
-          <a:p>
-            <a:pPr marL="0" indent="0">
-              <a:lnSpc>
-                <a:spcPct val="120000"/>
-              </a:lnSpc>
-              <a:spcBef>
-                <a:spcPts val="0"/>
-              </a:spcBef>
-              <a:buNone/>
-            </a:pPr>
-            <a:r>
-              <a:rPr lang="en-GB" dirty="0">
-                <a:solidFill>
-                  <a:srgbClr val="FFFFFF"/>
-                </a:solidFill>
-                <a:latin typeface="Courier New"/>
-                <a:ea typeface="+mn-lt"/>
-                <a:cs typeface="Courier New"/>
-              </a:rPr>
-              <a:t>                             different files to be migrated as one big file</a:t>
-            </a:r>
-            <a:endParaRPr lang="en-GB" dirty="0">
-              <a:solidFill>
-                <a:srgbClr val="FFFFFF"/>
-              </a:solidFill>
-              <a:latin typeface="Courier New"/>
-              <a:cs typeface="Courier New"/>
-            </a:endParaRPr>
-          </a:p>
-          <a:p>
-            <a:pPr marL="0" indent="0">
-              <a:lnSpc>
-                <a:spcPct val="120000"/>
-              </a:lnSpc>
-              <a:spcBef>
-                <a:spcPts val="0"/>
-              </a:spcBef>
-              <a:buNone/>
-            </a:pPr>
-            <a:r>
-              <a:rPr lang="en-GB" dirty="0">
-                <a:solidFill>
-                  <a:srgbClr val="FFFFFF"/>
-                </a:solidFill>
-                <a:latin typeface="Courier New"/>
-                <a:ea typeface="+mn-lt"/>
-                <a:cs typeface="Courier New"/>
-              </a:rPr>
-              <a:t>/</a:t>
-            </a:r>
-            <a:r>
-              <a:rPr lang="en-GB" dirty="0" err="1">
-                <a:solidFill>
-                  <a:srgbClr val="FFFFFF"/>
-                </a:solidFill>
-                <a:latin typeface="Courier New"/>
-                <a:ea typeface="+mn-lt"/>
-                <a:cs typeface="Courier New"/>
-              </a:rPr>
-              <a:t>leadingobject</a:t>
-            </a:r>
-            <a:r>
-              <a:rPr lang="en-GB" dirty="0">
-                <a:solidFill>
-                  <a:srgbClr val="FFFFFF"/>
-                </a:solidFill>
-                <a:latin typeface="Courier New"/>
-                <a:ea typeface="+mn-lt"/>
-                <a:cs typeface="Courier New"/>
-              </a:rPr>
-              <a:t>:&lt;name&gt;      : Name of the property which should be used as highest level of the </a:t>
-            </a:r>
-            <a:r>
-              <a:rPr lang="en-GB" dirty="0" err="1">
-                <a:solidFill>
-                  <a:srgbClr val="FFFFFF"/>
-                </a:solidFill>
-                <a:latin typeface="Courier New"/>
-                <a:ea typeface="+mn-lt"/>
-                <a:cs typeface="Courier New"/>
-              </a:rPr>
-              <a:t>json</a:t>
-            </a:r>
-            <a:r>
-              <a:rPr lang="en-GB" dirty="0">
-                <a:solidFill>
-                  <a:srgbClr val="FFFFFF"/>
-                </a:solidFill>
-                <a:latin typeface="Courier New"/>
-                <a:ea typeface="+mn-lt"/>
-                <a:cs typeface="Courier New"/>
-              </a:rPr>
-              <a:t> objects</a:t>
-            </a:r>
-            <a:endParaRPr lang="en-GB" dirty="0">
-              <a:solidFill>
-                <a:srgbClr val="FFFFFF"/>
-              </a:solidFill>
-              <a:latin typeface="Courier New"/>
-              <a:cs typeface="Courier New"/>
-            </a:endParaRPr>
-          </a:p>
-          <a:p>
-            <a:pPr marL="0" indent="0">
-              <a:lnSpc>
-                <a:spcPct val="120000"/>
-              </a:lnSpc>
-              <a:spcBef>
-                <a:spcPts val="0"/>
-              </a:spcBef>
-              <a:buNone/>
-            </a:pPr>
-            <a:r>
-              <a:rPr lang="en-GB" dirty="0">
-                <a:solidFill>
-                  <a:srgbClr val="FFFFFF"/>
-                </a:solidFill>
-                <a:latin typeface="Courier New"/>
-                <a:ea typeface="+mn-lt"/>
-                <a:cs typeface="Courier New"/>
-              </a:rPr>
-              <a:t>                             This parameter is only needed for the single file conversion</a:t>
-            </a:r>
-            <a:endParaRPr lang="en-GB" dirty="0">
-              <a:solidFill>
-                <a:srgbClr val="FFFFFF"/>
-              </a:solidFill>
-              <a:latin typeface="Courier New"/>
-              <a:cs typeface="Courier New"/>
-            </a:endParaRPr>
-          </a:p>
-          <a:p>
-            <a:pPr marL="0" indent="0">
-              <a:lnSpc>
-                <a:spcPct val="120000"/>
-              </a:lnSpc>
-              <a:spcBef>
-                <a:spcPts val="0"/>
-              </a:spcBef>
-              <a:buNone/>
-            </a:pPr>
-            <a:endParaRPr lang="en-GB">
-              <a:solidFill>
-                <a:srgbClr val="FFFFFF"/>
-              </a:solidFill>
-              <a:latin typeface="Courier New"/>
-              <a:cs typeface="Courier New"/>
-            </a:endParaRPr>
-          </a:p>
-          <a:p>
-            <a:pPr marL="0" indent="0">
-              <a:lnSpc>
-                <a:spcPct val="120000"/>
-              </a:lnSpc>
-              <a:spcBef>
-                <a:spcPts val="0"/>
-              </a:spcBef>
-              <a:buNone/>
-            </a:pPr>
-            <a:r>
-              <a:rPr lang="en-GB" dirty="0">
-                <a:solidFill>
-                  <a:srgbClr val="FFFFFF"/>
-                </a:solidFill>
-                <a:latin typeface="Courier New"/>
-                <a:ea typeface="+mn-lt"/>
-                <a:cs typeface="Courier New"/>
-              </a:rPr>
-              <a:t>/</a:t>
-            </a:r>
-            <a:r>
-              <a:rPr lang="en-GB" dirty="0" err="1">
-                <a:solidFill>
-                  <a:srgbClr val="FFFFFF"/>
-                </a:solidFill>
-                <a:latin typeface="Courier New"/>
-                <a:ea typeface="+mn-lt"/>
-                <a:cs typeface="Courier New"/>
-              </a:rPr>
-              <a:t>outputformat</a:t>
-            </a:r>
-            <a:r>
-              <a:rPr lang="en-GB" dirty="0">
-                <a:solidFill>
-                  <a:srgbClr val="FFFFFF"/>
-                </a:solidFill>
-                <a:latin typeface="Courier New"/>
-                <a:ea typeface="+mn-lt"/>
-                <a:cs typeface="Courier New"/>
-              </a:rPr>
-              <a:t>:&lt;format&gt;     : Format of the generated </a:t>
-            </a:r>
-            <a:r>
-              <a:rPr lang="en-GB" dirty="0" err="1">
-                <a:solidFill>
-                  <a:srgbClr val="FFFFFF"/>
-                </a:solidFill>
-                <a:latin typeface="Courier New"/>
-                <a:ea typeface="+mn-lt"/>
-                <a:cs typeface="Courier New"/>
-              </a:rPr>
-              <a:t>Puml</a:t>
-            </a:r>
-            <a:r>
-              <a:rPr lang="en-GB" dirty="0">
-                <a:solidFill>
-                  <a:srgbClr val="FFFFFF"/>
-                </a:solidFill>
-                <a:latin typeface="Courier New"/>
-                <a:ea typeface="+mn-lt"/>
-                <a:cs typeface="Courier New"/>
-              </a:rPr>
-              <a:t> converters (Allowed values: </a:t>
-            </a:r>
-            <a:r>
-              <a:rPr lang="en-GB" dirty="0" err="1">
-                <a:solidFill>
-                  <a:srgbClr val="FFFFFF"/>
-                </a:solidFill>
-                <a:latin typeface="Courier New"/>
-                <a:ea typeface="+mn-lt"/>
-                <a:cs typeface="Courier New"/>
-              </a:rPr>
-              <a:t>png,svg,pdf</a:t>
-            </a:r>
-            <a:r>
-              <a:rPr lang="en-GB" dirty="0">
-                <a:solidFill>
-                  <a:srgbClr val="FFFFFF"/>
-                </a:solidFill>
-                <a:latin typeface="Courier New"/>
-                <a:ea typeface="+mn-lt"/>
-                <a:cs typeface="Courier New"/>
-              </a:rPr>
-              <a:t>)</a:t>
-            </a:r>
-            <a:endParaRPr lang="en-GB" dirty="0">
-              <a:solidFill>
-                <a:srgbClr val="FFFFFF"/>
-              </a:solidFill>
-              <a:latin typeface="Courier New"/>
-              <a:cs typeface="Courier New"/>
-            </a:endParaRPr>
-          </a:p>
-          <a:p>
-            <a:pPr marL="0" indent="0">
-              <a:lnSpc>
-                <a:spcPct val="120000"/>
-              </a:lnSpc>
-              <a:spcBef>
-                <a:spcPts val="0"/>
-              </a:spcBef>
-              <a:buNone/>
-            </a:pPr>
-            <a:r>
-              <a:rPr lang="en-GB" dirty="0">
-                <a:solidFill>
-                  <a:srgbClr val="FFFFFF"/>
-                </a:solidFill>
-                <a:latin typeface="Courier New"/>
-                <a:ea typeface="+mn-lt"/>
-                <a:cs typeface="Courier New"/>
-              </a:rPr>
-              <a:t>/</a:t>
-            </a:r>
-            <a:r>
-              <a:rPr lang="en-GB" dirty="0" err="1">
-                <a:solidFill>
-                  <a:srgbClr val="FFFFFF"/>
-                </a:solidFill>
-                <a:latin typeface="Courier New"/>
-                <a:ea typeface="+mn-lt"/>
-                <a:cs typeface="Courier New"/>
-              </a:rPr>
-              <a:t>openoutput</a:t>
-            </a:r>
-            <a:r>
-              <a:rPr lang="en-GB" dirty="0">
-                <a:solidFill>
-                  <a:srgbClr val="FFFFFF"/>
-                </a:solidFill>
-                <a:latin typeface="Courier New"/>
-                <a:ea typeface="+mn-lt"/>
-                <a:cs typeface="Courier New"/>
-              </a:rPr>
-              <a:t>:[&lt;format&gt;]     : Flag to define if the generated files should be opened after the generation.</a:t>
-            </a:r>
-            <a:endParaRPr lang="en-GB" dirty="0">
-              <a:solidFill>
-                <a:srgbClr val="FFFFFF"/>
-              </a:solidFill>
-              <a:latin typeface="Courier New"/>
-              <a:cs typeface="Courier New"/>
-            </a:endParaRPr>
-          </a:p>
-          <a:p>
-            <a:pPr marL="0" indent="0">
-              <a:lnSpc>
-                <a:spcPct val="120000"/>
-              </a:lnSpc>
-              <a:spcBef>
-                <a:spcPts val="0"/>
-              </a:spcBef>
-              <a:buNone/>
-            </a:pPr>
-            <a:r>
-              <a:rPr lang="en-GB" dirty="0">
-                <a:solidFill>
-                  <a:srgbClr val="FFFFFF"/>
-                </a:solidFill>
-                <a:latin typeface="Courier New"/>
-                <a:ea typeface="+mn-lt"/>
-                <a:cs typeface="Courier New"/>
-              </a:rPr>
-              <a:t>                             The files will be opened using the default program to handle the file format.</a:t>
-            </a:r>
-            <a:endParaRPr lang="en-GB" dirty="0">
-              <a:solidFill>
-                <a:srgbClr val="FFFFFF"/>
-              </a:solidFill>
-              <a:latin typeface="Courier New"/>
-              <a:cs typeface="Courier New"/>
-            </a:endParaRPr>
-          </a:p>
-          <a:p>
-            <a:pPr marL="0" indent="0">
-              <a:lnSpc>
-                <a:spcPct val="120000"/>
-              </a:lnSpc>
-              <a:spcBef>
-                <a:spcPts val="0"/>
-              </a:spcBef>
-              <a:buNone/>
-            </a:pPr>
-            <a:r>
-              <a:rPr lang="en-GB" dirty="0">
-                <a:solidFill>
-                  <a:srgbClr val="FFFFFF"/>
-                </a:solidFill>
-                <a:latin typeface="Courier New"/>
-                <a:ea typeface="+mn-lt"/>
-                <a:cs typeface="Courier New"/>
-              </a:rPr>
-              <a:t>                             Optional the files to be </a:t>
-            </a:r>
-            <a:r>
-              <a:rPr lang="en-GB" dirty="0" err="1">
-                <a:solidFill>
-                  <a:srgbClr val="FFFFFF"/>
-                </a:solidFill>
-                <a:latin typeface="Courier New"/>
-                <a:ea typeface="+mn-lt"/>
-                <a:cs typeface="Courier New"/>
-              </a:rPr>
-              <a:t>opended</a:t>
-            </a:r>
-            <a:r>
-              <a:rPr lang="en-GB" dirty="0">
-                <a:solidFill>
-                  <a:srgbClr val="FFFFFF"/>
-                </a:solidFill>
-                <a:latin typeface="Courier New"/>
-                <a:ea typeface="+mn-lt"/>
-                <a:cs typeface="Courier New"/>
-              </a:rPr>
-              <a:t> can be restricted by the format types (Allowed values: </a:t>
-            </a:r>
-            <a:r>
-              <a:rPr lang="en-GB" dirty="0" err="1">
-                <a:solidFill>
-                  <a:srgbClr val="FFFFFF"/>
-                </a:solidFill>
-                <a:latin typeface="Courier New"/>
-                <a:ea typeface="+mn-lt"/>
-                <a:cs typeface="Courier New"/>
-              </a:rPr>
-              <a:t>png,svg,pdf,puml</a:t>
-            </a:r>
-            <a:r>
-              <a:rPr lang="en-GB" dirty="0">
-                <a:solidFill>
-                  <a:srgbClr val="FFFFFF"/>
-                </a:solidFill>
-                <a:latin typeface="Courier New"/>
-                <a:ea typeface="+mn-lt"/>
-                <a:cs typeface="Courier New"/>
-              </a:rPr>
-              <a:t>)</a:t>
-            </a:r>
-            <a:endParaRPr lang="en-GB" dirty="0">
-              <a:solidFill>
-                <a:srgbClr val="FFFFFF"/>
-              </a:solidFill>
-              <a:latin typeface="Courier New"/>
-              <a:cs typeface="Courier New"/>
-            </a:endParaRPr>
-          </a:p>
-          <a:p>
-            <a:pPr marL="0" indent="0">
-              <a:lnSpc>
-                <a:spcPct val="120000"/>
-              </a:lnSpc>
-              <a:spcBef>
-                <a:spcPts val="0"/>
-              </a:spcBef>
-              <a:buNone/>
-            </a:pPr>
-            <a:endParaRPr lang="en-GB">
-              <a:solidFill>
-                <a:srgbClr val="FFFFFF"/>
-              </a:solidFill>
-              <a:latin typeface="Courier New"/>
-              <a:cs typeface="Courier New"/>
-            </a:endParaRPr>
-          </a:p>
-          <a:p>
-            <a:pPr marL="0" indent="0">
-              <a:lnSpc>
-                <a:spcPct val="120000"/>
-              </a:lnSpc>
-              <a:spcBef>
-                <a:spcPts val="0"/>
-              </a:spcBef>
-              <a:buNone/>
-            </a:pPr>
-            <a:r>
-              <a:rPr lang="en-GB" dirty="0">
-                <a:solidFill>
-                  <a:srgbClr val="FFFFFF"/>
-                </a:solidFill>
-                <a:latin typeface="Courier New"/>
-                <a:ea typeface="+mn-lt"/>
-                <a:cs typeface="Courier New"/>
-              </a:rPr>
-              <a:t>/</a:t>
-            </a:r>
-            <a:r>
-              <a:rPr lang="en-GB" dirty="0" err="1">
-                <a:solidFill>
-                  <a:srgbClr val="FFFFFF"/>
-                </a:solidFill>
-                <a:latin typeface="Courier New"/>
-                <a:ea typeface="+mn-lt"/>
-                <a:cs typeface="Courier New"/>
-              </a:rPr>
-              <a:t>generatedetails</a:t>
-            </a:r>
-            <a:r>
-              <a:rPr lang="en-GB" dirty="0">
-                <a:solidFill>
-                  <a:srgbClr val="FFFFFF"/>
-                </a:solidFill>
-                <a:latin typeface="Courier New"/>
-                <a:ea typeface="+mn-lt"/>
-                <a:cs typeface="Courier New"/>
-              </a:rPr>
-              <a:t>:&lt;</a:t>
-            </a:r>
-            <a:r>
-              <a:rPr lang="en-GB" dirty="0" err="1">
-                <a:solidFill>
-                  <a:srgbClr val="FFFFFF"/>
-                </a:solidFill>
-                <a:latin typeface="Courier New"/>
-                <a:ea typeface="+mn-lt"/>
-                <a:cs typeface="Courier New"/>
-              </a:rPr>
-              <a:t>boolean</a:t>
-            </a:r>
-            <a:r>
-              <a:rPr lang="en-GB" dirty="0">
-                <a:solidFill>
-                  <a:srgbClr val="FFFFFF"/>
-                </a:solidFill>
-                <a:latin typeface="Courier New"/>
-                <a:ea typeface="+mn-lt"/>
-                <a:cs typeface="Courier New"/>
-              </a:rPr>
-              <a:t>&gt; : This allows to overwrite the </a:t>
-            </a:r>
-            <a:r>
-              <a:rPr lang="en-GB" dirty="0" err="1">
-                <a:solidFill>
-                  <a:srgbClr val="FFFFFF"/>
-                </a:solidFill>
-                <a:latin typeface="Courier New"/>
-                <a:ea typeface="+mn-lt"/>
-                <a:cs typeface="Courier New"/>
-              </a:rPr>
-              <a:t>generateDetails</a:t>
-            </a:r>
-            <a:r>
-              <a:rPr lang="en-GB" dirty="0">
-                <a:solidFill>
-                  <a:srgbClr val="FFFFFF"/>
-                </a:solidFill>
-                <a:latin typeface="Courier New"/>
-                <a:ea typeface="+mn-lt"/>
-                <a:cs typeface="Courier New"/>
-              </a:rPr>
-              <a:t> property of the </a:t>
-            </a:r>
-            <a:r>
-              <a:rPr lang="en-GB" dirty="0" err="1">
-                <a:solidFill>
-                  <a:srgbClr val="FFFFFF"/>
-                </a:solidFill>
-                <a:latin typeface="Courier New"/>
-                <a:ea typeface="+mn-lt"/>
-                <a:cs typeface="Courier New"/>
-              </a:rPr>
-              <a:t>inputlistfile</a:t>
-            </a:r>
-            <a:endParaRPr lang="en-GB" dirty="0" err="1">
-              <a:solidFill>
-                <a:srgbClr val="FFFFFF"/>
-              </a:solidFill>
-              <a:latin typeface="Courier New"/>
-              <a:cs typeface="Courier New"/>
-            </a:endParaRPr>
-          </a:p>
-          <a:p>
-            <a:pPr marL="0" indent="0">
-              <a:lnSpc>
-                <a:spcPct val="120000"/>
-              </a:lnSpc>
-              <a:spcBef>
-                <a:spcPts val="0"/>
-              </a:spcBef>
-              <a:buNone/>
-            </a:pPr>
-            <a:r>
-              <a:rPr lang="en-GB" dirty="0">
-                <a:solidFill>
-                  <a:srgbClr val="FFFFFF"/>
-                </a:solidFill>
-                <a:latin typeface="Courier New"/>
-                <a:ea typeface="+mn-lt"/>
-                <a:cs typeface="Courier New"/>
-              </a:rPr>
-              <a:t>/</a:t>
-            </a:r>
-            <a:r>
-              <a:rPr lang="en-GB" dirty="0" err="1">
-                <a:solidFill>
-                  <a:srgbClr val="FFFFFF"/>
-                </a:solidFill>
-                <a:latin typeface="Courier New"/>
-                <a:ea typeface="+mn-lt"/>
-                <a:cs typeface="Courier New"/>
-              </a:rPr>
-              <a:t>generatesummary</a:t>
-            </a:r>
-            <a:r>
-              <a:rPr lang="en-GB" dirty="0">
-                <a:solidFill>
-                  <a:srgbClr val="FFFFFF"/>
-                </a:solidFill>
-                <a:latin typeface="Courier New"/>
-                <a:ea typeface="+mn-lt"/>
-                <a:cs typeface="Courier New"/>
-              </a:rPr>
-              <a:t>:&lt;</a:t>
-            </a:r>
-            <a:r>
-              <a:rPr lang="en-GB" dirty="0" err="1">
-                <a:solidFill>
-                  <a:srgbClr val="FFFFFF"/>
-                </a:solidFill>
-                <a:latin typeface="Courier New"/>
-                <a:ea typeface="+mn-lt"/>
-                <a:cs typeface="Courier New"/>
-              </a:rPr>
-              <a:t>boolean</a:t>
-            </a:r>
-            <a:r>
-              <a:rPr lang="en-GB" dirty="0">
-                <a:solidFill>
-                  <a:srgbClr val="FFFFFF"/>
-                </a:solidFill>
-                <a:latin typeface="Courier New"/>
-                <a:ea typeface="+mn-lt"/>
-                <a:cs typeface="Courier New"/>
-              </a:rPr>
-              <a:t>&gt; : This allows to overwrite the </a:t>
-            </a:r>
-            <a:r>
-              <a:rPr lang="en-GB" dirty="0" err="1">
-                <a:solidFill>
-                  <a:srgbClr val="FFFFFF"/>
-                </a:solidFill>
-                <a:latin typeface="Courier New"/>
-                <a:ea typeface="+mn-lt"/>
-                <a:cs typeface="Courier New"/>
-              </a:rPr>
-              <a:t>generateDetails</a:t>
-            </a:r>
-            <a:r>
-              <a:rPr lang="en-GB" dirty="0">
-                <a:solidFill>
-                  <a:srgbClr val="FFFFFF"/>
-                </a:solidFill>
-                <a:latin typeface="Courier New"/>
-                <a:ea typeface="+mn-lt"/>
-                <a:cs typeface="Courier New"/>
-              </a:rPr>
-              <a:t> property of the </a:t>
-            </a:r>
-            <a:r>
-              <a:rPr lang="en-GB" dirty="0" err="1">
-                <a:solidFill>
-                  <a:srgbClr val="FFFFFF"/>
-                </a:solidFill>
-                <a:latin typeface="Courier New"/>
-                <a:ea typeface="+mn-lt"/>
-                <a:cs typeface="Courier New"/>
-              </a:rPr>
-              <a:t>inputlistfile</a:t>
-            </a:r>
-            <a:endParaRPr lang="en-GB" dirty="0" err="1">
-              <a:solidFill>
-                <a:srgbClr val="FFFFFF"/>
-              </a:solidFill>
-              <a:latin typeface="Courier New"/>
-              <a:cs typeface="Courier New"/>
-            </a:endParaRPr>
-          </a:p>
-          <a:p>
-            <a:pPr marL="0" indent="0">
-              <a:lnSpc>
-                <a:spcPct val="120000"/>
-              </a:lnSpc>
-              <a:spcBef>
-                <a:spcPts val="0"/>
-              </a:spcBef>
-              <a:buNone/>
-            </a:pPr>
-            <a:endParaRPr lang="en-GB">
-              <a:solidFill>
-                <a:srgbClr val="FFFFFF"/>
-              </a:solidFill>
-              <a:latin typeface="Courier New"/>
-              <a:cs typeface="Courier New"/>
-            </a:endParaRPr>
-          </a:p>
-          <a:p>
-            <a:pPr marL="0" indent="0">
-              <a:lnSpc>
-                <a:spcPct val="120000"/>
-              </a:lnSpc>
-              <a:spcBef>
-                <a:spcPts val="0"/>
-              </a:spcBef>
-              <a:buNone/>
-            </a:pPr>
-            <a:r>
-              <a:rPr lang="en-GB" dirty="0">
-                <a:solidFill>
-                  <a:srgbClr val="FFFFFF"/>
-                </a:solidFill>
-                <a:latin typeface="Courier New"/>
-                <a:ea typeface="+mn-lt"/>
-                <a:cs typeface="Courier New"/>
-              </a:rPr>
-              <a:t>/</a:t>
-            </a:r>
-            <a:r>
-              <a:rPr lang="en-GB" dirty="0" err="1">
-                <a:solidFill>
-                  <a:srgbClr val="FFFFFF"/>
-                </a:solidFill>
-                <a:latin typeface="Courier New"/>
-                <a:ea typeface="+mn-lt"/>
-                <a:cs typeface="Courier New"/>
-              </a:rPr>
-              <a:t>generateoutputdefinition</a:t>
-            </a:r>
-            <a:r>
-              <a:rPr lang="en-GB" dirty="0">
-                <a:solidFill>
-                  <a:srgbClr val="FFFFFF"/>
-                </a:solidFill>
-                <a:latin typeface="Courier New"/>
-                <a:ea typeface="+mn-lt"/>
-                <a:cs typeface="Courier New"/>
-              </a:rPr>
-              <a:t>  : Flag to define if the merged generator definition should be stored in the output folder.</a:t>
-            </a:r>
-            <a:endParaRPr lang="en-GB" dirty="0">
-              <a:solidFill>
-                <a:srgbClr val="FFFFFF"/>
-              </a:solidFill>
-              <a:latin typeface="Courier New"/>
-              <a:cs typeface="Courier New"/>
-            </a:endParaRPr>
-          </a:p>
-        </p:txBody>
-      </p:sp>
+        </p:nvGraphicFramePr>
+        <p:xfrm>
+          <a:off x="676275" y="2011363"/>
+          <a:ext cx="10772775" cy="2407920"/>
+        </p:xfrm>
+        <a:graphic>
+          <a:graphicData uri="http://schemas.openxmlformats.org/drawingml/2006/table">
+            <a:tbl>
+              <a:tblPr firstRow="1" bandRow="1">
+                <a:tableStyleId>{2D5ABB26-0587-4C30-8999-92F81FD0307C}</a:tableStyleId>
+              </a:tblPr>
+              <a:tblGrid>
+                <a:gridCol w="2321859">
+                  <a:extLst>
+                    <a:ext uri="{9D8B030D-6E8A-4147-A177-3AD203B41FA5}">
+                      <a16:colId xmlns:a16="http://schemas.microsoft.com/office/drawing/2014/main" val="3079165219"/>
+                    </a:ext>
+                  </a:extLst>
+                </a:gridCol>
+                <a:gridCol w="8450916">
+                  <a:extLst>
+                    <a:ext uri="{9D8B030D-6E8A-4147-A177-3AD203B41FA5}">
+                      <a16:colId xmlns:a16="http://schemas.microsoft.com/office/drawing/2014/main" val="2219187392"/>
+                    </a:ext>
+                  </a:extLst>
+                </a:gridCol>
+              </a:tblGrid>
+              <a:tr h="370840">
+                <a:tc>
+                  <a:txBody>
+                    <a:bodyPr/>
+                    <a:lstStyle/>
+                    <a:p>
+                      <a:r>
+                        <a:rPr lang="en-GB" sz="2800" b="1" noProof="0" dirty="0">
+                          <a:latin typeface="Courier New" panose="02070309020205020404" pitchFamily="49" charset="0"/>
+                          <a:cs typeface="Courier New" panose="02070309020205020404" pitchFamily="49" charset="0"/>
+                        </a:rPr>
+                        <a:t>json2puml</a:t>
+                      </a:r>
+                      <a:endParaRPr lang="en-GB" sz="2800" b="1" noProof="0" dirty="0"/>
+                    </a:p>
+                  </a:txBody>
+                  <a:tcPr>
+                    <a:lnL w="12700" cap="flat" cmpd="sng" algn="ctr">
+                      <a:noFill/>
+                      <a:prstDash val="solid"/>
+                      <a:round/>
+                      <a:headEnd type="none" w="med" len="med"/>
+                      <a:tailEnd type="none" w="med" len="med"/>
+                    </a:lnL>
+                    <a:lnR w="12700" cap="flat" cmpd="sng" algn="ctr">
+                      <a:noFill/>
+                      <a:prstDash val="solid"/>
+                      <a:round/>
+                      <a:headEnd type="none" w="med" len="med"/>
+                      <a:tailEnd type="none" w="med" len="med"/>
+                    </a:lnR>
+                    <a:lnT w="12700" cap="flat" cmpd="sng" algn="ctr">
+                      <a:noFill/>
+                      <a:prstDash val="solid"/>
+                      <a:round/>
+                      <a:headEnd type="none" w="med" len="med"/>
+                      <a:tailEnd type="none" w="med" len="med"/>
+                    </a:lnT>
+                    <a:lnB w="12700" cap="flat" cmpd="sng" algn="ctr">
+                      <a:noFill/>
+                      <a:prstDash val="solid"/>
+                      <a:round/>
+                      <a:headEnd type="none" w="med" len="med"/>
+                      <a:tailEnd type="none" w="med" len="med"/>
+                    </a:lnB>
+                    <a:lnTlToBr w="12700" cmpd="sng">
+                      <a:noFill/>
+                      <a:prstDash val="solid"/>
+                    </a:lnTlToBr>
+                    <a:lnBlToTr w="12700" cmpd="sng">
+                      <a:noFill/>
+                      <a:prstDash val="solid"/>
+                    </a:lnBlToTr>
+                  </a:tcPr>
+                </a:tc>
+                <a:tc>
+                  <a:txBody>
+                    <a:bodyPr/>
+                    <a:lstStyle/>
+                    <a:p>
+                      <a:r>
+                        <a:rPr lang="en-GB" sz="2800" noProof="0" dirty="0"/>
+                        <a:t>can be used on MS Windows and on Linux.</a:t>
+                      </a:r>
+                    </a:p>
+                  </a:txBody>
+                  <a:tcPr>
+                    <a:lnL w="12700" cap="flat" cmpd="sng" algn="ctr">
+                      <a:noFill/>
+                      <a:prstDash val="solid"/>
+                      <a:round/>
+                      <a:headEnd type="none" w="med" len="med"/>
+                      <a:tailEnd type="none" w="med" len="med"/>
+                    </a:lnL>
+                    <a:lnR w="12700" cap="flat" cmpd="sng" algn="ctr">
+                      <a:noFill/>
+                      <a:prstDash val="solid"/>
+                      <a:round/>
+                      <a:headEnd type="none" w="med" len="med"/>
+                      <a:tailEnd type="none" w="med" len="med"/>
+                    </a:lnR>
+                    <a:lnT w="12700" cap="flat" cmpd="sng" algn="ctr">
+                      <a:noFill/>
+                      <a:prstDash val="solid"/>
+                      <a:round/>
+                      <a:headEnd type="none" w="med" len="med"/>
+                      <a:tailEnd type="none" w="med" len="med"/>
+                    </a:lnT>
+                    <a:lnB w="12700" cap="flat" cmpd="sng" algn="ctr">
+                      <a:noFill/>
+                      <a:prstDash val="solid"/>
+                      <a:round/>
+                      <a:headEnd type="none" w="med" len="med"/>
+                      <a:tailEnd type="none" w="med" len="med"/>
+                    </a:lnB>
+                    <a:lnTlToBr w="12700" cmpd="sng">
+                      <a:noFill/>
+                      <a:prstDash val="solid"/>
+                    </a:lnTlToBr>
+                    <a:lnBlToTr w="12700" cmpd="sng">
+                      <a:noFill/>
+                      <a:prstDash val="solid"/>
+                    </a:lnBlToTr>
+                  </a:tcPr>
+                </a:tc>
+                <a:extLst>
+                  <a:ext uri="{0D108BD9-81ED-4DB2-BD59-A6C34878D82A}">
+                    <a16:rowId xmlns:a16="http://schemas.microsoft.com/office/drawing/2014/main" val="2650593460"/>
+                  </a:ext>
+                </a:extLst>
+              </a:tr>
+              <a:tr h="370840">
+                <a:tc>
+                  <a:txBody>
+                    <a:bodyPr/>
+                    <a:lstStyle/>
+                    <a:p>
+                      <a:endParaRPr lang="en-GB" sz="2800" b="1" noProof="0" dirty="0"/>
+                    </a:p>
+                  </a:txBody>
+                  <a:tcPr>
+                    <a:lnL w="12700" cap="flat" cmpd="sng" algn="ctr">
+                      <a:noFill/>
+                      <a:prstDash val="solid"/>
+                      <a:round/>
+                      <a:headEnd type="none" w="med" len="med"/>
+                      <a:tailEnd type="none" w="med" len="med"/>
+                    </a:lnL>
+                    <a:lnR w="12700" cap="flat" cmpd="sng" algn="ctr">
+                      <a:noFill/>
+                      <a:prstDash val="solid"/>
+                      <a:round/>
+                      <a:headEnd type="none" w="med" len="med"/>
+                      <a:tailEnd type="none" w="med" len="med"/>
+                    </a:lnR>
+                    <a:lnT w="12700" cap="flat" cmpd="sng" algn="ctr">
+                      <a:noFill/>
+                      <a:prstDash val="solid"/>
+                      <a:round/>
+                      <a:headEnd type="none" w="med" len="med"/>
+                      <a:tailEnd type="none" w="med" len="med"/>
+                    </a:lnT>
+                    <a:lnB w="12700" cap="flat" cmpd="sng" algn="ctr">
+                      <a:noFill/>
+                      <a:prstDash val="solid"/>
+                      <a:round/>
+                      <a:headEnd type="none" w="med" len="med"/>
+                      <a:tailEnd type="none" w="med" len="med"/>
+                    </a:lnB>
+                    <a:lnTlToBr w="12700" cmpd="sng">
+                      <a:noFill/>
+                      <a:prstDash val="solid"/>
+                    </a:lnTlToBr>
+                    <a:lnBlToTr w="12700" cmpd="sng">
+                      <a:noFill/>
+                      <a:prstDash val="solid"/>
+                    </a:lnBlToTr>
+                  </a:tcPr>
+                </a:tc>
+                <a:tc>
+                  <a:txBody>
+                    <a:bodyPr/>
+                    <a:lstStyle/>
+                    <a:p>
+                      <a:r>
+                        <a:rPr lang="en-GB" sz="2800" noProof="0" dirty="0"/>
+                        <a:t>For Linux there are plain executables and docker container available.</a:t>
+                      </a:r>
+                    </a:p>
+                  </a:txBody>
+                  <a:tcPr>
+                    <a:lnL w="12700" cap="flat" cmpd="sng" algn="ctr">
+                      <a:noFill/>
+                      <a:prstDash val="solid"/>
+                      <a:round/>
+                      <a:headEnd type="none" w="med" len="med"/>
+                      <a:tailEnd type="none" w="med" len="med"/>
+                    </a:lnL>
+                    <a:lnR w="12700" cap="flat" cmpd="sng" algn="ctr">
+                      <a:noFill/>
+                      <a:prstDash val="solid"/>
+                      <a:round/>
+                      <a:headEnd type="none" w="med" len="med"/>
+                      <a:tailEnd type="none" w="med" len="med"/>
+                    </a:lnR>
+                    <a:lnT w="12700" cap="flat" cmpd="sng" algn="ctr">
+                      <a:noFill/>
+                      <a:prstDash val="solid"/>
+                      <a:round/>
+                      <a:headEnd type="none" w="med" len="med"/>
+                      <a:tailEnd type="none" w="med" len="med"/>
+                    </a:lnT>
+                    <a:lnB w="12700" cap="flat" cmpd="sng" algn="ctr">
+                      <a:noFill/>
+                      <a:prstDash val="solid"/>
+                      <a:round/>
+                      <a:headEnd type="none" w="med" len="med"/>
+                      <a:tailEnd type="none" w="med" len="med"/>
+                    </a:lnB>
+                    <a:lnTlToBr w="12700" cmpd="sng">
+                      <a:noFill/>
+                      <a:prstDash val="solid"/>
+                    </a:lnTlToBr>
+                    <a:lnBlToTr w="12700" cmpd="sng">
+                      <a:noFill/>
+                      <a:prstDash val="solid"/>
+                    </a:lnBlToTr>
+                  </a:tcPr>
+                </a:tc>
+                <a:extLst>
+                  <a:ext uri="{0D108BD9-81ED-4DB2-BD59-A6C34878D82A}">
+                    <a16:rowId xmlns:a16="http://schemas.microsoft.com/office/drawing/2014/main" val="3783213438"/>
+                  </a:ext>
+                </a:extLst>
+              </a:tr>
+              <a:tr h="370840">
+                <a:tc>
+                  <a:txBody>
+                    <a:bodyPr/>
+                    <a:lstStyle/>
+                    <a:p>
+                      <a:pPr marL="0" marR="0" lvl="0" indent="0" algn="l" defTabSz="914400" rtl="0" eaLnBrk="1" fontAlgn="auto" latinLnBrk="0" hangingPunct="1">
+                        <a:lnSpc>
+                          <a:spcPct val="100000"/>
+                        </a:lnSpc>
+                        <a:spcBef>
+                          <a:spcPts val="0"/>
+                        </a:spcBef>
+                        <a:spcAft>
+                          <a:spcPts val="0"/>
+                        </a:spcAft>
+                        <a:buClrTx/>
+                        <a:buSzTx/>
+                        <a:buFontTx/>
+                        <a:buNone/>
+                        <a:tabLst/>
+                        <a:defRPr/>
+                      </a:pPr>
+                      <a:r>
+                        <a:rPr lang="en-GB" sz="2800" b="1" noProof="0" dirty="0">
+                          <a:latin typeface="Courier New" panose="02070309020205020404" pitchFamily="49" charset="0"/>
+                          <a:cs typeface="Courier New" panose="02070309020205020404" pitchFamily="49" charset="0"/>
+                        </a:rPr>
+                        <a:t>json2puml</a:t>
+                      </a:r>
+                      <a:endParaRPr lang="en-GB" sz="2800" b="1" noProof="0" dirty="0"/>
+                    </a:p>
+                  </a:txBody>
+                  <a:tcPr>
+                    <a:lnL w="12700" cap="flat" cmpd="sng" algn="ctr">
+                      <a:noFill/>
+                      <a:prstDash val="solid"/>
+                      <a:round/>
+                      <a:headEnd type="none" w="med" len="med"/>
+                      <a:tailEnd type="none" w="med" len="med"/>
+                    </a:lnL>
+                    <a:lnR w="12700" cap="flat" cmpd="sng" algn="ctr">
+                      <a:noFill/>
+                      <a:prstDash val="solid"/>
+                      <a:round/>
+                      <a:headEnd type="none" w="med" len="med"/>
+                      <a:tailEnd type="none" w="med" len="med"/>
+                    </a:lnR>
+                    <a:lnT w="12700" cap="flat" cmpd="sng" algn="ctr">
+                      <a:noFill/>
+                      <a:prstDash val="solid"/>
+                      <a:round/>
+                      <a:headEnd type="none" w="med" len="med"/>
+                      <a:tailEnd type="none" w="med" len="med"/>
+                    </a:lnT>
+                    <a:lnB w="12700" cap="flat" cmpd="sng" algn="ctr">
+                      <a:noFill/>
+                      <a:prstDash val="solid"/>
+                      <a:round/>
+                      <a:headEnd type="none" w="med" len="med"/>
+                      <a:tailEnd type="none" w="med" len="med"/>
+                    </a:lnB>
+                    <a:lnTlToBr w="12700" cmpd="sng">
+                      <a:noFill/>
+                      <a:prstDash val="solid"/>
+                    </a:lnTlToBr>
+                    <a:lnBlToTr w="12700" cmpd="sng">
+                      <a:noFill/>
+                      <a:prstDash val="solid"/>
+                    </a:lnBlToTr>
+                  </a:tcPr>
+                </a:tc>
+                <a:tc>
+                  <a:txBody>
+                    <a:bodyPr/>
+                    <a:lstStyle/>
+                    <a:p>
+                      <a:r>
+                        <a:rPr lang="en-GB" sz="2800" noProof="0" dirty="0"/>
+                        <a:t>can run as command line tool or as a service application answering on http based REST calls.</a:t>
+                      </a:r>
+                    </a:p>
+                  </a:txBody>
+                  <a:tcPr>
+                    <a:lnL w="12700" cap="flat" cmpd="sng" algn="ctr">
+                      <a:noFill/>
+                      <a:prstDash val="solid"/>
+                      <a:round/>
+                      <a:headEnd type="none" w="med" len="med"/>
+                      <a:tailEnd type="none" w="med" len="med"/>
+                    </a:lnL>
+                    <a:lnR w="12700" cap="flat" cmpd="sng" algn="ctr">
+                      <a:noFill/>
+                      <a:prstDash val="solid"/>
+                      <a:round/>
+                      <a:headEnd type="none" w="med" len="med"/>
+                      <a:tailEnd type="none" w="med" len="med"/>
+                    </a:lnR>
+                    <a:lnT w="12700" cap="flat" cmpd="sng" algn="ctr">
+                      <a:noFill/>
+                      <a:prstDash val="solid"/>
+                      <a:round/>
+                      <a:headEnd type="none" w="med" len="med"/>
+                      <a:tailEnd type="none" w="med" len="med"/>
+                    </a:lnT>
+                    <a:lnB w="12700" cap="flat" cmpd="sng" algn="ctr">
+                      <a:noFill/>
+                      <a:prstDash val="solid"/>
+                      <a:round/>
+                      <a:headEnd type="none" w="med" len="med"/>
+                      <a:tailEnd type="none" w="med" len="med"/>
+                    </a:lnB>
+                    <a:lnTlToBr w="12700" cmpd="sng">
+                      <a:noFill/>
+                      <a:prstDash val="solid"/>
+                    </a:lnTlToBr>
+                    <a:lnBlToTr w="12700" cmpd="sng">
+                      <a:noFill/>
+                      <a:prstDash val="solid"/>
+                    </a:lnBlToTr>
+                  </a:tcPr>
+                </a:tc>
+                <a:extLst>
+                  <a:ext uri="{0D108BD9-81ED-4DB2-BD59-A6C34878D82A}">
+                    <a16:rowId xmlns:a16="http://schemas.microsoft.com/office/drawing/2014/main" val="3178755515"/>
+                  </a:ext>
+                </a:extLst>
+              </a:tr>
+            </a:tbl>
+          </a:graphicData>
+        </a:graphic>
+      </p:graphicFrame>
     </p:spTree>
     <p:extLst>
       <p:ext uri="{BB962C8B-B14F-4D97-AF65-F5344CB8AC3E}">
-        <p14:creationId xmlns:p14="http://schemas.microsoft.com/office/powerpoint/2010/main" val="1070039147"/>
+        <p14:creationId xmlns:p14="http://schemas.microsoft.com/office/powerpoint/2010/main" val="117801747"/>
       </p:ext>
     </p:extLst>
   </p:cSld>
@@ -5884,748 +5281,6 @@
       </p:grpSpPr>
       <p:sp>
         <p:nvSpPr>
-          <p:cNvPr id="2" name="Title 1">
-            <a:extLst>
-              <a:ext uri="{FF2B5EF4-FFF2-40B4-BE49-F238E27FC236}">
-                <a16:creationId xmlns:a16="http://schemas.microsoft.com/office/drawing/2014/main" id="{BB8BEC8E-B32A-403E-B97B-6AB96CC82D9A}"/>
-              </a:ext>
-            </a:extLst>
-          </p:cNvPr>
-          <p:cNvSpPr>
-            <a:spLocks noGrp="1"/>
-          </p:cNvSpPr>
-          <p:nvPr>
-            <p:ph type="title"/>
-          </p:nvPr>
-        </p:nvSpPr>
-        <p:spPr/>
-        <p:txBody>
-          <a:bodyPr/>
-          <a:lstStyle/>
-          <a:p>
-            <a:r>
-              <a:rPr lang="en-GB" dirty="0">
-                <a:cs typeface="Calibri Light"/>
-              </a:rPr>
-              <a:t>Call Examples</a:t>
-            </a:r>
-            <a:endParaRPr lang="en-GB" dirty="0"/>
-          </a:p>
-        </p:txBody>
-      </p:sp>
-      <p:sp>
-        <p:nvSpPr>
-          <p:cNvPr id="3" name="Content Placeholder 2">
-            <a:extLst>
-              <a:ext uri="{FF2B5EF4-FFF2-40B4-BE49-F238E27FC236}">
-                <a16:creationId xmlns:a16="http://schemas.microsoft.com/office/drawing/2014/main" id="{565C0104-E365-47F6-9407-0C37369CB90E}"/>
-              </a:ext>
-            </a:extLst>
-          </p:cNvPr>
-          <p:cNvSpPr>
-            <a:spLocks noGrp="1"/>
-          </p:cNvSpPr>
-          <p:nvPr>
-            <p:ph idx="1"/>
-          </p:nvPr>
-        </p:nvSpPr>
-        <p:spPr>
-          <a:xfrm>
-            <a:off x="565287" y="1783080"/>
-            <a:ext cx="10771309" cy="800247"/>
-          </a:xfrm>
-          <a:solidFill>
-            <a:schemeClr val="bg1">
-              <a:lumMod val="50000"/>
-            </a:schemeClr>
-          </a:solidFill>
-        </p:spPr>
-        <p:txBody>
-          <a:bodyPr vert="horz" lIns="91440" tIns="45720" rIns="91440" bIns="45720" rtlCol="0" anchor="t">
-            <a:normAutofit/>
-          </a:bodyPr>
-          <a:lstStyle/>
-          <a:p>
-            <a:r>
-              <a:rPr lang="en-GB" sz="1400" dirty="0">
-                <a:solidFill>
-                  <a:srgbClr val="FFFFFF"/>
-                </a:solidFill>
-                <a:latin typeface="Courier New"/>
-                <a:cs typeface="Courier New"/>
-              </a:rPr>
-              <a:t>c:\json2puml&gt;json2puml.exe /</a:t>
-            </a:r>
-            <a:r>
-              <a:rPr lang="en-GB" sz="1400" dirty="0" err="1">
-                <a:solidFill>
-                  <a:srgbClr val="FFFFFF"/>
-                </a:solidFill>
-                <a:latin typeface="Courier New"/>
-                <a:cs typeface="Courier New"/>
-              </a:rPr>
-              <a:t>inputfile:data</a:t>
-            </a:r>
-            <a:r>
-              <a:rPr lang="en-GB" sz="1400" dirty="0">
-                <a:solidFill>
-                  <a:srgbClr val="FFFFFF"/>
-                </a:solidFill>
-                <a:latin typeface="Courier New"/>
-                <a:cs typeface="Courier New"/>
-              </a:rPr>
-              <a:t>\sample2\TMF632_id_600000000000004510_ACRM.json /</a:t>
-            </a:r>
-            <a:r>
-              <a:rPr lang="en-GB" sz="1400" dirty="0" err="1">
-                <a:solidFill>
-                  <a:srgbClr val="FFFFFF"/>
-                </a:solidFill>
-                <a:latin typeface="Courier New"/>
-                <a:cs typeface="Courier New"/>
-              </a:rPr>
-              <a:t>leadingobject:individual</a:t>
-            </a:r>
-            <a:endParaRPr lang="en-GB" sz="1400" dirty="0" err="1"/>
-          </a:p>
-        </p:txBody>
-      </p:sp>
-      <p:sp>
-        <p:nvSpPr>
-          <p:cNvPr id="5" name="Content Placeholder 2">
-            <a:extLst>
-              <a:ext uri="{FF2B5EF4-FFF2-40B4-BE49-F238E27FC236}">
-                <a16:creationId xmlns:a16="http://schemas.microsoft.com/office/drawing/2014/main" id="{16822D0E-C491-4CE0-A2CB-62B32E8D5D58}"/>
-              </a:ext>
-            </a:extLst>
-          </p:cNvPr>
-          <p:cNvSpPr txBox="1">
-            <a:spLocks/>
-          </p:cNvSpPr>
-          <p:nvPr/>
-        </p:nvSpPr>
-        <p:spPr>
-          <a:xfrm>
-            <a:off x="565287" y="2867465"/>
-            <a:ext cx="10771309" cy="3279677"/>
-          </a:xfrm>
-          <a:prstGeom prst="rect">
-            <a:avLst/>
-          </a:prstGeom>
-          <a:solidFill>
-            <a:schemeClr val="bg1">
-              <a:lumMod val="50000"/>
-            </a:schemeClr>
-          </a:solidFill>
-          <a:ln>
-            <a:solidFill>
-              <a:srgbClr val="4472C4"/>
-            </a:solidFill>
-          </a:ln>
-        </p:spPr>
-        <p:txBody>
-          <a:bodyPr vert="horz" lIns="91440" tIns="45720" rIns="91440" bIns="45720" rtlCol="0" anchor="t">
-            <a:normAutofit/>
-          </a:bodyPr>
-          <a:lstStyle>
-            <a:lvl1pPr marL="91440" indent="-91440" algn="l" defTabSz="914400" rtl="0" eaLnBrk="1" latinLnBrk="0" hangingPunct="1">
-              <a:lnSpc>
-                <a:spcPct val="85000"/>
-              </a:lnSpc>
-              <a:spcBef>
-                <a:spcPts val="1300"/>
-              </a:spcBef>
-              <a:buFont typeface="Arial" pitchFamily="34" charset="0"/>
-              <a:buChar char=" "/>
-              <a:defRPr sz="2400" kern="1200">
-                <a:solidFill>
-                  <a:schemeClr val="tx1">
-                    <a:lumMod val="85000"/>
-                    <a:lumOff val="15000"/>
-                  </a:schemeClr>
-                </a:solidFill>
-                <a:latin typeface="+mn-lt"/>
-                <a:ea typeface="+mn-ea"/>
-                <a:cs typeface="+mn-cs"/>
-              </a:defRPr>
-            </a:lvl1pPr>
-            <a:lvl2pPr marL="347472" indent="-342900" algn="l" defTabSz="914400" rtl="0" eaLnBrk="1" latinLnBrk="0" hangingPunct="1">
-              <a:lnSpc>
-                <a:spcPct val="85000"/>
-              </a:lnSpc>
-              <a:spcBef>
-                <a:spcPts val="600"/>
-              </a:spcBef>
-              <a:buFont typeface="Arial" pitchFamily="34" charset="0"/>
-              <a:buChar char=" "/>
-              <a:defRPr sz="2400" kern="1200">
-                <a:solidFill>
-                  <a:schemeClr val="tx1">
-                    <a:lumMod val="85000"/>
-                    <a:lumOff val="15000"/>
-                  </a:schemeClr>
-                </a:solidFill>
-                <a:latin typeface="+mn-lt"/>
-                <a:ea typeface="+mn-ea"/>
-                <a:cs typeface="+mn-cs"/>
-              </a:defRPr>
-            </a:lvl2pPr>
-            <a:lvl3pPr marL="548640" indent="-548640" algn="l" defTabSz="914400" rtl="0" eaLnBrk="1" latinLnBrk="0" hangingPunct="1">
-              <a:lnSpc>
-                <a:spcPct val="85000"/>
-              </a:lnSpc>
-              <a:spcBef>
-                <a:spcPts val="600"/>
-              </a:spcBef>
-              <a:buFont typeface="Arial" pitchFamily="34" charset="0"/>
-              <a:buChar char=" "/>
-              <a:defRPr sz="2000" i="1" kern="1200">
-                <a:solidFill>
-                  <a:schemeClr val="tx1">
-                    <a:lumMod val="85000"/>
-                    <a:lumOff val="15000"/>
-                  </a:schemeClr>
-                </a:solidFill>
-                <a:latin typeface="+mn-lt"/>
-                <a:ea typeface="+mn-ea"/>
-                <a:cs typeface="+mn-cs"/>
-              </a:defRPr>
-            </a:lvl3pPr>
-            <a:lvl4pPr marL="822960" indent="-822960" algn="l" defTabSz="914400" rtl="0" eaLnBrk="1" latinLnBrk="0" hangingPunct="1">
-              <a:lnSpc>
-                <a:spcPct val="85000"/>
-              </a:lnSpc>
-              <a:spcBef>
-                <a:spcPts val="600"/>
-              </a:spcBef>
-              <a:buFont typeface="Arial" pitchFamily="34" charset="0"/>
-              <a:buChar char=" "/>
-              <a:defRPr sz="1800" kern="1200">
-                <a:solidFill>
-                  <a:schemeClr val="tx1">
-                    <a:lumMod val="85000"/>
-                    <a:lumOff val="15000"/>
-                  </a:schemeClr>
-                </a:solidFill>
-                <a:latin typeface="+mn-lt"/>
-                <a:ea typeface="+mn-ea"/>
-                <a:cs typeface="+mn-cs"/>
-              </a:defRPr>
-            </a:lvl4pPr>
-            <a:lvl5pPr marL="1097280" indent="-1097280" algn="l" defTabSz="914400" rtl="0" eaLnBrk="1" latinLnBrk="0" hangingPunct="1">
-              <a:lnSpc>
-                <a:spcPct val="85000"/>
-              </a:lnSpc>
-              <a:spcBef>
-                <a:spcPts val="600"/>
-              </a:spcBef>
-              <a:buFont typeface="Arial" pitchFamily="34" charset="0"/>
-              <a:buChar char=" "/>
-              <a:defRPr sz="1800" kern="1200">
-                <a:solidFill>
-                  <a:schemeClr val="tx1">
-                    <a:lumMod val="85000"/>
-                    <a:lumOff val="15000"/>
-                  </a:schemeClr>
-                </a:solidFill>
-                <a:latin typeface="+mn-lt"/>
-                <a:ea typeface="+mn-ea"/>
-                <a:cs typeface="+mn-cs"/>
-              </a:defRPr>
-            </a:lvl5pPr>
-            <a:lvl6pPr marL="1200000" indent="-228600" algn="l" defTabSz="914400" rtl="0" eaLnBrk="1" latinLnBrk="0" hangingPunct="1">
-              <a:lnSpc>
-                <a:spcPct val="85000"/>
-              </a:lnSpc>
-              <a:spcBef>
-                <a:spcPts val="600"/>
-              </a:spcBef>
-              <a:buFont typeface="Arial" pitchFamily="34" charset="0"/>
-              <a:buChar char=" "/>
-              <a:defRPr sz="1800" kern="1200">
-                <a:solidFill>
-                  <a:schemeClr val="tx1">
-                    <a:lumMod val="85000"/>
-                    <a:lumOff val="15000"/>
-                  </a:schemeClr>
-                </a:solidFill>
-                <a:latin typeface="+mn-lt"/>
-                <a:ea typeface="+mn-ea"/>
-                <a:cs typeface="+mn-cs"/>
-              </a:defRPr>
-            </a:lvl6pPr>
-            <a:lvl7pPr marL="1400000" indent="-228600" algn="l" defTabSz="914400" rtl="0" eaLnBrk="1" latinLnBrk="0" hangingPunct="1">
-              <a:lnSpc>
-                <a:spcPct val="85000"/>
-              </a:lnSpc>
-              <a:spcBef>
-                <a:spcPts val="600"/>
-              </a:spcBef>
-              <a:buFont typeface="Arial" pitchFamily="34" charset="0"/>
-              <a:buChar char=" "/>
-              <a:defRPr sz="1800" kern="1200">
-                <a:solidFill>
-                  <a:schemeClr val="tx1">
-                    <a:lumMod val="85000"/>
-                    <a:lumOff val="15000"/>
-                  </a:schemeClr>
-                </a:solidFill>
-                <a:latin typeface="+mn-lt"/>
-                <a:ea typeface="+mn-ea"/>
-                <a:cs typeface="+mn-cs"/>
-              </a:defRPr>
-            </a:lvl7pPr>
-            <a:lvl8pPr marL="1600000" indent="-228600" algn="l" defTabSz="914400" rtl="0" eaLnBrk="1" latinLnBrk="0" hangingPunct="1">
-              <a:lnSpc>
-                <a:spcPct val="85000"/>
-              </a:lnSpc>
-              <a:spcBef>
-                <a:spcPts val="600"/>
-              </a:spcBef>
-              <a:buFont typeface="Arial" pitchFamily="34" charset="0"/>
-              <a:buChar char=" "/>
-              <a:defRPr sz="1800" kern="1200">
-                <a:solidFill>
-                  <a:schemeClr val="tx1">
-                    <a:lumMod val="85000"/>
-                    <a:lumOff val="15000"/>
-                  </a:schemeClr>
-                </a:solidFill>
-                <a:latin typeface="+mn-lt"/>
-                <a:ea typeface="+mn-ea"/>
-                <a:cs typeface="+mn-cs"/>
-              </a:defRPr>
-            </a:lvl8pPr>
-            <a:lvl9pPr marL="1800000" indent="-228600" algn="l" defTabSz="914400" rtl="0" eaLnBrk="1" latinLnBrk="0" hangingPunct="1">
-              <a:lnSpc>
-                <a:spcPct val="85000"/>
-              </a:lnSpc>
-              <a:spcBef>
-                <a:spcPts val="600"/>
-              </a:spcBef>
-              <a:buFont typeface="Arial" pitchFamily="34" charset="0"/>
-              <a:buChar char=" "/>
-              <a:defRPr sz="1800" kern="1200">
-                <a:solidFill>
-                  <a:schemeClr val="tx1">
-                    <a:lumMod val="85000"/>
-                    <a:lumOff val="15000"/>
-                  </a:schemeClr>
-                </a:solidFill>
-                <a:latin typeface="+mn-lt"/>
-                <a:ea typeface="+mn-ea"/>
-                <a:cs typeface="+mn-cs"/>
-              </a:defRPr>
-            </a:lvl9pPr>
-          </a:lstStyle>
-          <a:p>
-            <a:pPr marL="0" indent="0">
-              <a:lnSpc>
-                <a:spcPct val="120000"/>
-              </a:lnSpc>
-              <a:spcBef>
-                <a:spcPts val="0"/>
-              </a:spcBef>
-              <a:buNone/>
-            </a:pPr>
-            <a:endParaRPr lang="en-GB" sz="1000" noProof="1">
-              <a:solidFill>
-                <a:srgbClr val="FFFFFF"/>
-              </a:solidFill>
-              <a:latin typeface="Courier New"/>
-              <a:ea typeface="+mn-lt"/>
-              <a:cs typeface="Courier New"/>
-            </a:endParaRPr>
-          </a:p>
-          <a:p>
-            <a:pPr marL="0" indent="0">
-              <a:lnSpc>
-                <a:spcPct val="120000"/>
-              </a:lnSpc>
-              <a:spcBef>
-                <a:spcPts val="0"/>
-              </a:spcBef>
-              <a:buNone/>
-            </a:pPr>
-            <a:r>
-              <a:rPr lang="en-GB" sz="1000" noProof="1">
-                <a:solidFill>
-                  <a:srgbClr val="FFFFFF"/>
-                </a:solidFill>
-                <a:latin typeface="Courier New"/>
-                <a:ea typeface="+mn-lt"/>
-                <a:cs typeface="Courier New"/>
-              </a:rPr>
-              <a:t>json2puml v1.0.6.6 - Command line converter JSON to PUML</a:t>
-            </a:r>
-          </a:p>
-          <a:p>
-            <a:pPr marL="0" indent="0">
-              <a:lnSpc>
-                <a:spcPct val="120000"/>
-              </a:lnSpc>
-              <a:spcBef>
-                <a:spcPts val="0"/>
-              </a:spcBef>
-              <a:buNone/>
-            </a:pPr>
-            <a:endParaRPr lang="en-GB" sz="1000" noProof="1">
-              <a:solidFill>
-                <a:srgbClr val="FFFFFF"/>
-              </a:solidFill>
-              <a:latin typeface="Courier New"/>
-              <a:ea typeface="+mn-lt"/>
-              <a:cs typeface="Courier New"/>
-            </a:endParaRPr>
-          </a:p>
-          <a:p>
-            <a:pPr marL="0" indent="0">
-              <a:lnSpc>
-                <a:spcPct val="120000"/>
-              </a:lnSpc>
-              <a:spcBef>
-                <a:spcPts val="0"/>
-              </a:spcBef>
-              <a:buNone/>
-            </a:pPr>
-            <a:r>
-              <a:rPr lang="en-GB" sz="1000" noProof="1">
-                <a:solidFill>
-                  <a:srgbClr val="FFFFFF"/>
-                </a:solidFill>
-                <a:latin typeface="Courier New"/>
-                <a:ea typeface="+mn-lt"/>
-                <a:cs typeface="Courier New"/>
-              </a:rPr>
-              <a:t>Current parameters:</a:t>
-            </a:r>
-          </a:p>
-          <a:p>
-            <a:pPr marL="0" indent="0">
-              <a:lnSpc>
-                <a:spcPct val="120000"/>
-              </a:lnSpc>
-              <a:spcBef>
-                <a:spcPts val="0"/>
-              </a:spcBef>
-              <a:buNone/>
-            </a:pPr>
-            <a:r>
-              <a:rPr lang="en-GB" sz="1000" noProof="1">
-                <a:solidFill>
-                  <a:srgbClr val="FFFFFF"/>
-                </a:solidFill>
-                <a:latin typeface="Courier New"/>
-                <a:ea typeface="+mn-lt"/>
-                <a:cs typeface="Courier New"/>
-              </a:rPr>
-              <a:t>    /definitionfile:      definition\json2pumldefinition.json</a:t>
-            </a:r>
-          </a:p>
-          <a:p>
-            <a:pPr marL="0" indent="0">
-              <a:lnSpc>
-                <a:spcPct val="120000"/>
-              </a:lnSpc>
-              <a:spcBef>
-                <a:spcPts val="0"/>
-              </a:spcBef>
-              <a:buNone/>
-            </a:pPr>
-            <a:r>
-              <a:rPr lang="en-GB" sz="1000" noProof="1">
-                <a:solidFill>
-                  <a:srgbClr val="FFFFFF"/>
-                </a:solidFill>
-                <a:latin typeface="Courier New"/>
-                <a:ea typeface="+mn-lt"/>
-                <a:cs typeface="Courier New"/>
-              </a:rPr>
-              <a:t>    /inputfile:           data\sample2\TMF632_id_600000000000004510_ACRM.json</a:t>
-            </a:r>
-          </a:p>
-          <a:p>
-            <a:pPr marL="0" indent="0">
-              <a:lnSpc>
-                <a:spcPct val="120000"/>
-              </a:lnSpc>
-              <a:spcBef>
-                <a:spcPts val="0"/>
-              </a:spcBef>
-              <a:buNone/>
-            </a:pPr>
-            <a:r>
-              <a:rPr lang="en-GB" sz="1000" noProof="1">
-                <a:solidFill>
-                  <a:srgbClr val="FFFFFF"/>
-                </a:solidFill>
-                <a:latin typeface="Courier New"/>
-                <a:ea typeface="+mn-lt"/>
-                <a:cs typeface="Courier New"/>
-              </a:rPr>
-              <a:t>    /leadingobject:       individual</a:t>
-            </a:r>
-          </a:p>
-          <a:p>
-            <a:pPr marL="0" indent="0">
-              <a:lnSpc>
-                <a:spcPct val="120000"/>
-              </a:lnSpc>
-              <a:spcBef>
-                <a:spcPts val="0"/>
-              </a:spcBef>
-              <a:buNone/>
-            </a:pPr>
-            <a:endParaRPr lang="en-GB" sz="1000" noProof="1">
-              <a:solidFill>
-                <a:srgbClr val="FFFFFF"/>
-              </a:solidFill>
-              <a:latin typeface="Courier New"/>
-              <a:ea typeface="+mn-lt"/>
-              <a:cs typeface="Courier New"/>
-            </a:endParaRPr>
-          </a:p>
-          <a:p>
-            <a:pPr marL="0" indent="0">
-              <a:lnSpc>
-                <a:spcPct val="120000"/>
-              </a:lnSpc>
-              <a:spcBef>
-                <a:spcPts val="0"/>
-              </a:spcBef>
-              <a:buNone/>
-            </a:pPr>
-            <a:r>
-              <a:rPr lang="en-GB" sz="1000" noProof="1">
-                <a:solidFill>
-                  <a:srgbClr val="FFFFFF"/>
-                </a:solidFill>
-                <a:latin typeface="Courier New"/>
-                <a:ea typeface="+mn-lt"/>
-                <a:cs typeface="Courier New"/>
-              </a:rPr>
-              <a:t>[  1/  1] Convert data\sample2\output\default\summary.default.json</a:t>
-            </a:r>
-          </a:p>
-          <a:p>
-            <a:pPr marL="0" indent="0">
-              <a:lnSpc>
-                <a:spcPct val="120000"/>
-              </a:lnSpc>
-              <a:spcBef>
-                <a:spcPts val="0"/>
-              </a:spcBef>
-              <a:buNone/>
-            </a:pPr>
-            <a:r>
-              <a:rPr lang="en-GB" sz="1000" noProof="1">
-                <a:solidFill>
-                  <a:srgbClr val="FFFFFF"/>
-                </a:solidFill>
-                <a:latin typeface="Courier New"/>
-                <a:ea typeface="+mn-lt"/>
-                <a:cs typeface="Courier New"/>
-              </a:rPr>
-              <a:t>               to data\sample2\output\default\summary.default.puml</a:t>
-            </a:r>
-          </a:p>
-          <a:p>
-            <a:pPr marL="0" indent="0">
-              <a:lnSpc>
-                <a:spcPct val="120000"/>
-              </a:lnSpc>
-              <a:spcBef>
-                <a:spcPts val="0"/>
-              </a:spcBef>
-              <a:buNone/>
-            </a:pPr>
-            <a:r>
-              <a:rPr lang="en-GB" sz="1000" noProof="1">
-                <a:solidFill>
-                  <a:srgbClr val="FFFFFF"/>
-                </a:solidFill>
-                <a:latin typeface="Courier New"/>
-                <a:ea typeface="+mn-lt"/>
-                <a:cs typeface="Courier New"/>
-              </a:rPr>
-              <a:t>               puml generated</a:t>
-            </a:r>
-          </a:p>
-          <a:p>
-            <a:pPr marL="0" indent="0">
-              <a:lnSpc>
-                <a:spcPct val="120000"/>
-              </a:lnSpc>
-              <a:spcBef>
-                <a:spcPts val="0"/>
-              </a:spcBef>
-              <a:buNone/>
-            </a:pPr>
-            <a:r>
-              <a:rPr lang="en-GB" sz="1000" noProof="1">
-                <a:solidFill>
-                  <a:srgbClr val="FFFFFF"/>
-                </a:solidFill>
-                <a:latin typeface="Courier New"/>
-                <a:ea typeface="+mn-lt"/>
-                <a:cs typeface="Courier New"/>
-              </a:rPr>
-              <a:t>               png  generated</a:t>
-            </a:r>
-          </a:p>
-          <a:p>
-            <a:pPr marL="0" indent="0">
-              <a:lnSpc>
-                <a:spcPct val="120000"/>
-              </a:lnSpc>
-              <a:spcBef>
-                <a:spcPts val="0"/>
-              </a:spcBef>
-              <a:buNone/>
-            </a:pPr>
-            <a:r>
-              <a:rPr lang="en-GB" sz="1000" noProof="1">
-                <a:solidFill>
-                  <a:srgbClr val="FFFFFF"/>
-                </a:solidFill>
-                <a:latin typeface="Courier New"/>
-                <a:ea typeface="+mn-lt"/>
-                <a:cs typeface="Courier New"/>
-              </a:rPr>
-              <a:t>               svg  generated</a:t>
-            </a:r>
-          </a:p>
-        </p:txBody>
-      </p:sp>
-    </p:spTree>
-    <p:extLst>
-      <p:ext uri="{BB962C8B-B14F-4D97-AF65-F5344CB8AC3E}">
-        <p14:creationId xmlns:p14="http://schemas.microsoft.com/office/powerpoint/2010/main" val="1679034898"/>
-      </p:ext>
-    </p:extLst>
-  </p:cSld>
-  <p:clrMapOvr>
-    <a:masterClrMapping/>
-  </p:clrMapOvr>
-</p:sld>
-</file>
-
-<file path=ppt/slides/slide16.xml><?xml version="1.0" encoding="utf-8"?>
-<p:sld xmlns:a="http://schemas.openxmlformats.org/drawingml/2006/main" xmlns:r="http://schemas.openxmlformats.org/officeDocument/2006/relationships" xmlns:p="http://schemas.openxmlformats.org/presentationml/2006/main">
-  <p:cSld>
-    <p:spTree>
-      <p:nvGrpSpPr>
-        <p:cNvPr id="1" name=""/>
-        <p:cNvGrpSpPr/>
-        <p:nvPr/>
-      </p:nvGrpSpPr>
-      <p:grpSpPr>
-        <a:xfrm>
-          <a:off x="0" y="0"/>
-          <a:ext cx="0" cy="0"/>
-          <a:chOff x="0" y="0"/>
-          <a:chExt cx="0" cy="0"/>
-        </a:xfrm>
-      </p:grpSpPr>
-      <p:pic>
-        <p:nvPicPr>
-          <p:cNvPr id="4" name="Grafik 3">
-            <a:extLst>
-              <a:ext uri="{FF2B5EF4-FFF2-40B4-BE49-F238E27FC236}">
-                <a16:creationId xmlns:a16="http://schemas.microsoft.com/office/drawing/2014/main" id="{E19EF836-D238-413C-BCEF-24AAFCDBF4C5}"/>
-              </a:ext>
-            </a:extLst>
-          </p:cNvPr>
-          <p:cNvPicPr>
-            <a:picLocks noChangeAspect="1"/>
-          </p:cNvPicPr>
-          <p:nvPr/>
-        </p:nvPicPr>
-        <p:blipFill>
-          <a:blip r:embed="rId2" cstate="email">
-            <a:extLst>
-              <a:ext uri="{28A0092B-C50C-407E-A947-70E740481C1C}">
-                <a14:useLocalDpi xmlns:a14="http://schemas.microsoft.com/office/drawing/2010/main"/>
-              </a:ext>
-            </a:extLst>
-          </a:blip>
-          <a:stretch>
-            <a:fillRect/>
-          </a:stretch>
-        </p:blipFill>
-        <p:spPr>
-          <a:xfrm>
-            <a:off x="268941" y="615026"/>
-            <a:ext cx="11654118" cy="5937861"/>
-          </a:xfrm>
-          <a:prstGeom prst="rect">
-            <a:avLst/>
-          </a:prstGeom>
-        </p:spPr>
-      </p:pic>
-      <p:sp>
-        <p:nvSpPr>
-          <p:cNvPr id="2" name="Title 1">
-            <a:extLst>
-              <a:ext uri="{FF2B5EF4-FFF2-40B4-BE49-F238E27FC236}">
-                <a16:creationId xmlns:a16="http://schemas.microsoft.com/office/drawing/2014/main" id="{72399E24-5362-4637-A813-832AEFB2A94D}"/>
-              </a:ext>
-            </a:extLst>
-          </p:cNvPr>
-          <p:cNvSpPr>
-            <a:spLocks noGrp="1"/>
-          </p:cNvSpPr>
-          <p:nvPr>
-            <p:ph type="title"/>
-          </p:nvPr>
-        </p:nvSpPr>
-        <p:spPr/>
-        <p:txBody>
-          <a:bodyPr/>
-          <a:lstStyle/>
-          <a:p>
-            <a:r>
-              <a:rPr lang="en-GB" dirty="0">
-                <a:cs typeface="Calibri Light"/>
-              </a:rPr>
-              <a:t>Call output</a:t>
-            </a:r>
-            <a:endParaRPr lang="en-GB" dirty="0"/>
-          </a:p>
-        </p:txBody>
-      </p:sp>
-    </p:spTree>
-    <p:extLst>
-      <p:ext uri="{BB962C8B-B14F-4D97-AF65-F5344CB8AC3E}">
-        <p14:creationId xmlns:p14="http://schemas.microsoft.com/office/powerpoint/2010/main" val="1399181593"/>
-      </p:ext>
-    </p:extLst>
-  </p:cSld>
-  <p:clrMapOvr>
-    <a:masterClrMapping/>
-  </p:clrMapOvr>
-</p:sld>
-</file>
-
-<file path=ppt/slides/slide17.xml><?xml version="1.0" encoding="utf-8"?>
-<p:sld xmlns:a="http://schemas.openxmlformats.org/drawingml/2006/main" xmlns:r="http://schemas.openxmlformats.org/officeDocument/2006/relationships" xmlns:p="http://schemas.openxmlformats.org/presentationml/2006/main">
-  <p:cSld>
-    <p:spTree>
-      <p:nvGrpSpPr>
-        <p:cNvPr id="1" name=""/>
-        <p:cNvGrpSpPr/>
-        <p:nvPr/>
-      </p:nvGrpSpPr>
-      <p:grpSpPr>
-        <a:xfrm>
-          <a:off x="0" y="0"/>
-          <a:ext cx="0" cy="0"/>
-          <a:chOff x="0" y="0"/>
-          <a:chExt cx="0" cy="0"/>
-        </a:xfrm>
-      </p:grpSpPr>
-      <p:sp>
-        <p:nvSpPr>
           <p:cNvPr id="2" name="Titel 1">
             <a:extLst>
               <a:ext uri="{FF2B5EF4-FFF2-40B4-BE49-F238E27FC236}">
@@ -6675,42 +5330,17 @@
           <a:p>
             <a:r>
               <a:rPr lang="en-GB" dirty="0"/>
-              <a:t>Vodafone MS-Teams : json2puml </a:t>
-            </a:r>
-            <a:br>
-              <a:rPr lang="en-GB" dirty="0"/>
-            </a:br>
-            <a:r>
-              <a:rPr lang="en-GB" dirty="0"/>
-              <a:t>(currently restricted to people having a Vodafone Account)</a:t>
-            </a:r>
-          </a:p>
-          <a:p>
-            <a:r>
-              <a:rPr lang="de-DE" dirty="0">
-                <a:hlinkClick r:id="rId2"/>
-              </a:rPr>
-              <a:t>Microsoft Teams - json2puml</a:t>
-            </a:r>
-            <a:endParaRPr lang="de-DE" dirty="0"/>
+              <a:t>It’s published on Github.com under a GPLv3 license.</a:t>
+            </a:r>
           </a:p>
           <a:p>
             <a:endParaRPr lang="en-GB" dirty="0"/>
           </a:p>
           <a:p>
             <a:r>
-              <a:rPr lang="en-GB" dirty="0"/>
-              <a:t>Solstice Confluence :</a:t>
-            </a:r>
-          </a:p>
-          <a:p>
-            <a:r>
-              <a:rPr lang="fr-FR" dirty="0">
-                <a:hlinkClick r:id="rId3"/>
-              </a:rPr>
-              <a:t>Data Support Tool - json2puml - SOLSTICE - Vodafone DE Confluence</a:t>
-            </a:r>
-            <a:endParaRPr lang="en-GB" dirty="0"/>
+              <a:rPr lang="en-GB" sz="3200" dirty="0"/>
+              <a:t>https://github.com/jfudickar/json2puml</a:t>
+            </a:r>
           </a:p>
         </p:txBody>
       </p:sp>
@@ -6808,7 +5438,15 @@
           <a:p>
             <a:r>
               <a:rPr lang="en-GB" dirty="0"/>
-              <a:t>A typical answer of a TMF call can look like this:</a:t>
+              <a:t>A typical answer of </a:t>
+            </a:r>
+            <a:r>
+              <a:rPr lang="en-GB"/>
+              <a:t>a REST API </a:t>
+            </a:r>
+            <a:r>
+              <a:rPr lang="en-GB" dirty="0"/>
+              <a:t>call can look like this:</a:t>
             </a:r>
           </a:p>
           <a:p>
@@ -6864,13 +5502,13 @@
         </p:spPr>
         <p:txBody>
           <a:bodyPr wrap="square" rtlCol="0">
-            <a:normAutofit fontScale="92500" lnSpcReduction="10000"/>
+            <a:normAutofit fontScale="92500" lnSpcReduction="20000"/>
           </a:bodyPr>
           <a:lstStyle/>
           <a:p>
             <a:r>
               <a:rPr lang="de-DE" sz="1400" noProof="1"/>
-              <a:t>{"id": "600000000000004510", "href": "https://party/v4/individual/600000000000004510", "createdOn": "2022-01-19T13:59:03Z", "lastModifiedOn": "2022-01-19T13:59:03Z", "givenName": "Karl", "familyName": "Maier", "fullName": "KarlMaier", "birthDate": "1963-06-01T00:00:00Z", "status": "Active", "contactMedium": [{"id": "600000000000004510_ContactMedium_2", "mediumType": "postalAddress", "preferred": true,"validFor": {"startDateTime": "2022-01-17T00:00:00Z"},"characteristic": {"contactType": "legal", "city": "Berlin", "country": "DEU", "postCode": "80993", "street1": "FrankfurterStr", "place": {"id": "GeographicAddress_3912", "@referredType": "GeographicAddress", "@type": "PlaceRef"}}},{"id": "600000000000004510_ContactMedium_20", "mediumType": "telephone", "preferred": false,"validFor": {"startDateTime": "2022-01-17T00:00:00Z"},"characteristic": {"contactType": "home", "phoneNumber": "0123457689"}},{"id": "600000000000004510_ContactMedium_60", "mediumType": "email", "preferred": true,"validFor": {"startDateTime": "2022-01-17T00:00:00Z"},"characteristic": {"contactType": "personal", "emailAddress": "jesf@gmx.de", "extensions": {"verificationStatus": "verified"}}},{"id": "600000000000004510_ContactMedium_75", "mediumType": "telephone", "preferred": true,"validFor": {"startDateTime": "2022-01-17T00:00:00Z"},"characteristic": {"contactType": "home", "phoneNumber": "0123456789"}},{"id": "600000000000004510_ContactMedium_76", "mediumType": "telephone", "preferred": true,"validFor": {"startDateTime": "2022-01-17T00:00:00Z"},"characteristic": {"contactType": "mobile", "phoneNumber": "01721234567"}}],"relatedParty": [{"id": "100000004215", "href": "https:///party/v4/relatedParty/100000004215", "name": "KarlMaier", "role": "Customer", "@type": "Customer", "@referredType": "Customer", "validFor": {"startDateTime": "2022-01-17T00:00:00Z"}}]}</a:t>
+              <a:t>{"height":{"meters":70,"feet":229.6},"diameter":{"meters":3.7,"feet":12},"mass":{"kg":549054,"lb":1207920},"first_stage":{"thrust_sea_level":{"kN":7607,"lbf":1710000},"thrust_vacuum":{"kN":8227,"lbf":1849500},"reusable":true,"engines":9,"fuel_amount_tons":385,"burn_time_sec":162},"second_stage":{"thrust":{"kN":934,"lbf":210000},"payloads":{"composite_fairing":{"height":{"meters":13.1,"feet":43},"diameter":{"meters":5.2,"feet":17.1}},"option_1":"dragon"},"reusable":false,"engines":1,"fuel_amount_tons":90,"burn_time_sec":397},"engines":{"isp":{"sea_level":288,"vacuum":312},"thrust_sea_level":{"kN":845,"lbf":190000},"thrust_vacuum":{"kN":914,"lbf":205500},"number":9,"type":"merlin","version":"1D+","layout":"octaweb","engine_loss_max":2,"propellant_1":"liquid oxygen","propellant_2":"RP-1 kerosene","thrust_to_weight":180.1},"landing_legs":{"number":4,"material":"carbon fiber"},"payload_weights":[{"id":"leo","name":"Low Earth Orbit","kg":22800,"lb":50265},{"id":"gto","name":"Geosynchronous Transfer Orbit","kg":8300,"lb":18300},{"id":"mars","name":"Mars Orbit","kg":4020,"lb":8860}],"flickr_images":["https:\/\/farm1.staticflickr.com\/929\/28787338307_3453a11a77_b.jpg","https:\/\/farm4.staticflickr.com\/3955\/32915197674_eee74d81bb_b.jpg","https:\/\/farm1.staticflickr.com\/293\/32312415025_6841e30bf1_b.jpg","https:\/\/farm1.staticflickr.com\/623\/23660653516_5b6cb301d1_b.jpg","https:\/\/farm6.staticflickr.com\/5518\/31579784413_d853331601_b.jpg","https:\/\/farm1.staticflickr.com\/745\/32394687645_a9c54a34ef_b.jpg"],"name":"Falcon 9","type":"rocket","active":true,"stages":2,"boosters":0,"cost_per_launch":50000000,"success_rate_pct":98,"first_flight":"2010-06-04","country":"United States","company":"SpaceX","wikipedia":"https:\/\/en.wikipedia.org\/wiki\/Falcon_9","description":"Falcon 9 is a two-stage rocket designed and manufactured by SpaceX for the reliable and safe transport of satellites and the Dragon spacecraft into orbit.","id":"5e9d0d95eda69973a809d1ec"}</a:t>
             </a:r>
           </a:p>
         </p:txBody>
@@ -6984,10 +5622,10 @@
       </p:sp>
       <p:pic>
         <p:nvPicPr>
-          <p:cNvPr id="6" name="Grafik 5">
+          <p:cNvPr id="7" name="Grafik 6">
             <a:extLst>
               <a:ext uri="{FF2B5EF4-FFF2-40B4-BE49-F238E27FC236}">
-                <a16:creationId xmlns:a16="http://schemas.microsoft.com/office/drawing/2014/main" id="{6C8DF798-EEAC-488B-A27F-81C7973BCD8D}"/>
+                <a16:creationId xmlns:a16="http://schemas.microsoft.com/office/drawing/2014/main" id="{E92C318B-A30F-3F62-B254-72DA725DB16F}"/>
               </a:ext>
             </a:extLst>
           </p:cNvPr>
@@ -6997,10 +5635,10 @@
           <p:nvPr/>
         </p:nvPicPr>
         <p:blipFill>
-          <a:blip r:embed="rId2" cstate="email">
+          <a:blip r:embed="rId2">
             <a:extLst>
               <a:ext uri="{28A0092B-C50C-407E-A947-70E740481C1C}">
-                <a14:useLocalDpi xmlns:a14="http://schemas.microsoft.com/office/drawing/2010/main"/>
+                <a14:useLocalDpi xmlns:a14="http://schemas.microsoft.com/office/drawing/2010/main" val="0"/>
               </a:ext>
             </a:extLst>
           </a:blip>
@@ -7010,8 +5648,8 @@
         </p:blipFill>
         <p:spPr>
           <a:xfrm>
-            <a:off x="1178859" y="1328632"/>
-            <a:ext cx="9834282" cy="4699171"/>
+            <a:off x="1761612" y="1168024"/>
+            <a:ext cx="7921263" cy="4934809"/>
           </a:xfrm>
           <a:prstGeom prst="rect">
             <a:avLst/>
@@ -7048,42 +5686,6 @@
           <a:chExt cx="0" cy="0"/>
         </a:xfrm>
       </p:grpSpPr>
-      <p:pic>
-        <p:nvPicPr>
-          <p:cNvPr id="5" name="Grafik 4">
-            <a:extLst>
-              <a:ext uri="{FF2B5EF4-FFF2-40B4-BE49-F238E27FC236}">
-                <a16:creationId xmlns:a16="http://schemas.microsoft.com/office/drawing/2014/main" id="{0FA8591F-0F5D-4D12-AE13-DA9E759EA411}"/>
-              </a:ext>
-            </a:extLst>
-          </p:cNvPr>
-          <p:cNvPicPr>
-            <a:picLocks noChangeAspect="1"/>
-          </p:cNvPicPr>
-          <p:nvPr/>
-        </p:nvPicPr>
-        <p:blipFill>
-          <a:blip r:embed="rId2" cstate="email">
-            <a:extLst>
-              <a:ext uri="{28A0092B-C50C-407E-A947-70E740481C1C}">
-                <a14:useLocalDpi xmlns:a14="http://schemas.microsoft.com/office/drawing/2010/main"/>
-              </a:ext>
-            </a:extLst>
-          </a:blip>
-          <a:stretch>
-            <a:fillRect/>
-          </a:stretch>
-        </p:blipFill>
-        <p:spPr>
-          <a:xfrm>
-            <a:off x="2286000" y="1906719"/>
-            <a:ext cx="7843220" cy="3971064"/>
-          </a:xfrm>
-          <a:prstGeom prst="rect">
-            <a:avLst/>
-          </a:prstGeom>
-        </p:spPr>
-      </p:pic>
       <p:sp>
         <p:nvSpPr>
           <p:cNvPr id="2" name="Titel 1">
@@ -7292,6 +5894,45 @@
           </a:p>
         </p:txBody>
       </p:sp>
+      <p:pic>
+        <p:nvPicPr>
+          <p:cNvPr id="6" name="Grafik 5">
+            <a:extLst>
+              <a:ext uri="{FF2B5EF4-FFF2-40B4-BE49-F238E27FC236}">
+                <a16:creationId xmlns:a16="http://schemas.microsoft.com/office/drawing/2014/main" id="{DC0920E1-04F3-CD47-4D2D-0B4174A44A81}"/>
+              </a:ext>
+            </a:extLst>
+          </p:cNvPr>
+          <p:cNvPicPr>
+            <a:picLocks noChangeAspect="1"/>
+          </p:cNvPicPr>
+          <p:nvPr/>
+        </p:nvPicPr>
+        <p:blipFill>
+          <a:blip r:embed="rId2">
+            <a:extLst>
+              <a:ext uri="{28A0092B-C50C-407E-A947-70E740481C1C}">
+                <a14:useLocalDpi xmlns:a14="http://schemas.microsoft.com/office/drawing/2010/main" val="0"/>
+              </a:ext>
+              <a:ext uri="{96DAC541-7B7A-43D3-8B79-37D633B846F1}">
+                <asvg:svgBlip xmlns:asvg="http://schemas.microsoft.com/office/drawing/2016/SVG/main" r:embed="rId3"/>
+              </a:ext>
+            </a:extLst>
+          </a:blip>
+          <a:stretch>
+            <a:fillRect/>
+          </a:stretch>
+        </p:blipFill>
+        <p:spPr>
+          <a:xfrm>
+            <a:off x="2628020" y="1741415"/>
+            <a:ext cx="6020433" cy="4172657"/>
+          </a:xfrm>
+          <a:prstGeom prst="rect">
+            <a:avLst/>
+          </a:prstGeom>
+        </p:spPr>
+      </p:pic>
     </p:spTree>
     <p:extLst>
       <p:ext uri="{BB962C8B-B14F-4D97-AF65-F5344CB8AC3E}">
@@ -7322,42 +5963,6 @@
           <a:chExt cx="0" cy="0"/>
         </a:xfrm>
       </p:grpSpPr>
-      <p:pic>
-        <p:nvPicPr>
-          <p:cNvPr id="7" name="Grafik 6">
-            <a:extLst>
-              <a:ext uri="{FF2B5EF4-FFF2-40B4-BE49-F238E27FC236}">
-                <a16:creationId xmlns:a16="http://schemas.microsoft.com/office/drawing/2014/main" id="{84C44ECE-E28A-4D2D-83DB-BB4B473B723F}"/>
-              </a:ext>
-            </a:extLst>
-          </p:cNvPr>
-          <p:cNvPicPr>
-            <a:picLocks noChangeAspect="1"/>
-          </p:cNvPicPr>
-          <p:nvPr/>
-        </p:nvPicPr>
-        <p:blipFill>
-          <a:blip r:embed="rId2" cstate="email">
-            <a:extLst>
-              <a:ext uri="{28A0092B-C50C-407E-A947-70E740481C1C}">
-                <a14:useLocalDpi xmlns:a14="http://schemas.microsoft.com/office/drawing/2010/main"/>
-              </a:ext>
-            </a:extLst>
-          </a:blip>
-          <a:stretch>
-            <a:fillRect/>
-          </a:stretch>
-        </p:blipFill>
-        <p:spPr>
-          <a:xfrm>
-            <a:off x="3615988" y="772280"/>
-            <a:ext cx="8354062" cy="5539671"/>
-          </a:xfrm>
-          <a:prstGeom prst="rect">
-            <a:avLst/>
-          </a:prstGeom>
-        </p:spPr>
-      </p:pic>
       <p:sp>
         <p:nvSpPr>
           <p:cNvPr id="2" name="Titel 1">
@@ -7407,7 +6012,12 @@
             <p:ph idx="1"/>
           </p:nvPr>
         </p:nvSpPr>
-        <p:spPr/>
+        <p:spPr>
+          <a:xfrm>
+            <a:off x="676656" y="2011680"/>
+            <a:ext cx="5134209" cy="3766185"/>
+          </a:xfrm>
+        </p:spPr>
         <p:txBody>
           <a:bodyPr/>
           <a:lstStyle/>
@@ -7432,6 +6042,1093 @@
           </a:p>
         </p:txBody>
       </p:sp>
+      <p:sp>
+        <p:nvSpPr>
+          <p:cNvPr id="4" name="Rechteck 3">
+            <a:extLst>
+              <a:ext uri="{FF2B5EF4-FFF2-40B4-BE49-F238E27FC236}">
+                <a16:creationId xmlns:a16="http://schemas.microsoft.com/office/drawing/2014/main" id="{E49679BA-5281-2DFC-F58E-AC26F070BBD8}"/>
+              </a:ext>
+            </a:extLst>
+          </p:cNvPr>
+          <p:cNvSpPr/>
+          <p:nvPr/>
+        </p:nvSpPr>
+        <p:spPr>
+          <a:xfrm>
+            <a:off x="9113013" y="3075955"/>
+            <a:ext cx="967494" cy="613533"/>
+          </a:xfrm>
+          <a:prstGeom prst="rect">
+            <a:avLst/>
+          </a:prstGeom>
+          <a:solidFill>
+            <a:srgbClr val="FFC000"/>
+          </a:solidFill>
+          <a:ln>
+            <a:noFill/>
+          </a:ln>
+        </p:spPr>
+        <p:style>
+          <a:lnRef idx="2">
+            <a:schemeClr val="accent1">
+              <a:shade val="50000"/>
+            </a:schemeClr>
+          </a:lnRef>
+          <a:fillRef idx="1">
+            <a:schemeClr val="accent1"/>
+          </a:fillRef>
+          <a:effectRef idx="0">
+            <a:schemeClr val="accent1"/>
+          </a:effectRef>
+          <a:fontRef idx="minor">
+            <a:schemeClr val="lt1"/>
+          </a:fontRef>
+        </p:style>
+        <p:txBody>
+          <a:bodyPr rtlCol="0" anchor="ctr"/>
+          <a:lstStyle/>
+          <a:p>
+            <a:pPr algn="ctr"/>
+            <a:r>
+              <a:rPr lang="de-DE" sz="1400" dirty="0"/>
+              <a:t>Rocket</a:t>
+            </a:r>
+          </a:p>
+        </p:txBody>
+      </p:sp>
+      <p:sp>
+        <p:nvSpPr>
+          <p:cNvPr id="5" name="Rechteck 4">
+            <a:extLst>
+              <a:ext uri="{FF2B5EF4-FFF2-40B4-BE49-F238E27FC236}">
+                <a16:creationId xmlns:a16="http://schemas.microsoft.com/office/drawing/2014/main" id="{51E6F29F-85D4-1027-2A97-1406E54454D4}"/>
+              </a:ext>
+            </a:extLst>
+          </p:cNvPr>
+          <p:cNvSpPr/>
+          <p:nvPr/>
+        </p:nvSpPr>
+        <p:spPr>
+          <a:xfrm>
+            <a:off x="10280102" y="3918579"/>
+            <a:ext cx="814111" cy="448351"/>
+          </a:xfrm>
+          <a:prstGeom prst="rect">
+            <a:avLst/>
+          </a:prstGeom>
+          <a:solidFill>
+            <a:srgbClr val="FF0000"/>
+          </a:solidFill>
+          <a:ln>
+            <a:noFill/>
+          </a:ln>
+        </p:spPr>
+        <p:style>
+          <a:lnRef idx="2">
+            <a:schemeClr val="accent1">
+              <a:shade val="50000"/>
+            </a:schemeClr>
+          </a:lnRef>
+          <a:fillRef idx="1">
+            <a:schemeClr val="accent1"/>
+          </a:fillRef>
+          <a:effectRef idx="0">
+            <a:schemeClr val="accent1"/>
+          </a:effectRef>
+          <a:fontRef idx="minor">
+            <a:schemeClr val="lt1"/>
+          </a:fontRef>
+        </p:style>
+        <p:txBody>
+          <a:bodyPr rtlCol="0" anchor="ctr"/>
+          <a:lstStyle/>
+          <a:p>
+            <a:pPr algn="ctr"/>
+            <a:r>
+              <a:rPr lang="de-DE" sz="1400" dirty="0"/>
+              <a:t>First </a:t>
+            </a:r>
+            <a:r>
+              <a:rPr lang="de-DE" sz="1400" dirty="0" err="1"/>
+              <a:t>stage</a:t>
+            </a:r>
+            <a:r>
+              <a:rPr lang="de-DE" sz="1400" dirty="0"/>
+              <a:t> </a:t>
+            </a:r>
+          </a:p>
+        </p:txBody>
+      </p:sp>
+      <p:sp>
+        <p:nvSpPr>
+          <p:cNvPr id="6" name="Rechteck 5">
+            <a:extLst>
+              <a:ext uri="{FF2B5EF4-FFF2-40B4-BE49-F238E27FC236}">
+                <a16:creationId xmlns:a16="http://schemas.microsoft.com/office/drawing/2014/main" id="{33D23DAB-6E8D-8826-8688-FDA9D5350A54}"/>
+              </a:ext>
+            </a:extLst>
+          </p:cNvPr>
+          <p:cNvSpPr/>
+          <p:nvPr/>
+        </p:nvSpPr>
+        <p:spPr>
+          <a:xfrm>
+            <a:off x="10280102" y="4525230"/>
+            <a:ext cx="814111" cy="448351"/>
+          </a:xfrm>
+          <a:prstGeom prst="rect">
+            <a:avLst/>
+          </a:prstGeom>
+          <a:solidFill>
+            <a:srgbClr val="FF0000"/>
+          </a:solidFill>
+          <a:ln>
+            <a:noFill/>
+          </a:ln>
+        </p:spPr>
+        <p:style>
+          <a:lnRef idx="2">
+            <a:schemeClr val="accent1">
+              <a:shade val="50000"/>
+            </a:schemeClr>
+          </a:lnRef>
+          <a:fillRef idx="1">
+            <a:schemeClr val="accent1"/>
+          </a:fillRef>
+          <a:effectRef idx="0">
+            <a:schemeClr val="accent1"/>
+          </a:effectRef>
+          <a:fontRef idx="minor">
+            <a:schemeClr val="lt1"/>
+          </a:fontRef>
+        </p:style>
+        <p:txBody>
+          <a:bodyPr rtlCol="0" anchor="ctr"/>
+          <a:lstStyle/>
+          <a:p>
+            <a:pPr algn="ctr"/>
+            <a:r>
+              <a:rPr lang="de-DE" sz="1400" dirty="0"/>
+              <a:t>Second </a:t>
+            </a:r>
+            <a:r>
+              <a:rPr lang="de-DE" sz="1400" dirty="0" err="1"/>
+              <a:t>stage</a:t>
+            </a:r>
+            <a:r>
+              <a:rPr lang="de-DE" sz="1400" dirty="0"/>
+              <a:t> </a:t>
+            </a:r>
+          </a:p>
+        </p:txBody>
+      </p:sp>
+      <p:sp>
+        <p:nvSpPr>
+          <p:cNvPr id="8" name="Rechteck 7">
+            <a:extLst>
+              <a:ext uri="{FF2B5EF4-FFF2-40B4-BE49-F238E27FC236}">
+                <a16:creationId xmlns:a16="http://schemas.microsoft.com/office/drawing/2014/main" id="{5BE9E5F9-5FEE-DE5E-9946-F14843AED7CD}"/>
+              </a:ext>
+            </a:extLst>
+          </p:cNvPr>
+          <p:cNvSpPr/>
+          <p:nvPr/>
+        </p:nvSpPr>
+        <p:spPr>
+          <a:xfrm>
+            <a:off x="10280101" y="5164329"/>
+            <a:ext cx="814111" cy="448351"/>
+          </a:xfrm>
+          <a:prstGeom prst="rect">
+            <a:avLst/>
+          </a:prstGeom>
+          <a:solidFill>
+            <a:srgbClr val="FF0000"/>
+          </a:solidFill>
+          <a:ln>
+            <a:noFill/>
+          </a:ln>
+        </p:spPr>
+        <p:style>
+          <a:lnRef idx="2">
+            <a:schemeClr val="accent1">
+              <a:shade val="50000"/>
+            </a:schemeClr>
+          </a:lnRef>
+          <a:fillRef idx="1">
+            <a:schemeClr val="accent1"/>
+          </a:fillRef>
+          <a:effectRef idx="0">
+            <a:schemeClr val="accent1"/>
+          </a:effectRef>
+          <a:fontRef idx="minor">
+            <a:schemeClr val="lt1"/>
+          </a:fontRef>
+        </p:style>
+        <p:txBody>
+          <a:bodyPr rtlCol="0" anchor="ctr"/>
+          <a:lstStyle/>
+          <a:p>
+            <a:pPr algn="ctr"/>
+            <a:r>
+              <a:rPr lang="de-DE" sz="1400" dirty="0" err="1"/>
+              <a:t>Engines</a:t>
+            </a:r>
+            <a:endParaRPr lang="de-DE" sz="1400" dirty="0"/>
+          </a:p>
+        </p:txBody>
+      </p:sp>
+      <p:cxnSp>
+        <p:nvCxnSpPr>
+          <p:cNvPr id="10" name="Verbinder: gewinkelt 9">
+            <a:extLst>
+              <a:ext uri="{FF2B5EF4-FFF2-40B4-BE49-F238E27FC236}">
+                <a16:creationId xmlns:a16="http://schemas.microsoft.com/office/drawing/2014/main" id="{BBDD86E2-A9C1-FAAA-4319-EFC6B727B83B}"/>
+              </a:ext>
+            </a:extLst>
+          </p:cNvPr>
+          <p:cNvCxnSpPr>
+            <a:cxnSpLocks/>
+            <a:stCxn id="4" idx="2"/>
+            <a:endCxn id="5" idx="1"/>
+          </p:cNvCxnSpPr>
+          <p:nvPr/>
+        </p:nvCxnSpPr>
+        <p:spPr>
+          <a:xfrm rot="16200000" flipH="1">
+            <a:off x="9711798" y="3574450"/>
+            <a:ext cx="453267" cy="683342"/>
+          </a:xfrm>
+          <a:prstGeom prst="bentConnector2">
+            <a:avLst/>
+          </a:prstGeom>
+          <a:ln>
+            <a:solidFill>
+              <a:schemeClr val="tx1"/>
+            </a:solidFill>
+          </a:ln>
+        </p:spPr>
+        <p:style>
+          <a:lnRef idx="1">
+            <a:schemeClr val="accent1"/>
+          </a:lnRef>
+          <a:fillRef idx="0">
+            <a:schemeClr val="accent1"/>
+          </a:fillRef>
+          <a:effectRef idx="0">
+            <a:schemeClr val="accent1"/>
+          </a:effectRef>
+          <a:fontRef idx="minor">
+            <a:schemeClr val="tx1"/>
+          </a:fontRef>
+        </p:style>
+      </p:cxnSp>
+      <p:cxnSp>
+        <p:nvCxnSpPr>
+          <p:cNvPr id="12" name="Verbinder: gewinkelt 11">
+            <a:extLst>
+              <a:ext uri="{FF2B5EF4-FFF2-40B4-BE49-F238E27FC236}">
+                <a16:creationId xmlns:a16="http://schemas.microsoft.com/office/drawing/2014/main" id="{55581565-CDC7-CB8C-559D-14A8A1881F81}"/>
+              </a:ext>
+            </a:extLst>
+          </p:cNvPr>
+          <p:cNvCxnSpPr>
+            <a:cxnSpLocks/>
+            <a:stCxn id="4" idx="2"/>
+            <a:endCxn id="8" idx="1"/>
+          </p:cNvCxnSpPr>
+          <p:nvPr/>
+        </p:nvCxnSpPr>
+        <p:spPr>
+          <a:xfrm rot="16200000" flipH="1">
+            <a:off x="9088922" y="4197325"/>
+            <a:ext cx="1699017" cy="683341"/>
+          </a:xfrm>
+          <a:prstGeom prst="bentConnector2">
+            <a:avLst/>
+          </a:prstGeom>
+          <a:ln>
+            <a:solidFill>
+              <a:schemeClr val="tx1"/>
+            </a:solidFill>
+          </a:ln>
+        </p:spPr>
+        <p:style>
+          <a:lnRef idx="1">
+            <a:schemeClr val="accent1"/>
+          </a:lnRef>
+          <a:fillRef idx="0">
+            <a:schemeClr val="accent1"/>
+          </a:fillRef>
+          <a:effectRef idx="0">
+            <a:schemeClr val="accent1"/>
+          </a:effectRef>
+          <a:fontRef idx="minor">
+            <a:schemeClr val="tx1"/>
+          </a:fontRef>
+        </p:style>
+      </p:cxnSp>
+      <p:cxnSp>
+        <p:nvCxnSpPr>
+          <p:cNvPr id="13" name="Verbinder: gewinkelt 12">
+            <a:extLst>
+              <a:ext uri="{FF2B5EF4-FFF2-40B4-BE49-F238E27FC236}">
+                <a16:creationId xmlns:a16="http://schemas.microsoft.com/office/drawing/2014/main" id="{95CC48D8-3753-A3FD-F814-C2266C15E290}"/>
+              </a:ext>
+            </a:extLst>
+          </p:cNvPr>
+          <p:cNvCxnSpPr>
+            <a:cxnSpLocks/>
+            <a:stCxn id="4" idx="2"/>
+            <a:endCxn id="6" idx="1"/>
+          </p:cNvCxnSpPr>
+          <p:nvPr/>
+        </p:nvCxnSpPr>
+        <p:spPr>
+          <a:xfrm rot="16200000" flipH="1">
+            <a:off x="9408472" y="3877776"/>
+            <a:ext cx="1059918" cy="683342"/>
+          </a:xfrm>
+          <a:prstGeom prst="bentConnector2">
+            <a:avLst/>
+          </a:prstGeom>
+          <a:ln>
+            <a:solidFill>
+              <a:schemeClr val="tx1"/>
+            </a:solidFill>
+          </a:ln>
+        </p:spPr>
+        <p:style>
+          <a:lnRef idx="1">
+            <a:schemeClr val="accent1"/>
+          </a:lnRef>
+          <a:fillRef idx="0">
+            <a:schemeClr val="accent1"/>
+          </a:fillRef>
+          <a:effectRef idx="0">
+            <a:schemeClr val="accent1"/>
+          </a:effectRef>
+          <a:fontRef idx="minor">
+            <a:schemeClr val="tx1"/>
+          </a:fontRef>
+        </p:style>
+      </p:cxnSp>
+      <p:sp>
+        <p:nvSpPr>
+          <p:cNvPr id="18" name="Rechteck 17">
+            <a:extLst>
+              <a:ext uri="{FF2B5EF4-FFF2-40B4-BE49-F238E27FC236}">
+                <a16:creationId xmlns:a16="http://schemas.microsoft.com/office/drawing/2014/main" id="{B387D19F-C621-1338-6122-4E913DB15B30}"/>
+              </a:ext>
+            </a:extLst>
+          </p:cNvPr>
+          <p:cNvSpPr/>
+          <p:nvPr/>
+        </p:nvSpPr>
+        <p:spPr>
+          <a:xfrm>
+            <a:off x="6877193" y="3075957"/>
+            <a:ext cx="967494" cy="613533"/>
+          </a:xfrm>
+          <a:prstGeom prst="rect">
+            <a:avLst/>
+          </a:prstGeom>
+          <a:solidFill>
+            <a:srgbClr val="FF9900"/>
+          </a:solidFill>
+          <a:ln>
+            <a:noFill/>
+          </a:ln>
+        </p:spPr>
+        <p:style>
+          <a:lnRef idx="2">
+            <a:schemeClr val="accent1">
+              <a:shade val="50000"/>
+            </a:schemeClr>
+          </a:lnRef>
+          <a:fillRef idx="1">
+            <a:schemeClr val="accent1"/>
+          </a:fillRef>
+          <a:effectRef idx="0">
+            <a:schemeClr val="accent1"/>
+          </a:effectRef>
+          <a:fontRef idx="minor">
+            <a:schemeClr val="lt1"/>
+          </a:fontRef>
+        </p:style>
+        <p:txBody>
+          <a:bodyPr rtlCol="0" anchor="ctr"/>
+          <a:lstStyle/>
+          <a:p>
+            <a:pPr algn="ctr"/>
+            <a:r>
+              <a:rPr lang="de-DE" sz="1400" dirty="0"/>
+              <a:t>Launch</a:t>
+            </a:r>
+          </a:p>
+        </p:txBody>
+      </p:sp>
+      <p:cxnSp>
+        <p:nvCxnSpPr>
+          <p:cNvPr id="19" name="Verbinder: gewinkelt 18">
+            <a:extLst>
+              <a:ext uri="{FF2B5EF4-FFF2-40B4-BE49-F238E27FC236}">
+                <a16:creationId xmlns:a16="http://schemas.microsoft.com/office/drawing/2014/main" id="{C6D055E8-A5B6-94A2-3E4D-D56327689BEA}"/>
+              </a:ext>
+            </a:extLst>
+          </p:cNvPr>
+          <p:cNvCxnSpPr>
+            <a:cxnSpLocks/>
+            <a:stCxn id="18" idx="3"/>
+            <a:endCxn id="4" idx="1"/>
+          </p:cNvCxnSpPr>
+          <p:nvPr/>
+        </p:nvCxnSpPr>
+        <p:spPr>
+          <a:xfrm flipV="1">
+            <a:off x="7844687" y="3382722"/>
+            <a:ext cx="1268326" cy="2"/>
+          </a:xfrm>
+          <a:prstGeom prst="bentConnector3">
+            <a:avLst>
+              <a:gd name="adj1" fmla="val 50000"/>
+            </a:avLst>
+          </a:prstGeom>
+          <a:ln>
+            <a:solidFill>
+              <a:schemeClr val="tx1"/>
+            </a:solidFill>
+          </a:ln>
+        </p:spPr>
+        <p:style>
+          <a:lnRef idx="1">
+            <a:schemeClr val="accent1"/>
+          </a:lnRef>
+          <a:fillRef idx="0">
+            <a:schemeClr val="accent1"/>
+          </a:fillRef>
+          <a:effectRef idx="0">
+            <a:schemeClr val="accent1"/>
+          </a:effectRef>
+          <a:fontRef idx="minor">
+            <a:schemeClr val="tx1"/>
+          </a:fontRef>
+        </p:style>
+      </p:cxnSp>
+      <p:cxnSp>
+        <p:nvCxnSpPr>
+          <p:cNvPr id="22" name="Verbinder: gewinkelt 21">
+            <a:extLst>
+              <a:ext uri="{FF2B5EF4-FFF2-40B4-BE49-F238E27FC236}">
+                <a16:creationId xmlns:a16="http://schemas.microsoft.com/office/drawing/2014/main" id="{9D204F3E-4E44-F81D-E4EA-DE7EDD460D33}"/>
+              </a:ext>
+            </a:extLst>
+          </p:cNvPr>
+          <p:cNvCxnSpPr>
+            <a:cxnSpLocks/>
+            <a:stCxn id="24" idx="2"/>
+            <a:endCxn id="18" idx="0"/>
+          </p:cNvCxnSpPr>
+          <p:nvPr/>
+        </p:nvCxnSpPr>
+        <p:spPr>
+          <a:xfrm rot="5400000">
+            <a:off x="7674507" y="2273562"/>
+            <a:ext cx="488828" cy="1115962"/>
+          </a:xfrm>
+          <a:prstGeom prst="bentConnector3">
+            <a:avLst>
+              <a:gd name="adj1" fmla="val 50000"/>
+            </a:avLst>
+          </a:prstGeom>
+          <a:ln>
+            <a:solidFill>
+              <a:schemeClr val="tx1"/>
+            </a:solidFill>
+          </a:ln>
+        </p:spPr>
+        <p:style>
+          <a:lnRef idx="1">
+            <a:schemeClr val="accent1"/>
+          </a:lnRef>
+          <a:fillRef idx="0">
+            <a:schemeClr val="accent1"/>
+          </a:fillRef>
+          <a:effectRef idx="0">
+            <a:schemeClr val="accent1"/>
+          </a:effectRef>
+          <a:fontRef idx="minor">
+            <a:schemeClr val="tx1"/>
+          </a:fontRef>
+        </p:style>
+      </p:cxnSp>
+      <p:sp>
+        <p:nvSpPr>
+          <p:cNvPr id="23" name="Rechteck 22">
+            <a:extLst>
+              <a:ext uri="{FF2B5EF4-FFF2-40B4-BE49-F238E27FC236}">
+                <a16:creationId xmlns:a16="http://schemas.microsoft.com/office/drawing/2014/main" id="{4E933E19-711C-8846-576A-2F4F1BA844FB}"/>
+              </a:ext>
+            </a:extLst>
+          </p:cNvPr>
+          <p:cNvSpPr/>
+          <p:nvPr/>
+        </p:nvSpPr>
+        <p:spPr>
+          <a:xfrm>
+            <a:off x="5847110" y="1959375"/>
+            <a:ext cx="967494" cy="613533"/>
+          </a:xfrm>
+          <a:prstGeom prst="rect">
+            <a:avLst/>
+          </a:prstGeom>
+          <a:solidFill>
+            <a:srgbClr val="00B0F0"/>
+          </a:solidFill>
+          <a:ln>
+            <a:noFill/>
+          </a:ln>
+        </p:spPr>
+        <p:style>
+          <a:lnRef idx="2">
+            <a:schemeClr val="accent1">
+              <a:shade val="50000"/>
+            </a:schemeClr>
+          </a:lnRef>
+          <a:fillRef idx="1">
+            <a:schemeClr val="accent1"/>
+          </a:fillRef>
+          <a:effectRef idx="0">
+            <a:schemeClr val="accent1"/>
+          </a:effectRef>
+          <a:fontRef idx="minor">
+            <a:schemeClr val="lt1"/>
+          </a:fontRef>
+        </p:style>
+        <p:txBody>
+          <a:bodyPr rtlCol="0" anchor="ctr"/>
+          <a:lstStyle/>
+          <a:p>
+            <a:pPr algn="ctr"/>
+            <a:r>
+              <a:rPr lang="de-DE" sz="1400" dirty="0"/>
+              <a:t>Launchpad</a:t>
+            </a:r>
+          </a:p>
+        </p:txBody>
+      </p:sp>
+      <p:sp>
+        <p:nvSpPr>
+          <p:cNvPr id="24" name="Rechteck 23">
+            <a:extLst>
+              <a:ext uri="{FF2B5EF4-FFF2-40B4-BE49-F238E27FC236}">
+                <a16:creationId xmlns:a16="http://schemas.microsoft.com/office/drawing/2014/main" id="{8E7B2D4F-D84D-F373-5634-3F15049383A1}"/>
+              </a:ext>
+            </a:extLst>
+          </p:cNvPr>
+          <p:cNvSpPr/>
+          <p:nvPr/>
+        </p:nvSpPr>
+        <p:spPr>
+          <a:xfrm>
+            <a:off x="7993155" y="1973596"/>
+            <a:ext cx="967494" cy="613533"/>
+          </a:xfrm>
+          <a:prstGeom prst="rect">
+            <a:avLst/>
+          </a:prstGeom>
+          <a:solidFill>
+            <a:srgbClr val="00B0F0"/>
+          </a:solidFill>
+          <a:ln>
+            <a:noFill/>
+          </a:ln>
+        </p:spPr>
+        <p:style>
+          <a:lnRef idx="2">
+            <a:schemeClr val="accent1">
+              <a:shade val="50000"/>
+            </a:schemeClr>
+          </a:lnRef>
+          <a:fillRef idx="1">
+            <a:schemeClr val="accent1"/>
+          </a:fillRef>
+          <a:effectRef idx="0">
+            <a:schemeClr val="accent1"/>
+          </a:effectRef>
+          <a:fontRef idx="minor">
+            <a:schemeClr val="lt1"/>
+          </a:fontRef>
+        </p:style>
+        <p:txBody>
+          <a:bodyPr rtlCol="0" anchor="ctr"/>
+          <a:lstStyle/>
+          <a:p>
+            <a:pPr algn="ctr"/>
+            <a:r>
+              <a:rPr lang="de-DE" sz="1400" dirty="0" err="1"/>
+              <a:t>Landpad</a:t>
+            </a:r>
+            <a:endParaRPr lang="de-DE" sz="1400" dirty="0"/>
+          </a:p>
+        </p:txBody>
+      </p:sp>
+      <p:cxnSp>
+        <p:nvCxnSpPr>
+          <p:cNvPr id="27" name="Verbinder: gewinkelt 26">
+            <a:extLst>
+              <a:ext uri="{FF2B5EF4-FFF2-40B4-BE49-F238E27FC236}">
+                <a16:creationId xmlns:a16="http://schemas.microsoft.com/office/drawing/2014/main" id="{945D2DD0-39F5-88AE-281B-AC20171ED97F}"/>
+              </a:ext>
+            </a:extLst>
+          </p:cNvPr>
+          <p:cNvCxnSpPr>
+            <a:cxnSpLocks/>
+            <a:stCxn id="23" idx="2"/>
+            <a:endCxn id="18" idx="0"/>
+          </p:cNvCxnSpPr>
+          <p:nvPr/>
+        </p:nvCxnSpPr>
+        <p:spPr>
+          <a:xfrm rot="16200000" flipH="1">
+            <a:off x="6594374" y="2309390"/>
+            <a:ext cx="503049" cy="1030083"/>
+          </a:xfrm>
+          <a:prstGeom prst="bentConnector3">
+            <a:avLst>
+              <a:gd name="adj1" fmla="val 50000"/>
+            </a:avLst>
+          </a:prstGeom>
+          <a:ln>
+            <a:solidFill>
+              <a:schemeClr val="tx1"/>
+            </a:solidFill>
+          </a:ln>
+        </p:spPr>
+        <p:style>
+          <a:lnRef idx="1">
+            <a:schemeClr val="accent1"/>
+          </a:lnRef>
+          <a:fillRef idx="0">
+            <a:schemeClr val="accent1"/>
+          </a:fillRef>
+          <a:effectRef idx="0">
+            <a:schemeClr val="accent1"/>
+          </a:effectRef>
+          <a:fontRef idx="minor">
+            <a:schemeClr val="tx1"/>
+          </a:fontRef>
+        </p:style>
+      </p:cxnSp>
+      <p:sp>
+        <p:nvSpPr>
+          <p:cNvPr id="30" name="Rechteck 29">
+            <a:extLst>
+              <a:ext uri="{FF2B5EF4-FFF2-40B4-BE49-F238E27FC236}">
+                <a16:creationId xmlns:a16="http://schemas.microsoft.com/office/drawing/2014/main" id="{96587C13-D80C-D5AF-5395-AB8A54D5C3AE}"/>
+              </a:ext>
+            </a:extLst>
+          </p:cNvPr>
+          <p:cNvSpPr/>
+          <p:nvPr/>
+        </p:nvSpPr>
+        <p:spPr>
+          <a:xfrm>
+            <a:off x="6248368" y="5164332"/>
+            <a:ext cx="967494" cy="613533"/>
+          </a:xfrm>
+          <a:prstGeom prst="rect">
+            <a:avLst/>
+          </a:prstGeom>
+          <a:solidFill>
+            <a:srgbClr val="7030A0"/>
+          </a:solidFill>
+          <a:ln>
+            <a:noFill/>
+          </a:ln>
+        </p:spPr>
+        <p:style>
+          <a:lnRef idx="2">
+            <a:schemeClr val="accent1">
+              <a:shade val="50000"/>
+            </a:schemeClr>
+          </a:lnRef>
+          <a:fillRef idx="1">
+            <a:schemeClr val="accent1"/>
+          </a:fillRef>
+          <a:effectRef idx="0">
+            <a:schemeClr val="accent1"/>
+          </a:effectRef>
+          <a:fontRef idx="minor">
+            <a:schemeClr val="lt1"/>
+          </a:fontRef>
+        </p:style>
+        <p:txBody>
+          <a:bodyPr rtlCol="0" anchor="ctr"/>
+          <a:lstStyle/>
+          <a:p>
+            <a:pPr algn="ctr"/>
+            <a:r>
+              <a:rPr lang="de-DE" sz="1400" dirty="0"/>
+              <a:t>Crew Member</a:t>
+            </a:r>
+          </a:p>
+        </p:txBody>
+      </p:sp>
+      <p:sp>
+        <p:nvSpPr>
+          <p:cNvPr id="31" name="Rechteck 30">
+            <a:extLst>
+              <a:ext uri="{FF2B5EF4-FFF2-40B4-BE49-F238E27FC236}">
+                <a16:creationId xmlns:a16="http://schemas.microsoft.com/office/drawing/2014/main" id="{C04FF911-EC38-1B5F-BE44-CFEF1D8B2A60}"/>
+              </a:ext>
+            </a:extLst>
+          </p:cNvPr>
+          <p:cNvSpPr/>
+          <p:nvPr/>
+        </p:nvSpPr>
+        <p:spPr>
+          <a:xfrm>
+            <a:off x="7360940" y="5164331"/>
+            <a:ext cx="967494" cy="613533"/>
+          </a:xfrm>
+          <a:prstGeom prst="rect">
+            <a:avLst/>
+          </a:prstGeom>
+          <a:solidFill>
+            <a:srgbClr val="7030A0"/>
+          </a:solidFill>
+          <a:ln>
+            <a:noFill/>
+          </a:ln>
+        </p:spPr>
+        <p:style>
+          <a:lnRef idx="2">
+            <a:schemeClr val="accent1">
+              <a:shade val="50000"/>
+            </a:schemeClr>
+          </a:lnRef>
+          <a:fillRef idx="1">
+            <a:schemeClr val="accent1"/>
+          </a:fillRef>
+          <a:effectRef idx="0">
+            <a:schemeClr val="accent1"/>
+          </a:effectRef>
+          <a:fontRef idx="minor">
+            <a:schemeClr val="lt1"/>
+          </a:fontRef>
+        </p:style>
+        <p:txBody>
+          <a:bodyPr rtlCol="0" anchor="ctr"/>
+          <a:lstStyle/>
+          <a:p>
+            <a:pPr algn="ctr"/>
+            <a:r>
+              <a:rPr lang="de-DE" sz="1400" dirty="0"/>
+              <a:t>Crew Member</a:t>
+            </a:r>
+          </a:p>
+        </p:txBody>
+      </p:sp>
+      <p:sp>
+        <p:nvSpPr>
+          <p:cNvPr id="32" name="Rechteck 31">
+            <a:extLst>
+              <a:ext uri="{FF2B5EF4-FFF2-40B4-BE49-F238E27FC236}">
+                <a16:creationId xmlns:a16="http://schemas.microsoft.com/office/drawing/2014/main" id="{DDE39212-C828-A34D-A3B7-71472746B731}"/>
+              </a:ext>
+            </a:extLst>
+          </p:cNvPr>
+          <p:cNvSpPr/>
+          <p:nvPr/>
+        </p:nvSpPr>
+        <p:spPr>
+          <a:xfrm>
+            <a:off x="5135796" y="5164330"/>
+            <a:ext cx="967494" cy="613533"/>
+          </a:xfrm>
+          <a:prstGeom prst="rect">
+            <a:avLst/>
+          </a:prstGeom>
+          <a:solidFill>
+            <a:srgbClr val="7030A0"/>
+          </a:solidFill>
+          <a:ln>
+            <a:noFill/>
+          </a:ln>
+        </p:spPr>
+        <p:style>
+          <a:lnRef idx="2">
+            <a:schemeClr val="accent1">
+              <a:shade val="50000"/>
+            </a:schemeClr>
+          </a:lnRef>
+          <a:fillRef idx="1">
+            <a:schemeClr val="accent1"/>
+          </a:fillRef>
+          <a:effectRef idx="0">
+            <a:schemeClr val="accent1"/>
+          </a:effectRef>
+          <a:fontRef idx="minor">
+            <a:schemeClr val="lt1"/>
+          </a:fontRef>
+        </p:style>
+        <p:txBody>
+          <a:bodyPr rtlCol="0" anchor="ctr"/>
+          <a:lstStyle/>
+          <a:p>
+            <a:pPr algn="ctr"/>
+            <a:r>
+              <a:rPr lang="de-DE" sz="1400" dirty="0"/>
+              <a:t>Crew Member</a:t>
+            </a:r>
+          </a:p>
+        </p:txBody>
+      </p:sp>
+      <p:sp>
+        <p:nvSpPr>
+          <p:cNvPr id="33" name="Rechteck 32">
+            <a:extLst>
+              <a:ext uri="{FF2B5EF4-FFF2-40B4-BE49-F238E27FC236}">
+                <a16:creationId xmlns:a16="http://schemas.microsoft.com/office/drawing/2014/main" id="{651161BB-2BA9-AD03-965A-66173A1018AF}"/>
+              </a:ext>
+            </a:extLst>
+          </p:cNvPr>
+          <p:cNvSpPr/>
+          <p:nvPr/>
+        </p:nvSpPr>
+        <p:spPr>
+          <a:xfrm>
+            <a:off x="8473511" y="5164329"/>
+            <a:ext cx="967494" cy="613533"/>
+          </a:xfrm>
+          <a:prstGeom prst="rect">
+            <a:avLst/>
+          </a:prstGeom>
+          <a:solidFill>
+            <a:srgbClr val="7030A0"/>
+          </a:solidFill>
+          <a:ln>
+            <a:noFill/>
+          </a:ln>
+        </p:spPr>
+        <p:style>
+          <a:lnRef idx="2">
+            <a:schemeClr val="accent1">
+              <a:shade val="50000"/>
+            </a:schemeClr>
+          </a:lnRef>
+          <a:fillRef idx="1">
+            <a:schemeClr val="accent1"/>
+          </a:fillRef>
+          <a:effectRef idx="0">
+            <a:schemeClr val="accent1"/>
+          </a:effectRef>
+          <a:fontRef idx="minor">
+            <a:schemeClr val="lt1"/>
+          </a:fontRef>
+        </p:style>
+        <p:txBody>
+          <a:bodyPr rtlCol="0" anchor="ctr"/>
+          <a:lstStyle/>
+          <a:p>
+            <a:pPr algn="ctr"/>
+            <a:r>
+              <a:rPr lang="de-DE" sz="1400" dirty="0"/>
+              <a:t>Crew Member</a:t>
+            </a:r>
+          </a:p>
+        </p:txBody>
+      </p:sp>
+      <p:cxnSp>
+        <p:nvCxnSpPr>
+          <p:cNvPr id="39" name="Verbinder: gewinkelt 38">
+            <a:extLst>
+              <a:ext uri="{FF2B5EF4-FFF2-40B4-BE49-F238E27FC236}">
+                <a16:creationId xmlns:a16="http://schemas.microsoft.com/office/drawing/2014/main" id="{2593E8A7-156E-EA4F-8CAB-3E5406FDA769}"/>
+              </a:ext>
+            </a:extLst>
+          </p:cNvPr>
+          <p:cNvCxnSpPr>
+            <a:cxnSpLocks/>
+            <a:stCxn id="30" idx="0"/>
+            <a:endCxn id="18" idx="2"/>
+          </p:cNvCxnSpPr>
+          <p:nvPr/>
+        </p:nvCxnSpPr>
+        <p:spPr>
+          <a:xfrm rot="5400000" flipH="1" flipV="1">
+            <a:off x="6309106" y="4112499"/>
+            <a:ext cx="1474842" cy="628825"/>
+          </a:xfrm>
+          <a:prstGeom prst="bentConnector3">
+            <a:avLst>
+              <a:gd name="adj1" fmla="val 50000"/>
+            </a:avLst>
+          </a:prstGeom>
+          <a:ln>
+            <a:solidFill>
+              <a:schemeClr val="tx1"/>
+            </a:solidFill>
+          </a:ln>
+        </p:spPr>
+        <p:style>
+          <a:lnRef idx="1">
+            <a:schemeClr val="accent1"/>
+          </a:lnRef>
+          <a:fillRef idx="0">
+            <a:schemeClr val="accent1"/>
+          </a:fillRef>
+          <a:effectRef idx="0">
+            <a:schemeClr val="accent1"/>
+          </a:effectRef>
+          <a:fontRef idx="minor">
+            <a:schemeClr val="tx1"/>
+          </a:fontRef>
+        </p:style>
+      </p:cxnSp>
+      <p:cxnSp>
+        <p:nvCxnSpPr>
+          <p:cNvPr id="40" name="Verbinder: gewinkelt 39">
+            <a:extLst>
+              <a:ext uri="{FF2B5EF4-FFF2-40B4-BE49-F238E27FC236}">
+                <a16:creationId xmlns:a16="http://schemas.microsoft.com/office/drawing/2014/main" id="{3F28F648-AE01-28B8-07EB-EFF97CFF9756}"/>
+              </a:ext>
+            </a:extLst>
+          </p:cNvPr>
+          <p:cNvCxnSpPr>
+            <a:cxnSpLocks/>
+            <a:stCxn id="31" idx="0"/>
+            <a:endCxn id="18" idx="2"/>
+          </p:cNvCxnSpPr>
+          <p:nvPr/>
+        </p:nvCxnSpPr>
+        <p:spPr>
+          <a:xfrm rot="16200000" flipV="1">
+            <a:off x="6865394" y="4185037"/>
+            <a:ext cx="1474841" cy="483747"/>
+          </a:xfrm>
+          <a:prstGeom prst="bentConnector3">
+            <a:avLst>
+              <a:gd name="adj1" fmla="val 50000"/>
+            </a:avLst>
+          </a:prstGeom>
+          <a:ln>
+            <a:solidFill>
+              <a:schemeClr val="tx1"/>
+            </a:solidFill>
+          </a:ln>
+        </p:spPr>
+        <p:style>
+          <a:lnRef idx="1">
+            <a:schemeClr val="accent1"/>
+          </a:lnRef>
+          <a:fillRef idx="0">
+            <a:schemeClr val="accent1"/>
+          </a:fillRef>
+          <a:effectRef idx="0">
+            <a:schemeClr val="accent1"/>
+          </a:effectRef>
+          <a:fontRef idx="minor">
+            <a:schemeClr val="tx1"/>
+          </a:fontRef>
+        </p:style>
+      </p:cxnSp>
+      <p:cxnSp>
+        <p:nvCxnSpPr>
+          <p:cNvPr id="41" name="Verbinder: gewinkelt 40">
+            <a:extLst>
+              <a:ext uri="{FF2B5EF4-FFF2-40B4-BE49-F238E27FC236}">
+                <a16:creationId xmlns:a16="http://schemas.microsoft.com/office/drawing/2014/main" id="{E03640EA-5EED-0AA8-DEEC-318D1E5EFB8A}"/>
+              </a:ext>
+            </a:extLst>
+          </p:cNvPr>
+          <p:cNvCxnSpPr>
+            <a:cxnSpLocks/>
+            <a:stCxn id="33" idx="0"/>
+            <a:endCxn id="18" idx="2"/>
+          </p:cNvCxnSpPr>
+          <p:nvPr/>
+        </p:nvCxnSpPr>
+        <p:spPr>
+          <a:xfrm rot="16200000" flipV="1">
+            <a:off x="7421680" y="3628751"/>
+            <a:ext cx="1474839" cy="1596318"/>
+          </a:xfrm>
+          <a:prstGeom prst="bentConnector3">
+            <a:avLst>
+              <a:gd name="adj1" fmla="val 50000"/>
+            </a:avLst>
+          </a:prstGeom>
+          <a:ln>
+            <a:solidFill>
+              <a:schemeClr val="tx1"/>
+            </a:solidFill>
+          </a:ln>
+        </p:spPr>
+        <p:style>
+          <a:lnRef idx="1">
+            <a:schemeClr val="accent1"/>
+          </a:lnRef>
+          <a:fillRef idx="0">
+            <a:schemeClr val="accent1"/>
+          </a:fillRef>
+          <a:effectRef idx="0">
+            <a:schemeClr val="accent1"/>
+          </a:effectRef>
+          <a:fontRef idx="minor">
+            <a:schemeClr val="tx1"/>
+          </a:fontRef>
+        </p:style>
+      </p:cxnSp>
+      <p:cxnSp>
+        <p:nvCxnSpPr>
+          <p:cNvPr id="42" name="Verbinder: gewinkelt 41">
+            <a:extLst>
+              <a:ext uri="{FF2B5EF4-FFF2-40B4-BE49-F238E27FC236}">
+                <a16:creationId xmlns:a16="http://schemas.microsoft.com/office/drawing/2014/main" id="{3419966B-E5FE-9FA7-BAE1-E15BA7BD72AA}"/>
+              </a:ext>
+            </a:extLst>
+          </p:cNvPr>
+          <p:cNvCxnSpPr>
+            <a:cxnSpLocks/>
+            <a:stCxn id="32" idx="0"/>
+            <a:endCxn id="18" idx="2"/>
+          </p:cNvCxnSpPr>
+          <p:nvPr/>
+        </p:nvCxnSpPr>
+        <p:spPr>
+          <a:xfrm rot="5400000" flipH="1" flipV="1">
+            <a:off x="5752821" y="3556212"/>
+            <a:ext cx="1474840" cy="1741397"/>
+          </a:xfrm>
+          <a:prstGeom prst="bentConnector3">
+            <a:avLst>
+              <a:gd name="adj1" fmla="val 50000"/>
+            </a:avLst>
+          </a:prstGeom>
+          <a:ln>
+            <a:solidFill>
+              <a:schemeClr val="tx1"/>
+            </a:solidFill>
+          </a:ln>
+        </p:spPr>
+        <p:style>
+          <a:lnRef idx="1">
+            <a:schemeClr val="accent1"/>
+          </a:lnRef>
+          <a:fillRef idx="0">
+            <a:schemeClr val="accent1"/>
+          </a:fillRef>
+          <a:effectRef idx="0">
+            <a:schemeClr val="accent1"/>
+          </a:effectRef>
+          <a:fontRef idx="minor">
+            <a:schemeClr val="tx1"/>
+          </a:fontRef>
+        </p:style>
+      </p:cxnSp>
     </p:spTree>
     <p:extLst>
       <p:ext uri="{BB962C8B-B14F-4D97-AF65-F5344CB8AC3E}">
@@ -7512,7 +7209,7 @@
           <p:nvPr>
             <p:extLst>
               <p:ext uri="{D42A27DB-BD31-4B8C-83A1-F6EECF244321}">
-                <p14:modId xmlns:p14="http://schemas.microsoft.com/office/powerpoint/2010/main" val="3424383390"/>
+                <p14:modId xmlns:p14="http://schemas.microsoft.com/office/powerpoint/2010/main" val="3557737272"/>
               </p:ext>
             </p:extLst>
           </p:nvPr>
@@ -7550,13 +7247,13 @@
                     <a:lstStyle/>
                     <a:p>
                       <a:r>
-                        <a:rPr lang="en-GB" sz="2800" b="1" noProof="0">
+                        <a:rPr lang="en-GB" sz="2800" b="1" noProof="0" dirty="0">
                           <a:latin typeface="Courier New" panose="02070309020205020404" pitchFamily="49" charset="0"/>
                           <a:cs typeface="Courier New" panose="02070309020205020404" pitchFamily="49" charset="0"/>
                         </a:rPr>
-                        <a:t>json2puml</a:t>
+                        <a:t>Json2puml</a:t>
                       </a:r>
-                      <a:endParaRPr lang="en-GB" sz="2800" b="1" noProof="0"/>
+                      <a:endParaRPr lang="en-GB" sz="2800" b="1" noProof="0" dirty="0"/>
                     </a:p>
                   </a:txBody>
                   <a:tcPr>
@@ -7604,7 +7301,7 @@
                     <a:lstStyle/>
                     <a:p>
                       <a:r>
-                        <a:rPr lang="en-GB" sz="2800" noProof="0"/>
+                        <a:rPr lang="en-GB" sz="2800" noProof="0" dirty="0"/>
                         <a:t>is a command line tool developed to generate PlantUML files based JSON files (TMF based).</a:t>
                       </a:r>
                     </a:p>
@@ -7661,13 +7358,13 @@
                     <a:lstStyle/>
                     <a:p>
                       <a:r>
-                        <a:rPr lang="en-GB" sz="2800" b="1" noProof="0">
+                        <a:rPr lang="en-GB" sz="2800" b="1" noProof="0" dirty="0">
                           <a:latin typeface="Courier New" panose="02070309020205020404" pitchFamily="49" charset="0"/>
                           <a:cs typeface="Courier New" panose="02070309020205020404" pitchFamily="49" charset="0"/>
                         </a:rPr>
-                        <a:t>json2puml</a:t>
+                        <a:t>Json2puml</a:t>
                       </a:r>
-                      <a:endParaRPr lang="en-GB" sz="2800" b="1" noProof="0"/>
+                      <a:endParaRPr lang="en-GB" sz="2800" b="1" noProof="0" dirty="0"/>
                     </a:p>
                   </a:txBody>
                   <a:tcPr>
@@ -8065,7 +7762,7 @@
                     <a:lstStyle/>
                     <a:p>
                       <a:r>
-                        <a:rPr lang="en-GB" sz="2800" noProof="0"/>
+                        <a:rPr lang="en-GB" sz="2800" noProof="0" dirty="0"/>
                         <a:t>is free to use for everyone.</a:t>
                       </a:r>
                     </a:p>
@@ -8149,53 +7846,12 @@
           <a:chExt cx="0" cy="0"/>
         </a:xfrm>
       </p:grpSpPr>
-      <p:pic>
-        <p:nvPicPr>
-          <p:cNvPr id="11" name="Grafik 10">
+      <p:sp>
+        <p:nvSpPr>
+          <p:cNvPr id="3" name="Inhaltsplatzhalter 2">
             <a:extLst>
               <a:ext uri="{FF2B5EF4-FFF2-40B4-BE49-F238E27FC236}">
-                <a16:creationId xmlns:a16="http://schemas.microsoft.com/office/drawing/2014/main" id="{3FFA0D04-AD16-4B52-92F5-5C4200C8AAC5}"/>
-              </a:ext>
-            </a:extLst>
-          </p:cNvPr>
-          <p:cNvPicPr>
-            <a:picLocks noChangeAspect="1"/>
-          </p:cNvPicPr>
-          <p:nvPr/>
-        </p:nvPicPr>
-        <p:blipFill>
-          <a:blip r:embed="rId2" cstate="email">
-            <a:extLst>
-              <a:ext uri="{28A0092B-C50C-407E-A947-70E740481C1C}">
-                <a14:useLocalDpi xmlns:a14="http://schemas.microsoft.com/office/drawing/2010/main"/>
-              </a:ext>
-            </a:extLst>
-          </a:blip>
-          <a:stretch>
-            <a:fillRect/>
-          </a:stretch>
-        </p:blipFill>
-        <p:spPr>
-          <a:xfrm>
-            <a:off x="206188" y="1752607"/>
-            <a:ext cx="9579992" cy="3846073"/>
-          </a:xfrm>
-          <a:prstGeom prst="rect">
-            <a:avLst/>
-          </a:prstGeom>
-          <a:ln>
-            <a:solidFill>
-              <a:schemeClr val="accent1"/>
-            </a:solidFill>
-          </a:ln>
-        </p:spPr>
-      </p:pic>
-      <p:sp>
-        <p:nvSpPr>
-          <p:cNvPr id="2" name="Titel 1">
-            <a:extLst>
-              <a:ext uri="{FF2B5EF4-FFF2-40B4-BE49-F238E27FC236}">
-                <a16:creationId xmlns:a16="http://schemas.microsoft.com/office/drawing/2014/main" id="{3CD96B6A-63AC-4C0D-8B51-933E08A43FD4}"/>
+                <a16:creationId xmlns:a16="http://schemas.microsoft.com/office/drawing/2014/main" id="{89425188-31B0-4C29-867A-837DA09F8086}"/>
               </a:ext>
             </a:extLst>
           </p:cNvPr>
@@ -8203,113 +7859,109 @@
             <a:spLocks noGrp="1"/>
           </p:cNvSpPr>
           <p:nvPr>
-            <p:ph type="title"/>
+            <p:ph idx="1"/>
           </p:nvPr>
         </p:nvSpPr>
-        <p:spPr/>
-        <p:txBody>
-          <a:bodyPr anchor="t">
+        <p:spPr>
+          <a:xfrm>
+            <a:off x="676656" y="1362751"/>
+            <a:ext cx="10753725" cy="4925961"/>
+          </a:xfrm>
+        </p:spPr>
+        <p:txBody>
+          <a:bodyPr>
             <a:normAutofit/>
           </a:bodyPr>
           <a:lstStyle/>
           <a:p>
-            <a:r>
-              <a:rPr lang="de-DE" sz="4800" dirty="0" err="1"/>
-              <a:t>Example</a:t>
-            </a:r>
-            <a:r>
-              <a:rPr lang="de-DE" sz="4800" dirty="0"/>
-              <a:t> 1 : TMF 632 - Individual</a:t>
-            </a:r>
-          </a:p>
-        </p:txBody>
-      </p:sp>
-      <p:pic>
-        <p:nvPicPr>
-          <p:cNvPr id="4" name="Grafik 3">
-            <a:extLst>
-              <a:ext uri="{FF2B5EF4-FFF2-40B4-BE49-F238E27FC236}">
-                <a16:creationId xmlns:a16="http://schemas.microsoft.com/office/drawing/2014/main" id="{CD868DD8-0703-4DA9-ABE3-FB0A34258D92}"/>
-              </a:ext>
-            </a:extLst>
-          </p:cNvPr>
-          <p:cNvPicPr>
-            <a:picLocks noChangeAspect="1"/>
-          </p:cNvPicPr>
-          <p:nvPr/>
-        </p:nvPicPr>
-        <p:blipFill>
-          <a:blip r:embed="rId3" cstate="email">
-            <a:extLst>
-              <a:ext uri="{28A0092B-C50C-407E-A947-70E740481C1C}">
-                <a14:useLocalDpi xmlns:a14="http://schemas.microsoft.com/office/drawing/2010/main"/>
-              </a:ext>
-            </a:extLst>
-          </a:blip>
-          <a:stretch>
-            <a:fillRect/>
-          </a:stretch>
-        </p:blipFill>
-        <p:spPr>
-          <a:xfrm>
-            <a:off x="9279112" y="306370"/>
-            <a:ext cx="2610410" cy="2648009"/>
-          </a:xfrm>
-          <a:prstGeom prst="rect">
-            <a:avLst/>
-          </a:prstGeom>
-          <a:ln>
-            <a:solidFill>
-              <a:schemeClr val="accent1"/>
-            </a:solidFill>
-          </a:ln>
-        </p:spPr>
-      </p:pic>
-      <p:pic>
-        <p:nvPicPr>
-          <p:cNvPr id="8" name="Grafik 7">
-            <a:extLst>
-              <a:ext uri="{FF2B5EF4-FFF2-40B4-BE49-F238E27FC236}">
-                <a16:creationId xmlns:a16="http://schemas.microsoft.com/office/drawing/2014/main" id="{3149B689-A2B7-484A-A18B-489CB5027E25}"/>
-              </a:ext>
-            </a:extLst>
-          </p:cNvPr>
-          <p:cNvPicPr>
-            <a:picLocks noChangeAspect="1"/>
-          </p:cNvPicPr>
-          <p:nvPr/>
-        </p:nvPicPr>
-        <p:blipFill>
-          <a:blip r:embed="rId4" cstate="email">
-            <a:extLst>
-              <a:ext uri="{28A0092B-C50C-407E-A947-70E740481C1C}">
-                <a14:useLocalDpi xmlns:a14="http://schemas.microsoft.com/office/drawing/2010/main"/>
-              </a:ext>
-            </a:extLst>
-          </a:blip>
-          <a:stretch>
-            <a:fillRect/>
-          </a:stretch>
-        </p:blipFill>
-        <p:spPr>
-          <a:xfrm>
-            <a:off x="2393576" y="4827716"/>
-            <a:ext cx="9592236" cy="1723914"/>
-          </a:xfrm>
-          <a:prstGeom prst="rect">
-            <a:avLst/>
-          </a:prstGeom>
-          <a:ln>
-            <a:solidFill>
-              <a:schemeClr val="accent1"/>
-            </a:solidFill>
-          </a:ln>
-        </p:spPr>
-      </p:pic>
+            <a:pPr algn="ctr"/>
+            <a:r>
+              <a:rPr lang="en-US" sz="5400" spc="-120" dirty="0">
+                <a:solidFill>
+                  <a:schemeClr val="accent1"/>
+                </a:solidFill>
+                <a:latin typeface="+mj-lt"/>
+                <a:ea typeface="+mj-ea"/>
+                <a:cs typeface="+mj-cs"/>
+              </a:rPr>
+              <a:t>SpaceX REST API</a:t>
+            </a:r>
+          </a:p>
+          <a:p>
+            <a:pPr algn="ctr"/>
+            <a:endParaRPr lang="en-US" b="1" dirty="0"/>
+          </a:p>
+          <a:p>
+            <a:pPr algn="ctr"/>
+            <a:r>
+              <a:rPr lang="en-US" b="1" dirty="0"/>
+              <a:t>Open Source REST API for launch, rocket, core, capsule, </a:t>
+            </a:r>
+            <a:r>
+              <a:rPr lang="en-US" b="1" dirty="0" err="1"/>
+              <a:t>starlink</a:t>
+            </a:r>
+            <a:r>
+              <a:rPr lang="en-US" b="1" dirty="0"/>
+              <a:t>, launchpad, and landing pad data. </a:t>
+            </a:r>
+          </a:p>
+          <a:p>
+            <a:pPr algn="ctr"/>
+            <a:endParaRPr lang="en-US" dirty="0">
+              <a:hlinkClick r:id="rId2"/>
+            </a:endParaRPr>
+          </a:p>
+          <a:p>
+            <a:pPr algn="ctr"/>
+            <a:r>
+              <a:rPr lang="en-US" dirty="0">
+                <a:hlinkClick r:id="rId2"/>
+              </a:rPr>
+              <a:t>https://github.com/r-spacex/SpaceX-API</a:t>
+            </a:r>
+          </a:p>
+          <a:p>
+            <a:pPr algn="ctr"/>
+            <a:endParaRPr lang="en-US" dirty="0">
+              <a:hlinkClick r:id="rId2"/>
+            </a:endParaRPr>
+          </a:p>
+          <a:p>
+            <a:pPr algn="ctr"/>
+            <a:r>
+              <a:rPr lang="en-US" b="0" i="0" dirty="0">
+                <a:solidFill>
+                  <a:schemeClr val="tx1"/>
+                </a:solidFill>
+                <a:effectLst/>
+                <a:latin typeface="Helvetica Neue"/>
+              </a:rPr>
+              <a:t>What is this?</a:t>
+            </a:r>
+          </a:p>
+          <a:p>
+            <a:pPr algn="l"/>
+            <a:r>
+              <a:rPr lang="en-US" b="0" i="0" dirty="0">
+                <a:solidFill>
+                  <a:schemeClr val="tx1"/>
+                </a:solidFill>
+                <a:effectLst/>
+                <a:latin typeface="Helvetica Neue"/>
+              </a:rPr>
+              <a:t>It’s an unofficial public API to receive various information about all Space X rocket launches.</a:t>
+            </a:r>
+          </a:p>
+          <a:p>
+            <a:endParaRPr lang="en-GB" dirty="0"/>
+          </a:p>
+        </p:txBody>
+      </p:sp>
     </p:spTree>
     <p:extLst>
       <p:ext uri="{BB962C8B-B14F-4D97-AF65-F5344CB8AC3E}">
-        <p14:creationId xmlns:p14="http://schemas.microsoft.com/office/powerpoint/2010/main" val="4162889266"/>
+        <p14:creationId xmlns:p14="http://schemas.microsoft.com/office/powerpoint/2010/main" val="1735195562"/>
       </p:ext>
     </p:extLst>
   </p:cSld>
@@ -8341,7 +7993,7 @@
           <p:cNvPr id="2" name="Titel 1">
             <a:extLst>
               <a:ext uri="{FF2B5EF4-FFF2-40B4-BE49-F238E27FC236}">
-                <a16:creationId xmlns:a16="http://schemas.microsoft.com/office/drawing/2014/main" id="{EC08CD93-D53F-450F-89F7-5844ABF4832D}"/>
+                <a16:creationId xmlns:a16="http://schemas.microsoft.com/office/drawing/2014/main" id="{3CD96B6A-63AC-4C0D-8B51-933E08A43FD4}"/>
               </a:ext>
             </a:extLst>
           </p:cNvPr>
@@ -8352,67 +8004,26 @@
             <p:ph type="title"/>
           </p:nvPr>
         </p:nvSpPr>
-        <p:spPr>
-          <a:xfrm>
-            <a:off x="709612" y="232114"/>
-            <a:ext cx="10772775" cy="1658198"/>
-          </a:xfrm>
-        </p:spPr>
-        <p:txBody>
-          <a:bodyPr>
+        <p:spPr/>
+        <p:txBody>
+          <a:bodyPr anchor="t">
             <a:normAutofit/>
           </a:bodyPr>
           <a:lstStyle/>
           <a:p>
             <a:r>
-              <a:rPr lang="de-DE" sz="4400" dirty="0" err="1"/>
-              <a:t>Example</a:t>
-            </a:r>
-            <a:r>
-              <a:rPr lang="de-DE" sz="4400" dirty="0"/>
-              <a:t> 2: TMF 637 – All </a:t>
-            </a:r>
-            <a:r>
-              <a:rPr lang="de-DE" sz="4400" dirty="0" err="1"/>
-              <a:t>products</a:t>
-            </a:r>
-            <a:r>
-              <a:rPr lang="de-DE" sz="4400" dirty="0"/>
-              <a:t> </a:t>
-            </a:r>
-            <a:r>
-              <a:rPr lang="de-DE" sz="4400" dirty="0" err="1"/>
-              <a:t>of</a:t>
-            </a:r>
-            <a:r>
-              <a:rPr lang="de-DE" sz="4400" dirty="0"/>
-              <a:t> a </a:t>
-            </a:r>
-            <a:r>
-              <a:rPr lang="de-DE" sz="4400" dirty="0" err="1"/>
-              <a:t>customer</a:t>
-            </a:r>
-            <a:r>
-              <a:rPr lang="de-DE" sz="4400" dirty="0"/>
-              <a:t> (different </a:t>
-            </a:r>
-            <a:r>
-              <a:rPr lang="de-DE" sz="4400" dirty="0" err="1"/>
-              <a:t>formats</a:t>
-            </a:r>
-            <a:r>
-              <a:rPr lang="de-DE" sz="4400" dirty="0"/>
-              <a:t>)</a:t>
+              <a:rPr lang="en-GB" sz="4800" dirty="0"/>
+              <a:t>Space X API – get /rocket</a:t>
             </a:r>
           </a:p>
         </p:txBody>
       </p:sp>
       <p:pic>
         <p:nvPicPr>
-          <p:cNvPr id="6" name="Grafik 5">
+          <p:cNvPr id="5" name="Grafik 4">
             <a:extLst>
               <a:ext uri="{FF2B5EF4-FFF2-40B4-BE49-F238E27FC236}">
-                <a16:creationId xmlns:a16="http://schemas.microsoft.com/office/drawing/2014/main" id="{D0136C9E-99C4-450B-A529-CD70DC7141B7}"/>
+                <a16:creationId xmlns:a16="http://schemas.microsoft.com/office/drawing/2014/main" id="{124FD694-B051-EB5C-ABB9-A0595691C560}"/>
               </a:ext>
             </a:extLst>
           </p:cNvPr>
@@ -8422,10 +8033,13 @@
           <p:nvPr/>
         </p:nvPicPr>
         <p:blipFill>
-          <a:blip r:embed="rId2" cstate="email">
+          <a:blip r:embed="rId2">
             <a:extLst>
               <a:ext uri="{28A0092B-C50C-407E-A947-70E740481C1C}">
-                <a14:useLocalDpi xmlns:a14="http://schemas.microsoft.com/office/drawing/2010/main"/>
+                <a14:useLocalDpi xmlns:a14="http://schemas.microsoft.com/office/drawing/2010/main" val="0"/>
+              </a:ext>
+              <a:ext uri="{96DAC541-7B7A-43D3-8B79-37D633B846F1}">
+                <asvg:svgBlip xmlns:asvg="http://schemas.microsoft.com/office/drawing/2016/SVG/main" r:embed="rId3"/>
               </a:ext>
             </a:extLst>
           </a:blip>
@@ -8435,25 +8049,20 @@
         </p:blipFill>
         <p:spPr>
           <a:xfrm>
-            <a:off x="206189" y="4474355"/>
-            <a:ext cx="9395011" cy="1950285"/>
+            <a:off x="4429084" y="1834276"/>
+            <a:ext cx="3510115" cy="4612127"/>
           </a:xfrm>
           <a:prstGeom prst="rect">
             <a:avLst/>
           </a:prstGeom>
-          <a:ln>
-            <a:solidFill>
-              <a:schemeClr val="accent1"/>
-            </a:solidFill>
-          </a:ln>
         </p:spPr>
       </p:pic>
       <p:pic>
         <p:nvPicPr>
-          <p:cNvPr id="4" name="Grafik 3">
+          <p:cNvPr id="10" name="Grafik 9">
             <a:extLst>
               <a:ext uri="{FF2B5EF4-FFF2-40B4-BE49-F238E27FC236}">
-                <a16:creationId xmlns:a16="http://schemas.microsoft.com/office/drawing/2014/main" id="{7B7AD569-2F09-4772-B3C2-E8B63BC587A9}"/>
+                <a16:creationId xmlns:a16="http://schemas.microsoft.com/office/drawing/2014/main" id="{0AEFF969-56FA-36DD-1807-F6171267364D}"/>
               </a:ext>
             </a:extLst>
           </p:cNvPr>
@@ -8463,10 +8072,13 @@
           <p:nvPr/>
         </p:nvPicPr>
         <p:blipFill>
-          <a:blip r:embed="rId3" cstate="email">
+          <a:blip r:embed="rId4">
             <a:extLst>
               <a:ext uri="{28A0092B-C50C-407E-A947-70E740481C1C}">
-                <a14:useLocalDpi xmlns:a14="http://schemas.microsoft.com/office/drawing/2010/main"/>
+                <a14:useLocalDpi xmlns:a14="http://schemas.microsoft.com/office/drawing/2010/main" val="0"/>
+              </a:ext>
+              <a:ext uri="{96DAC541-7B7A-43D3-8B79-37D633B846F1}">
+                <asvg:svgBlip xmlns:asvg="http://schemas.microsoft.com/office/drawing/2016/SVG/main" r:embed="rId5"/>
               </a:ext>
             </a:extLst>
           </a:blip>
@@ -8476,23 +8088,197 @@
         </p:blipFill>
         <p:spPr>
           <a:xfrm>
-            <a:off x="7093692" y="1052579"/>
-            <a:ext cx="4892119" cy="4752842"/>
+            <a:off x="8417061" y="325627"/>
+            <a:ext cx="3428835" cy="6206745"/>
           </a:xfrm>
           <a:prstGeom prst="rect">
             <a:avLst/>
           </a:prstGeom>
-          <a:ln>
-            <a:solidFill>
-              <a:schemeClr val="accent1"/>
-            </a:solidFill>
-          </a:ln>
         </p:spPr>
       </p:pic>
+      <p:sp>
+        <p:nvSpPr>
+          <p:cNvPr id="12" name="Textfeld 11">
+            <a:extLst>
+              <a:ext uri="{FF2B5EF4-FFF2-40B4-BE49-F238E27FC236}">
+                <a16:creationId xmlns:a16="http://schemas.microsoft.com/office/drawing/2014/main" id="{C18EF125-73D7-0C6E-6624-1A181A2A360F}"/>
+              </a:ext>
+            </a:extLst>
+          </p:cNvPr>
+          <p:cNvSpPr txBox="1"/>
+          <p:nvPr/>
+        </p:nvSpPr>
+        <p:spPr>
+          <a:xfrm>
+            <a:off x="657224" y="1345162"/>
+            <a:ext cx="5702395" cy="400110"/>
+          </a:xfrm>
+          <a:prstGeom prst="rect">
+            <a:avLst/>
+          </a:prstGeom>
+          <a:noFill/>
+        </p:spPr>
+        <p:txBody>
+          <a:bodyPr wrap="none" rtlCol="0">
+            <a:spAutoFit/>
+          </a:bodyPr>
+          <a:lstStyle/>
+          <a:p>
+            <a:r>
+              <a:rPr lang="en-GB" sz="2000"/>
+              <a:t>One API result formatted with three different options.</a:t>
+            </a:r>
+          </a:p>
+        </p:txBody>
+      </p:sp>
+      <p:pic>
+        <p:nvPicPr>
+          <p:cNvPr id="14" name="Grafik 13">
+            <a:extLst>
+              <a:ext uri="{FF2B5EF4-FFF2-40B4-BE49-F238E27FC236}">
+                <a16:creationId xmlns:a16="http://schemas.microsoft.com/office/drawing/2014/main" id="{F93052C2-1407-C246-E15F-E2A82EB0DF38}"/>
+              </a:ext>
+            </a:extLst>
+          </p:cNvPr>
+          <p:cNvPicPr>
+            <a:picLocks noChangeAspect="1"/>
+          </p:cNvPicPr>
+          <p:nvPr/>
+        </p:nvPicPr>
+        <p:blipFill>
+          <a:blip r:embed="rId6">
+            <a:extLst>
+              <a:ext uri="{28A0092B-C50C-407E-A947-70E740481C1C}">
+                <a14:useLocalDpi xmlns:a14="http://schemas.microsoft.com/office/drawing/2010/main" val="0"/>
+              </a:ext>
+              <a:ext uri="{96DAC541-7B7A-43D3-8B79-37D633B846F1}">
+                <asvg:svgBlip xmlns:asvg="http://schemas.microsoft.com/office/drawing/2016/SVG/main" r:embed="rId7"/>
+              </a:ext>
+            </a:extLst>
+          </a:blip>
+          <a:stretch>
+            <a:fillRect/>
+          </a:stretch>
+        </p:blipFill>
+        <p:spPr>
+          <a:xfrm>
+            <a:off x="657224" y="2222582"/>
+            <a:ext cx="3111665" cy="3603335"/>
+          </a:xfrm>
+          <a:prstGeom prst="rect">
+            <a:avLst/>
+          </a:prstGeom>
+        </p:spPr>
+      </p:pic>
+      <p:sp>
+        <p:nvSpPr>
+          <p:cNvPr id="16" name="Textfeld 15">
+            <a:extLst>
+              <a:ext uri="{FF2B5EF4-FFF2-40B4-BE49-F238E27FC236}">
+                <a16:creationId xmlns:a16="http://schemas.microsoft.com/office/drawing/2014/main" id="{F7C9009B-8113-41AE-9C25-25283384EE2C}"/>
+              </a:ext>
+            </a:extLst>
+          </p:cNvPr>
+          <p:cNvSpPr txBox="1"/>
+          <p:nvPr/>
+        </p:nvSpPr>
+        <p:spPr>
+          <a:xfrm>
+            <a:off x="1584839" y="5890768"/>
+            <a:ext cx="1256434" cy="276999"/>
+          </a:xfrm>
+          <a:prstGeom prst="rect">
+            <a:avLst/>
+          </a:prstGeom>
+          <a:noFill/>
+        </p:spPr>
+        <p:txBody>
+          <a:bodyPr wrap="none" rtlCol="0">
+            <a:spAutoFit/>
+          </a:bodyPr>
+          <a:lstStyle/>
+          <a:p>
+            <a:r>
+              <a:rPr lang="en-GB" sz="1200" dirty="0"/>
+              <a:t>Option : compact</a:t>
+            </a:r>
+          </a:p>
+        </p:txBody>
+      </p:sp>
+      <p:sp>
+        <p:nvSpPr>
+          <p:cNvPr id="17" name="Textfeld 16">
+            <a:extLst>
+              <a:ext uri="{FF2B5EF4-FFF2-40B4-BE49-F238E27FC236}">
+                <a16:creationId xmlns:a16="http://schemas.microsoft.com/office/drawing/2014/main" id="{3AD9A47D-ACFE-1342-E754-41304ADCABCE}"/>
+              </a:ext>
+            </a:extLst>
+          </p:cNvPr>
+          <p:cNvSpPr txBox="1"/>
+          <p:nvPr/>
+        </p:nvSpPr>
+        <p:spPr>
+          <a:xfrm>
+            <a:off x="5465984" y="6535407"/>
+            <a:ext cx="1155253" cy="276999"/>
+          </a:xfrm>
+          <a:prstGeom prst="rect">
+            <a:avLst/>
+          </a:prstGeom>
+          <a:noFill/>
+        </p:spPr>
+        <p:txBody>
+          <a:bodyPr wrap="none" rtlCol="0">
+            <a:spAutoFit/>
+          </a:bodyPr>
+          <a:lstStyle/>
+          <a:p>
+            <a:r>
+              <a:rPr lang="en-GB" sz="1200"/>
+              <a:t>Option : default</a:t>
+            </a:r>
+          </a:p>
+        </p:txBody>
+      </p:sp>
+      <p:sp>
+        <p:nvSpPr>
+          <p:cNvPr id="18" name="Textfeld 17">
+            <a:extLst>
+              <a:ext uri="{FF2B5EF4-FFF2-40B4-BE49-F238E27FC236}">
+                <a16:creationId xmlns:a16="http://schemas.microsoft.com/office/drawing/2014/main" id="{690C8404-B820-2D11-A72B-400E0BFDF87D}"/>
+              </a:ext>
+            </a:extLst>
+          </p:cNvPr>
+          <p:cNvSpPr txBox="1"/>
+          <p:nvPr/>
+        </p:nvSpPr>
+        <p:spPr>
+          <a:xfrm>
+            <a:off x="9553851" y="6524627"/>
+            <a:ext cx="914866" cy="276999"/>
+          </a:xfrm>
+          <a:prstGeom prst="rect">
+            <a:avLst/>
+          </a:prstGeom>
+          <a:noFill/>
+        </p:spPr>
+        <p:txBody>
+          <a:bodyPr wrap="none" rtlCol="0">
+            <a:spAutoFit/>
+          </a:bodyPr>
+          <a:lstStyle/>
+          <a:p>
+            <a:r>
+              <a:rPr lang="en-GB" sz="1200"/>
+              <a:t>Option : full</a:t>
+            </a:r>
+          </a:p>
+        </p:txBody>
+      </p:sp>
     </p:spTree>
     <p:extLst>
       <p:ext uri="{BB962C8B-B14F-4D97-AF65-F5344CB8AC3E}">
-        <p14:creationId xmlns:p14="http://schemas.microsoft.com/office/powerpoint/2010/main" val="234067362"/>
+        <p14:creationId xmlns:p14="http://schemas.microsoft.com/office/powerpoint/2010/main" val="4162889266"/>
       </p:ext>
     </p:extLst>
   </p:cSld>
@@ -8535,51 +8321,38 @@
             <p:ph type="title"/>
           </p:nvPr>
         </p:nvSpPr>
-        <p:spPr/>
-        <p:txBody>
-          <a:bodyPr anchor="t">
+        <p:spPr>
+          <a:xfrm>
+            <a:off x="709612" y="232114"/>
+            <a:ext cx="10772775" cy="1658198"/>
+          </a:xfrm>
+        </p:spPr>
+        <p:txBody>
+          <a:bodyPr>
             <a:normAutofit/>
           </a:bodyPr>
           <a:lstStyle/>
           <a:p>
             <a:r>
-              <a:rPr lang="de-DE" sz="4400" dirty="0" err="1"/>
-              <a:t>Example</a:t>
-            </a:r>
-            <a:r>
-              <a:rPr lang="de-DE" sz="4400" dirty="0"/>
-              <a:t> 2b: TMF 637 – All </a:t>
-            </a:r>
-            <a:r>
-              <a:rPr lang="de-DE" sz="4400" dirty="0" err="1"/>
-              <a:t>products</a:t>
-            </a:r>
-            <a:r>
-              <a:rPr lang="de-DE" sz="4400" dirty="0"/>
-              <a:t> </a:t>
-            </a:r>
-            <a:r>
-              <a:rPr lang="de-DE" sz="4400" dirty="0" err="1"/>
-              <a:t>of</a:t>
-            </a:r>
-            <a:r>
-              <a:rPr lang="de-DE" sz="4400" dirty="0"/>
-              <a:t> a </a:t>
-            </a:r>
-            <a:r>
-              <a:rPr lang="de-DE" sz="4400" dirty="0" err="1"/>
-              <a:t>customer</a:t>
-            </a:r>
-            <a:endParaRPr lang="de-DE" sz="4400" dirty="0"/>
+              <a:rPr lang="en-AU" sz="4400" dirty="0"/>
+              <a:t>All data regarding the </a:t>
+            </a:r>
+            <a:br>
+              <a:rPr lang="en-AU" sz="4400" dirty="0"/>
+            </a:br>
+            <a:r>
+              <a:rPr lang="en-AU" sz="4400" dirty="0"/>
+              <a:t>latest launch of a Space X rocket</a:t>
+            </a:r>
           </a:p>
         </p:txBody>
       </p:sp>
       <p:pic>
         <p:nvPicPr>
-          <p:cNvPr id="4" name="Grafik 3">
+          <p:cNvPr id="5" name="Grafik 4">
             <a:extLst>
               <a:ext uri="{FF2B5EF4-FFF2-40B4-BE49-F238E27FC236}">
-                <a16:creationId xmlns:a16="http://schemas.microsoft.com/office/drawing/2014/main" id="{D8450681-B42B-483E-BBA3-D7FCB9BA390D}"/>
+                <a16:creationId xmlns:a16="http://schemas.microsoft.com/office/drawing/2014/main" id="{763D002D-6782-6EC7-5C55-567E18F1DEBE}"/>
               </a:ext>
             </a:extLst>
           </p:cNvPr>
@@ -8589,10 +8362,13 @@
           <p:nvPr/>
         </p:nvPicPr>
         <p:blipFill>
-          <a:blip r:embed="rId2" cstate="email">
+          <a:blip r:embed="rId2">
             <a:extLst>
               <a:ext uri="{28A0092B-C50C-407E-A947-70E740481C1C}">
-                <a14:useLocalDpi xmlns:a14="http://schemas.microsoft.com/office/drawing/2010/main"/>
+                <a14:useLocalDpi xmlns:a14="http://schemas.microsoft.com/office/drawing/2010/main" val="0"/>
+              </a:ext>
+              <a:ext uri="{96DAC541-7B7A-43D3-8B79-37D633B846F1}">
+                <asvg:svgBlip xmlns:asvg="http://schemas.microsoft.com/office/drawing/2016/SVG/main" r:embed="rId3"/>
               </a:ext>
             </a:extLst>
           </a:blip>
@@ -8602,23 +8378,127 @@
         </p:blipFill>
         <p:spPr>
           <a:xfrm>
-            <a:off x="381000" y="1194333"/>
-            <a:ext cx="11429999" cy="5019094"/>
+            <a:off x="5874359" y="154526"/>
+            <a:ext cx="6119450" cy="6471360"/>
           </a:xfrm>
           <a:prstGeom prst="rect">
             <a:avLst/>
           </a:prstGeom>
-          <a:ln>
-            <a:solidFill>
-              <a:schemeClr val="accent1"/>
-            </a:solidFill>
-          </a:ln>
         </p:spPr>
       </p:pic>
+      <p:pic>
+        <p:nvPicPr>
+          <p:cNvPr id="10" name="Grafik 9">
+            <a:extLst>
+              <a:ext uri="{FF2B5EF4-FFF2-40B4-BE49-F238E27FC236}">
+                <a16:creationId xmlns:a16="http://schemas.microsoft.com/office/drawing/2014/main" id="{508F35E7-09EA-A558-0D1F-0649EC855BE3}"/>
+              </a:ext>
+            </a:extLst>
+          </p:cNvPr>
+          <p:cNvPicPr>
+            <a:picLocks noChangeAspect="1"/>
+          </p:cNvPicPr>
+          <p:nvPr/>
+        </p:nvPicPr>
+        <p:blipFill>
+          <a:blip r:embed="rId4">
+            <a:extLst>
+              <a:ext uri="{28A0092B-C50C-407E-A947-70E740481C1C}">
+                <a14:useLocalDpi xmlns:a14="http://schemas.microsoft.com/office/drawing/2010/main" val="0"/>
+              </a:ext>
+              <a:ext uri="{96DAC541-7B7A-43D3-8B79-37D633B846F1}">
+                <asvg:svgBlip xmlns:asvg="http://schemas.microsoft.com/office/drawing/2016/SVG/main" r:embed="rId5"/>
+              </a:ext>
+            </a:extLst>
+          </a:blip>
+          <a:stretch>
+            <a:fillRect/>
+          </a:stretch>
+        </p:blipFill>
+        <p:spPr>
+          <a:xfrm>
+            <a:off x="546817" y="1752107"/>
+            <a:ext cx="4794497" cy="4253436"/>
+          </a:xfrm>
+          <a:prstGeom prst="rect">
+            <a:avLst/>
+          </a:prstGeom>
+        </p:spPr>
+      </p:pic>
+      <p:sp>
+        <p:nvSpPr>
+          <p:cNvPr id="11" name="Textfeld 10">
+            <a:extLst>
+              <a:ext uri="{FF2B5EF4-FFF2-40B4-BE49-F238E27FC236}">
+                <a16:creationId xmlns:a16="http://schemas.microsoft.com/office/drawing/2014/main" id="{0D2D640C-5989-EB6F-C138-5743B9F20D71}"/>
+              </a:ext>
+            </a:extLst>
+          </p:cNvPr>
+          <p:cNvSpPr txBox="1"/>
+          <p:nvPr/>
+        </p:nvSpPr>
+        <p:spPr>
+          <a:xfrm>
+            <a:off x="2315848" y="6005543"/>
+            <a:ext cx="1256434" cy="276999"/>
+          </a:xfrm>
+          <a:prstGeom prst="rect">
+            <a:avLst/>
+          </a:prstGeom>
+          <a:noFill/>
+        </p:spPr>
+        <p:txBody>
+          <a:bodyPr wrap="none" rtlCol="0">
+            <a:spAutoFit/>
+          </a:bodyPr>
+          <a:lstStyle/>
+          <a:p>
+            <a:r>
+              <a:rPr lang="en-GB" sz="1200" dirty="0"/>
+              <a:t>Option : compact</a:t>
+            </a:r>
+          </a:p>
+        </p:txBody>
+      </p:sp>
+      <p:sp>
+        <p:nvSpPr>
+          <p:cNvPr id="12" name="Textfeld 11">
+            <a:extLst>
+              <a:ext uri="{FF2B5EF4-FFF2-40B4-BE49-F238E27FC236}">
+                <a16:creationId xmlns:a16="http://schemas.microsoft.com/office/drawing/2014/main" id="{120C9F30-EA05-D573-0207-0AB4FE6305BB}"/>
+              </a:ext>
+            </a:extLst>
+          </p:cNvPr>
+          <p:cNvSpPr txBox="1"/>
+          <p:nvPr/>
+        </p:nvSpPr>
+        <p:spPr>
+          <a:xfrm>
+            <a:off x="9677948" y="6348887"/>
+            <a:ext cx="914866" cy="276999"/>
+          </a:xfrm>
+          <a:prstGeom prst="rect">
+            <a:avLst/>
+          </a:prstGeom>
+          <a:noFill/>
+        </p:spPr>
+        <p:txBody>
+          <a:bodyPr wrap="none" rtlCol="0">
+            <a:spAutoFit/>
+          </a:bodyPr>
+          <a:lstStyle/>
+          <a:p>
+            <a:r>
+              <a:rPr lang="en-GB" sz="1200" dirty="0"/>
+              <a:t>Option : full</a:t>
+            </a:r>
+          </a:p>
+        </p:txBody>
+      </p:sp>
     </p:spTree>
     <p:extLst>
       <p:ext uri="{BB962C8B-B14F-4D97-AF65-F5344CB8AC3E}">
-        <p14:creationId xmlns:p14="http://schemas.microsoft.com/office/powerpoint/2010/main" val="3157591784"/>
+        <p14:creationId xmlns:p14="http://schemas.microsoft.com/office/powerpoint/2010/main" val="234067362"/>
       </p:ext>
     </p:extLst>
   </p:cSld>

--- a/documentation/json2puml introduction.pptx
+++ b/documentation/json2puml introduction.pptx
@@ -326,7 +326,7 @@
           <a:p>
             <a:fld id="{EC6AFC3F-A6A2-4EF2-B0C3-1F371E9FB00B}" type="datetimeFigureOut">
               <a:rPr lang="de-DE" smtClean="0"/>
-              <a:t>26.01.2023</a:t>
+              <a:t>08.02.2023</a:t>
             </a:fld>
             <a:endParaRPr lang="de-DE"/>
           </a:p>
@@ -516,7 +516,7 @@
           <a:p>
             <a:fld id="{EC6AFC3F-A6A2-4EF2-B0C3-1F371E9FB00B}" type="datetimeFigureOut">
               <a:rPr lang="de-DE" smtClean="0"/>
-              <a:t>26.01.2023</a:t>
+              <a:t>08.02.2023</a:t>
             </a:fld>
             <a:endParaRPr lang="de-DE"/>
           </a:p>
@@ -696,7 +696,7 @@
           <a:p>
             <a:fld id="{EC6AFC3F-A6A2-4EF2-B0C3-1F371E9FB00B}" type="datetimeFigureOut">
               <a:rPr lang="de-DE" smtClean="0"/>
-              <a:t>26.01.2023</a:t>
+              <a:t>08.02.2023</a:t>
             </a:fld>
             <a:endParaRPr lang="de-DE"/>
           </a:p>
@@ -866,7 +866,7 @@
           <a:p>
             <a:fld id="{EC6AFC3F-A6A2-4EF2-B0C3-1F371E9FB00B}" type="datetimeFigureOut">
               <a:rPr lang="de-DE" smtClean="0"/>
-              <a:t>26.01.2023</a:t>
+              <a:t>08.02.2023</a:t>
             </a:fld>
             <a:endParaRPr lang="de-DE"/>
           </a:p>
@@ -1122,7 +1122,7 @@
           <a:p>
             <a:fld id="{EC6AFC3F-A6A2-4EF2-B0C3-1F371E9FB00B}" type="datetimeFigureOut">
               <a:rPr lang="de-DE" smtClean="0"/>
-              <a:t>26.01.2023</a:t>
+              <a:t>08.02.2023</a:t>
             </a:fld>
             <a:endParaRPr lang="de-DE" dirty="0"/>
           </a:p>
@@ -1410,7 +1410,7 @@
           <a:p>
             <a:fld id="{EC6AFC3F-A6A2-4EF2-B0C3-1F371E9FB00B}" type="datetimeFigureOut">
               <a:rPr lang="de-DE" smtClean="0"/>
-              <a:t>26.01.2023</a:t>
+              <a:t>08.02.2023</a:t>
             </a:fld>
             <a:endParaRPr lang="de-DE"/>
           </a:p>
@@ -1848,7 +1848,7 @@
           <a:p>
             <a:fld id="{EC6AFC3F-A6A2-4EF2-B0C3-1F371E9FB00B}" type="datetimeFigureOut">
               <a:rPr lang="de-DE" smtClean="0"/>
-              <a:t>26.01.2023</a:t>
+              <a:t>08.02.2023</a:t>
             </a:fld>
             <a:endParaRPr lang="de-DE"/>
           </a:p>
@@ -1966,7 +1966,7 @@
           <a:p>
             <a:fld id="{EC6AFC3F-A6A2-4EF2-B0C3-1F371E9FB00B}" type="datetimeFigureOut">
               <a:rPr lang="de-DE" smtClean="0"/>
-              <a:t>26.01.2023</a:t>
+              <a:t>08.02.2023</a:t>
             </a:fld>
             <a:endParaRPr lang="de-DE"/>
           </a:p>
@@ -2061,7 +2061,7 @@
           <a:p>
             <a:fld id="{EC6AFC3F-A6A2-4EF2-B0C3-1F371E9FB00B}" type="datetimeFigureOut">
               <a:rPr lang="de-DE" smtClean="0"/>
-              <a:t>26.01.2023</a:t>
+              <a:t>08.02.2023</a:t>
             </a:fld>
             <a:endParaRPr lang="de-DE"/>
           </a:p>
@@ -2417,7 +2417,7 @@
           <a:p>
             <a:fld id="{EC6AFC3F-A6A2-4EF2-B0C3-1F371E9FB00B}" type="datetimeFigureOut">
               <a:rPr lang="de-DE" smtClean="0"/>
-              <a:t>26.01.2023</a:t>
+              <a:t>08.02.2023</a:t>
             </a:fld>
             <a:endParaRPr lang="de-DE"/>
           </a:p>
@@ -2733,7 +2733,7 @@
           <a:p>
             <a:fld id="{EC6AFC3F-A6A2-4EF2-B0C3-1F371E9FB00B}" type="datetimeFigureOut">
               <a:rPr lang="de-DE" smtClean="0"/>
-              <a:t>26.01.2023</a:t>
+              <a:t>08.02.2023</a:t>
             </a:fld>
             <a:endParaRPr lang="de-DE"/>
           </a:p>
@@ -2966,7 +2966,7 @@
           <a:p>
             <a:fld id="{EC6AFC3F-A6A2-4EF2-B0C3-1F371E9FB00B}" type="datetimeFigureOut">
               <a:rPr lang="de-DE" smtClean="0"/>
-              <a:t>26.01.2023</a:t>
+              <a:t>08.02.2023</a:t>
             </a:fld>
             <a:endParaRPr lang="de-DE"/>
           </a:p>
@@ -4342,14 +4342,14 @@
             <p:ph idx="1"/>
             <p:extLst>
               <p:ext uri="{D42A27DB-BD31-4B8C-83A1-F6EECF244321}">
-                <p14:modId xmlns:p14="http://schemas.microsoft.com/office/powerpoint/2010/main" val="2303137206"/>
+                <p14:modId xmlns:p14="http://schemas.microsoft.com/office/powerpoint/2010/main" val="1393551703"/>
               </p:ext>
             </p:extLst>
           </p:nvPr>
         </p:nvGraphicFramePr>
         <p:xfrm>
           <a:off x="676275" y="2011363"/>
-          <a:ext cx="10772775" cy="3566160"/>
+          <a:ext cx="10772775" cy="3931920"/>
         </p:xfrm>
         <a:graphic>
           <a:graphicData uri="http://schemas.openxmlformats.org/drawingml/2006/table">
@@ -4722,7 +4722,7 @@
                       </a:br>
                       <a:r>
                         <a:rPr lang="en-GB" sz="2400" noProof="0" dirty="0"/>
-                        <a:t>E.g. The </a:t>
+                        <a:t>E.g. Using the SpaceX API the </a:t>
                       </a:r>
                       <a:r>
                         <a:rPr lang="en-GB" sz="2400" noProof="0" dirty="0">
@@ -8746,6 +8746,15 @@
 </file>
 
 <file path=customXml/item1.xml><?xml version="1.0" encoding="utf-8"?>
+<?mso-contentType ?>
+<FormTemplates xmlns="http://schemas.microsoft.com/sharepoint/v3/contenttype/forms">
+  <Display>DocumentLibraryForm</Display>
+  <Edit>DocumentLibraryForm</Edit>
+  <New>DocumentLibraryForm</New>
+</FormTemplates>
+</file>
+
+<file path=customXml/item2.xml><?xml version="1.0" encoding="utf-8"?>
 <ct:contentTypeSchema xmlns:ct="http://schemas.microsoft.com/office/2006/metadata/contentType" xmlns:ma="http://schemas.microsoft.com/office/2006/metadata/properties/metaAttributes" ct:_="" ma:_="" ma:contentTypeName="Dokument" ma:contentTypeID="0x01010009980FC66A545449919C11AFAAE6C355" ma:contentTypeVersion="4" ma:contentTypeDescription="Ein neues Dokument erstellen." ma:contentTypeScope="" ma:versionID="6ffd9e214c835a011a11caa6728ded37">
   <xsd:schema xmlns:xsd="http://www.w3.org/2001/XMLSchema" xmlns:xs="http://www.w3.org/2001/XMLSchema" xmlns:p="http://schemas.microsoft.com/office/2006/metadata/properties" xmlns:ns2="355f0d77-842e-4779-ae64-083256b6aaf6" targetNamespace="http://schemas.microsoft.com/office/2006/metadata/properties" ma:root="true" ma:fieldsID="d1985bcd5bcb00cbeaf6f093b7fe8b94" ns2:_="">
     <xsd:import namespace="355f0d77-842e-4779-ae64-083256b6aaf6"/>
@@ -8891,15 +8900,6 @@
 </ct:contentTypeSchema>
 </file>
 
-<file path=customXml/item2.xml><?xml version="1.0" encoding="utf-8"?>
-<?mso-contentType ?>
-<FormTemplates xmlns="http://schemas.microsoft.com/sharepoint/v3/contenttype/forms">
-  <Display>DocumentLibraryForm</Display>
-  <Edit>DocumentLibraryForm</Edit>
-  <New>DocumentLibraryForm</New>
-</FormTemplates>
-</file>
-
 <file path=customXml/item3.xml><?xml version="1.0" encoding="utf-8"?>
 <p:properties xmlns:p="http://schemas.microsoft.com/office/2006/metadata/properties" xmlns:xsi="http://www.w3.org/2001/XMLSchema-instance" xmlns:pc="http://schemas.microsoft.com/office/infopath/2007/PartnerControls">
   <documentManagement/>
@@ -8907,6 +8907,14 @@
 </file>
 
 <file path=customXml/itemProps1.xml><?xml version="1.0" encoding="utf-8"?>
+<ds:datastoreItem xmlns:ds="http://schemas.openxmlformats.org/officeDocument/2006/customXml" ds:itemID="{3FF81FC1-5894-42AE-8F66-AB8491C753C6}">
+  <ds:schemaRefs>
+    <ds:schemaRef ds:uri="http://schemas.microsoft.com/sharepoint/v3/contenttype/forms"/>
+  </ds:schemaRefs>
+</ds:datastoreItem>
+</file>
+
+<file path=customXml/itemProps2.xml><?xml version="1.0" encoding="utf-8"?>
 <ds:datastoreItem xmlns:ds="http://schemas.openxmlformats.org/officeDocument/2006/customXml" ds:itemID="{4FB89A05-8F7D-4EC4-9023-210D3CF103D0}">
   <ds:schemaRefs>
     <ds:schemaRef ds:uri="http://schemas.microsoft.com/office/2006/metadata/contentType"/>
@@ -8924,14 +8932,6 @@
 </ds:datastoreItem>
 </file>
 
-<file path=customXml/itemProps2.xml><?xml version="1.0" encoding="utf-8"?>
-<ds:datastoreItem xmlns:ds="http://schemas.openxmlformats.org/officeDocument/2006/customXml" ds:itemID="{3FF81FC1-5894-42AE-8F66-AB8491C753C6}">
-  <ds:schemaRefs>
-    <ds:schemaRef ds:uri="http://schemas.microsoft.com/sharepoint/v3/contenttype/forms"/>
-  </ds:schemaRefs>
-</ds:datastoreItem>
-</file>
-
 <file path=customXml/itemProps3.xml><?xml version="1.0" encoding="utf-8"?>
 <ds:datastoreItem xmlns:ds="http://schemas.openxmlformats.org/officeDocument/2006/customXml" ds:itemID="{1F073C4A-42B5-4907-B412-DBB2B011C51C}">
   <ds:schemaRefs>

--- a/documentation/json2puml introduction.pptx
+++ b/documentation/json2puml introduction.pptx
@@ -326,7 +326,7 @@
           <a:p>
             <a:fld id="{EC6AFC3F-A6A2-4EF2-B0C3-1F371E9FB00B}" type="datetimeFigureOut">
               <a:rPr lang="de-DE" smtClean="0"/>
-              <a:t>08.02.2023</a:t>
+              <a:t>13.03.2023</a:t>
             </a:fld>
             <a:endParaRPr lang="de-DE"/>
           </a:p>
@@ -516,7 +516,7 @@
           <a:p>
             <a:fld id="{EC6AFC3F-A6A2-4EF2-B0C3-1F371E9FB00B}" type="datetimeFigureOut">
               <a:rPr lang="de-DE" smtClean="0"/>
-              <a:t>08.02.2023</a:t>
+              <a:t>13.03.2023</a:t>
             </a:fld>
             <a:endParaRPr lang="de-DE"/>
           </a:p>
@@ -696,7 +696,7 @@
           <a:p>
             <a:fld id="{EC6AFC3F-A6A2-4EF2-B0C3-1F371E9FB00B}" type="datetimeFigureOut">
               <a:rPr lang="de-DE" smtClean="0"/>
-              <a:t>08.02.2023</a:t>
+              <a:t>13.03.2023</a:t>
             </a:fld>
             <a:endParaRPr lang="de-DE"/>
           </a:p>
@@ -866,7 +866,7 @@
           <a:p>
             <a:fld id="{EC6AFC3F-A6A2-4EF2-B0C3-1F371E9FB00B}" type="datetimeFigureOut">
               <a:rPr lang="de-DE" smtClean="0"/>
-              <a:t>08.02.2023</a:t>
+              <a:t>13.03.2023</a:t>
             </a:fld>
             <a:endParaRPr lang="de-DE"/>
           </a:p>
@@ -1122,7 +1122,7 @@
           <a:p>
             <a:fld id="{EC6AFC3F-A6A2-4EF2-B0C3-1F371E9FB00B}" type="datetimeFigureOut">
               <a:rPr lang="de-DE" smtClean="0"/>
-              <a:t>08.02.2023</a:t>
+              <a:t>13.03.2023</a:t>
             </a:fld>
             <a:endParaRPr lang="de-DE" dirty="0"/>
           </a:p>
@@ -1410,7 +1410,7 @@
           <a:p>
             <a:fld id="{EC6AFC3F-A6A2-4EF2-B0C3-1F371E9FB00B}" type="datetimeFigureOut">
               <a:rPr lang="de-DE" smtClean="0"/>
-              <a:t>08.02.2023</a:t>
+              <a:t>13.03.2023</a:t>
             </a:fld>
             <a:endParaRPr lang="de-DE"/>
           </a:p>
@@ -1848,7 +1848,7 @@
           <a:p>
             <a:fld id="{EC6AFC3F-A6A2-4EF2-B0C3-1F371E9FB00B}" type="datetimeFigureOut">
               <a:rPr lang="de-DE" smtClean="0"/>
-              <a:t>08.02.2023</a:t>
+              <a:t>13.03.2023</a:t>
             </a:fld>
             <a:endParaRPr lang="de-DE"/>
           </a:p>
@@ -1966,7 +1966,7 @@
           <a:p>
             <a:fld id="{EC6AFC3F-A6A2-4EF2-B0C3-1F371E9FB00B}" type="datetimeFigureOut">
               <a:rPr lang="de-DE" smtClean="0"/>
-              <a:t>08.02.2023</a:t>
+              <a:t>13.03.2023</a:t>
             </a:fld>
             <a:endParaRPr lang="de-DE"/>
           </a:p>
@@ -2061,7 +2061,7 @@
           <a:p>
             <a:fld id="{EC6AFC3F-A6A2-4EF2-B0C3-1F371E9FB00B}" type="datetimeFigureOut">
               <a:rPr lang="de-DE" smtClean="0"/>
-              <a:t>08.02.2023</a:t>
+              <a:t>13.03.2023</a:t>
             </a:fld>
             <a:endParaRPr lang="de-DE"/>
           </a:p>
@@ -2417,7 +2417,7 @@
           <a:p>
             <a:fld id="{EC6AFC3F-A6A2-4EF2-B0C3-1F371E9FB00B}" type="datetimeFigureOut">
               <a:rPr lang="de-DE" smtClean="0"/>
-              <a:t>08.02.2023</a:t>
+              <a:t>13.03.2023</a:t>
             </a:fld>
             <a:endParaRPr lang="de-DE"/>
           </a:p>
@@ -2733,7 +2733,7 @@
           <a:p>
             <a:fld id="{EC6AFC3F-A6A2-4EF2-B0C3-1F371E9FB00B}" type="datetimeFigureOut">
               <a:rPr lang="de-DE" smtClean="0"/>
-              <a:t>08.02.2023</a:t>
+              <a:t>13.03.2023</a:t>
             </a:fld>
             <a:endParaRPr lang="de-DE"/>
           </a:p>
@@ -2966,7 +2966,7 @@
           <a:p>
             <a:fld id="{EC6AFC3F-A6A2-4EF2-B0C3-1F371E9FB00B}" type="datetimeFigureOut">
               <a:rPr lang="de-DE" smtClean="0"/>
-              <a:t>08.02.2023</a:t>
+              <a:t>13.03.2023</a:t>
             </a:fld>
             <a:endParaRPr lang="de-DE"/>
           </a:p>
@@ -4342,7 +4342,7 @@
             <p:ph idx="1"/>
             <p:extLst>
               <p:ext uri="{D42A27DB-BD31-4B8C-83A1-F6EECF244321}">
-                <p14:modId xmlns:p14="http://schemas.microsoft.com/office/powerpoint/2010/main" val="1393551703"/>
+                <p14:modId xmlns:p14="http://schemas.microsoft.com/office/powerpoint/2010/main" val="1597792450"/>
               </p:ext>
             </p:extLst>
           </p:nvPr>
@@ -4579,7 +4579,7 @@
                       </a:r>
                       <a:r>
                         <a:rPr lang="en-GB" sz="2400" noProof="0" dirty="0"/>
-                        <a:t> script into a SVG or PNG file using the </a:t>
+                        <a:t> script into a SVG or PNG file using </a:t>
                       </a:r>
                       <a:r>
                         <a:rPr lang="en-GB" sz="2400" noProof="0" dirty="0" err="1"/>
@@ -4587,7 +4587,7 @@
                       </a:r>
                       <a:r>
                         <a:rPr lang="en-GB" sz="2400" noProof="0" dirty="0"/>
-                        <a:t> jar file.</a:t>
+                        <a:t> command line utility.</a:t>
                       </a:r>
                     </a:p>
                   </a:txBody>
@@ -7209,13 +7209,13 @@
           <p:nvPr>
             <p:extLst>
               <p:ext uri="{D42A27DB-BD31-4B8C-83A1-F6EECF244321}">
-                <p14:modId xmlns:p14="http://schemas.microsoft.com/office/powerpoint/2010/main" val="3557737272"/>
+                <p14:modId xmlns:p14="http://schemas.microsoft.com/office/powerpoint/2010/main" val="2389135378"/>
               </p:ext>
             </p:extLst>
           </p:nvPr>
         </p:nvGraphicFramePr>
         <p:xfrm>
-          <a:off x="762000" y="1950122"/>
+          <a:off x="755822" y="1950122"/>
           <a:ext cx="10772775" cy="4297680"/>
         </p:xfrm>
         <a:graphic>
@@ -7302,7 +7302,7 @@
                     <a:p>
                       <a:r>
                         <a:rPr lang="en-GB" sz="2800" noProof="0" dirty="0"/>
-                        <a:t>is a command line tool developed to generate PlantUML files based JSON files (TMF based).</a:t>
+                        <a:t>is a command line tool developed to generate PlantUML files based JSON files.</a:t>
                       </a:r>
                     </a:p>
                   </a:txBody>
@@ -7412,8 +7412,8 @@
                     <a:lstStyle/>
                     <a:p>
                       <a:r>
-                        <a:rPr lang="en-GB" sz="2800" noProof="0"/>
-                        <a:t>has an understanding of how data is structured (in TMF) and simplifies and visualises the outcome.</a:t>
+                        <a:rPr lang="en-GB" sz="2800" noProof="0" dirty="0"/>
+                        <a:t>has an understanding of how data is structured and simplifies and visualises the outcome.</a:t>
                       </a:r>
                     </a:p>
                   </a:txBody>
@@ -7523,7 +7523,7 @@
                     <a:lstStyle/>
                     <a:p>
                       <a:r>
-                        <a:rPr lang="en-GB" sz="2800" noProof="0"/>
+                        <a:rPr lang="en-GB" sz="2800" noProof="0" dirty="0"/>
                         <a:t>has the possibility to combine the JSON results of multiple API calls into one result set.</a:t>
                       </a:r>
                     </a:p>
@@ -7651,7 +7651,7 @@
                         <a:defRPr/>
                       </a:pPr>
                       <a:r>
-                        <a:rPr lang="en-GB" sz="2800" noProof="0"/>
+                        <a:rPr lang="en-GB" sz="2800" noProof="0" dirty="0"/>
                         <a:t>is highly configurable to generate outcomes in different detailed levels.</a:t>
                       </a:r>
                     </a:p>
@@ -8335,14 +8335,22 @@
           <a:p>
             <a:r>
               <a:rPr lang="en-AU" sz="4400" dirty="0"/>
-              <a:t>All data regarding the </a:t>
+              <a:t>All data regarding the latest launch </a:t>
             </a:r>
             <a:br>
               <a:rPr lang="en-AU" sz="4400" dirty="0"/>
             </a:br>
             <a:r>
               <a:rPr lang="en-AU" sz="4400" dirty="0"/>
-              <a:t>latest launch of a Space X rocket</a:t>
+              <a:t>of a Space X rocket (8 </a:t>
+            </a:r>
+            <a:r>
+              <a:rPr lang="en-AU" sz="4400" dirty="0" err="1"/>
+              <a:t>Api’s</a:t>
+            </a:r>
+            <a:r>
+              <a:rPr lang="en-AU" sz="4400" dirty="0"/>
+              <a:t> combined)</a:t>
             </a:r>
           </a:p>
         </p:txBody>
@@ -8746,15 +8754,6 @@
 </file>
 
 <file path=customXml/item1.xml><?xml version="1.0" encoding="utf-8"?>
-<?mso-contentType ?>
-<FormTemplates xmlns="http://schemas.microsoft.com/sharepoint/v3/contenttype/forms">
-  <Display>DocumentLibraryForm</Display>
-  <Edit>DocumentLibraryForm</Edit>
-  <New>DocumentLibraryForm</New>
-</FormTemplates>
-</file>
-
-<file path=customXml/item2.xml><?xml version="1.0" encoding="utf-8"?>
 <ct:contentTypeSchema xmlns:ct="http://schemas.microsoft.com/office/2006/metadata/contentType" xmlns:ma="http://schemas.microsoft.com/office/2006/metadata/properties/metaAttributes" ct:_="" ma:_="" ma:contentTypeName="Dokument" ma:contentTypeID="0x01010009980FC66A545449919C11AFAAE6C355" ma:contentTypeVersion="4" ma:contentTypeDescription="Ein neues Dokument erstellen." ma:contentTypeScope="" ma:versionID="6ffd9e214c835a011a11caa6728ded37">
   <xsd:schema xmlns:xsd="http://www.w3.org/2001/XMLSchema" xmlns:xs="http://www.w3.org/2001/XMLSchema" xmlns:p="http://schemas.microsoft.com/office/2006/metadata/properties" xmlns:ns2="355f0d77-842e-4779-ae64-083256b6aaf6" targetNamespace="http://schemas.microsoft.com/office/2006/metadata/properties" ma:root="true" ma:fieldsID="d1985bcd5bcb00cbeaf6f093b7fe8b94" ns2:_="">
     <xsd:import namespace="355f0d77-842e-4779-ae64-083256b6aaf6"/>
@@ -8900,6 +8899,15 @@
 </ct:contentTypeSchema>
 </file>
 
+<file path=customXml/item2.xml><?xml version="1.0" encoding="utf-8"?>
+<?mso-contentType ?>
+<FormTemplates xmlns="http://schemas.microsoft.com/sharepoint/v3/contenttype/forms">
+  <Display>DocumentLibraryForm</Display>
+  <Edit>DocumentLibraryForm</Edit>
+  <New>DocumentLibraryForm</New>
+</FormTemplates>
+</file>
+
 <file path=customXml/item3.xml><?xml version="1.0" encoding="utf-8"?>
 <p:properties xmlns:p="http://schemas.microsoft.com/office/2006/metadata/properties" xmlns:xsi="http://www.w3.org/2001/XMLSchema-instance" xmlns:pc="http://schemas.microsoft.com/office/infopath/2007/PartnerControls">
   <documentManagement/>
@@ -8907,14 +8915,6 @@
 </file>
 
 <file path=customXml/itemProps1.xml><?xml version="1.0" encoding="utf-8"?>
-<ds:datastoreItem xmlns:ds="http://schemas.openxmlformats.org/officeDocument/2006/customXml" ds:itemID="{3FF81FC1-5894-42AE-8F66-AB8491C753C6}">
-  <ds:schemaRefs>
-    <ds:schemaRef ds:uri="http://schemas.microsoft.com/sharepoint/v3/contenttype/forms"/>
-  </ds:schemaRefs>
-</ds:datastoreItem>
-</file>
-
-<file path=customXml/itemProps2.xml><?xml version="1.0" encoding="utf-8"?>
 <ds:datastoreItem xmlns:ds="http://schemas.openxmlformats.org/officeDocument/2006/customXml" ds:itemID="{4FB89A05-8F7D-4EC4-9023-210D3CF103D0}">
   <ds:schemaRefs>
     <ds:schemaRef ds:uri="http://schemas.microsoft.com/office/2006/metadata/contentType"/>
@@ -8932,11 +8932,26 @@
 </ds:datastoreItem>
 </file>
 
+<file path=customXml/itemProps2.xml><?xml version="1.0" encoding="utf-8"?>
+<ds:datastoreItem xmlns:ds="http://schemas.openxmlformats.org/officeDocument/2006/customXml" ds:itemID="{3FF81FC1-5894-42AE-8F66-AB8491C753C6}">
+  <ds:schemaRefs>
+    <ds:schemaRef ds:uri="http://schemas.microsoft.com/sharepoint/v3/contenttype/forms"/>
+  </ds:schemaRefs>
+</ds:datastoreItem>
+</file>
+
 <file path=customXml/itemProps3.xml><?xml version="1.0" encoding="utf-8"?>
 <ds:datastoreItem xmlns:ds="http://schemas.openxmlformats.org/officeDocument/2006/customXml" ds:itemID="{1F073C4A-42B5-4907-B412-DBB2B011C51C}">
   <ds:schemaRefs>
+    <ds:schemaRef ds:uri="http://www.w3.org/XML/1998/namespace"/>
+    <ds:schemaRef ds:uri="http://purl.org/dc/terms/"/>
+    <ds:schemaRef ds:uri="http://schemas.microsoft.com/office/infopath/2007/PartnerControls"/>
+    <ds:schemaRef ds:uri="http://purl.org/dc/elements/1.1/"/>
+    <ds:schemaRef ds:uri="http://purl.org/dc/dcmitype/"/>
     <ds:schemaRef ds:uri="http://schemas.microsoft.com/office/2006/metadata/properties"/>
-    <ds:schemaRef ds:uri="http://schemas.microsoft.com/office/infopath/2007/PartnerControls"/>
+    <ds:schemaRef ds:uri="http://schemas.microsoft.com/office/2006/documentManagement/types"/>
+    <ds:schemaRef ds:uri="355f0d77-842e-4779-ae64-083256b6aaf6"/>
+    <ds:schemaRef ds:uri="http://schemas.openxmlformats.org/package/2006/metadata/core-properties"/>
   </ds:schemaRefs>
 </ds:datastoreItem>
 </file>
--- a/documentation/json2puml introduction.pptx
+++ b/documentation/json2puml introduction.pptx
@@ -326,7 +326,7 @@
           <a:p>
             <a:fld id="{EC6AFC3F-A6A2-4EF2-B0C3-1F371E9FB00B}" type="datetimeFigureOut">
               <a:rPr lang="de-DE" smtClean="0"/>
-              <a:t>13.03.2023</a:t>
+              <a:t>14.03.2023</a:t>
             </a:fld>
             <a:endParaRPr lang="de-DE"/>
           </a:p>
@@ -516,7 +516,7 @@
           <a:p>
             <a:fld id="{EC6AFC3F-A6A2-4EF2-B0C3-1F371E9FB00B}" type="datetimeFigureOut">
               <a:rPr lang="de-DE" smtClean="0"/>
-              <a:t>13.03.2023</a:t>
+              <a:t>14.03.2023</a:t>
             </a:fld>
             <a:endParaRPr lang="de-DE"/>
           </a:p>
@@ -696,7 +696,7 @@
           <a:p>
             <a:fld id="{EC6AFC3F-A6A2-4EF2-B0C3-1F371E9FB00B}" type="datetimeFigureOut">
               <a:rPr lang="de-DE" smtClean="0"/>
-              <a:t>13.03.2023</a:t>
+              <a:t>14.03.2023</a:t>
             </a:fld>
             <a:endParaRPr lang="de-DE"/>
           </a:p>
@@ -866,7 +866,7 @@
           <a:p>
             <a:fld id="{EC6AFC3F-A6A2-4EF2-B0C3-1F371E9FB00B}" type="datetimeFigureOut">
               <a:rPr lang="de-DE" smtClean="0"/>
-              <a:t>13.03.2023</a:t>
+              <a:t>14.03.2023</a:t>
             </a:fld>
             <a:endParaRPr lang="de-DE"/>
           </a:p>
@@ -1122,7 +1122,7 @@
           <a:p>
             <a:fld id="{EC6AFC3F-A6A2-4EF2-B0C3-1F371E9FB00B}" type="datetimeFigureOut">
               <a:rPr lang="de-DE" smtClean="0"/>
-              <a:t>13.03.2023</a:t>
+              <a:t>14.03.2023</a:t>
             </a:fld>
             <a:endParaRPr lang="de-DE" dirty="0"/>
           </a:p>
@@ -1410,7 +1410,7 @@
           <a:p>
             <a:fld id="{EC6AFC3F-A6A2-4EF2-B0C3-1F371E9FB00B}" type="datetimeFigureOut">
               <a:rPr lang="de-DE" smtClean="0"/>
-              <a:t>13.03.2023</a:t>
+              <a:t>14.03.2023</a:t>
             </a:fld>
             <a:endParaRPr lang="de-DE"/>
           </a:p>
@@ -1848,7 +1848,7 @@
           <a:p>
             <a:fld id="{EC6AFC3F-A6A2-4EF2-B0C3-1F371E9FB00B}" type="datetimeFigureOut">
               <a:rPr lang="de-DE" smtClean="0"/>
-              <a:t>13.03.2023</a:t>
+              <a:t>14.03.2023</a:t>
             </a:fld>
             <a:endParaRPr lang="de-DE"/>
           </a:p>
@@ -1966,7 +1966,7 @@
           <a:p>
             <a:fld id="{EC6AFC3F-A6A2-4EF2-B0C3-1F371E9FB00B}" type="datetimeFigureOut">
               <a:rPr lang="de-DE" smtClean="0"/>
-              <a:t>13.03.2023</a:t>
+              <a:t>14.03.2023</a:t>
             </a:fld>
             <a:endParaRPr lang="de-DE"/>
           </a:p>
@@ -2061,7 +2061,7 @@
           <a:p>
             <a:fld id="{EC6AFC3F-A6A2-4EF2-B0C3-1F371E9FB00B}" type="datetimeFigureOut">
               <a:rPr lang="de-DE" smtClean="0"/>
-              <a:t>13.03.2023</a:t>
+              <a:t>14.03.2023</a:t>
             </a:fld>
             <a:endParaRPr lang="de-DE"/>
           </a:p>
@@ -2417,7 +2417,7 @@
           <a:p>
             <a:fld id="{EC6AFC3F-A6A2-4EF2-B0C3-1F371E9FB00B}" type="datetimeFigureOut">
               <a:rPr lang="de-DE" smtClean="0"/>
-              <a:t>13.03.2023</a:t>
+              <a:t>14.03.2023</a:t>
             </a:fld>
             <a:endParaRPr lang="de-DE"/>
           </a:p>
@@ -2733,7 +2733,7 @@
           <a:p>
             <a:fld id="{EC6AFC3F-A6A2-4EF2-B0C3-1F371E9FB00B}" type="datetimeFigureOut">
               <a:rPr lang="de-DE" smtClean="0"/>
-              <a:t>13.03.2023</a:t>
+              <a:t>14.03.2023</a:t>
             </a:fld>
             <a:endParaRPr lang="de-DE"/>
           </a:p>
@@ -2966,7 +2966,7 @@
           <a:p>
             <a:fld id="{EC6AFC3F-A6A2-4EF2-B0C3-1F371E9FB00B}" type="datetimeFigureOut">
               <a:rPr lang="de-DE" smtClean="0"/>
-              <a:t>13.03.2023</a:t>
+              <a:t>14.03.2023</a:t>
             </a:fld>
             <a:endParaRPr lang="de-DE"/>
           </a:p>
@@ -7209,7 +7209,7 @@
           <p:nvPr>
             <p:extLst>
               <p:ext uri="{D42A27DB-BD31-4B8C-83A1-F6EECF244321}">
-                <p14:modId xmlns:p14="http://schemas.microsoft.com/office/powerpoint/2010/main" val="2389135378"/>
+                <p14:modId xmlns:p14="http://schemas.microsoft.com/office/powerpoint/2010/main" val="4257473303"/>
               </p:ext>
             </p:extLst>
           </p:nvPr>
@@ -7302,7 +7302,7 @@
                     <a:p>
                       <a:r>
                         <a:rPr lang="en-GB" sz="2800" noProof="0" dirty="0"/>
-                        <a:t>is a command line tool developed to generate PlantUML files based JSON files.</a:t>
+                        <a:t>allows to convert JSON data into PlantUML based diagrams.</a:t>
                       </a:r>
                     </a:p>
                   </a:txBody>
@@ -8754,6 +8754,15 @@
 </file>
 
 <file path=customXml/item1.xml><?xml version="1.0" encoding="utf-8"?>
+<?mso-contentType ?>
+<FormTemplates xmlns="http://schemas.microsoft.com/sharepoint/v3/contenttype/forms">
+  <Display>DocumentLibraryForm</Display>
+  <Edit>DocumentLibraryForm</Edit>
+  <New>DocumentLibraryForm</New>
+</FormTemplates>
+</file>
+
+<file path=customXml/item2.xml><?xml version="1.0" encoding="utf-8"?>
 <ct:contentTypeSchema xmlns:ct="http://schemas.microsoft.com/office/2006/metadata/contentType" xmlns:ma="http://schemas.microsoft.com/office/2006/metadata/properties/metaAttributes" ct:_="" ma:_="" ma:contentTypeName="Dokument" ma:contentTypeID="0x01010009980FC66A545449919C11AFAAE6C355" ma:contentTypeVersion="4" ma:contentTypeDescription="Ein neues Dokument erstellen." ma:contentTypeScope="" ma:versionID="6ffd9e214c835a011a11caa6728ded37">
   <xsd:schema xmlns:xsd="http://www.w3.org/2001/XMLSchema" xmlns:xs="http://www.w3.org/2001/XMLSchema" xmlns:p="http://schemas.microsoft.com/office/2006/metadata/properties" xmlns:ns2="355f0d77-842e-4779-ae64-083256b6aaf6" targetNamespace="http://schemas.microsoft.com/office/2006/metadata/properties" ma:root="true" ma:fieldsID="d1985bcd5bcb00cbeaf6f093b7fe8b94" ns2:_="">
     <xsd:import namespace="355f0d77-842e-4779-ae64-083256b6aaf6"/>
@@ -8899,15 +8908,6 @@
 </ct:contentTypeSchema>
 </file>
 
-<file path=customXml/item2.xml><?xml version="1.0" encoding="utf-8"?>
-<?mso-contentType ?>
-<FormTemplates xmlns="http://schemas.microsoft.com/sharepoint/v3/contenttype/forms">
-  <Display>DocumentLibraryForm</Display>
-  <Edit>DocumentLibraryForm</Edit>
-  <New>DocumentLibraryForm</New>
-</FormTemplates>
-</file>
-
 <file path=customXml/item3.xml><?xml version="1.0" encoding="utf-8"?>
 <p:properties xmlns:p="http://schemas.microsoft.com/office/2006/metadata/properties" xmlns:xsi="http://www.w3.org/2001/XMLSchema-instance" xmlns:pc="http://schemas.microsoft.com/office/infopath/2007/PartnerControls">
   <documentManagement/>
@@ -8915,6 +8915,14 @@
 </file>
 
 <file path=customXml/itemProps1.xml><?xml version="1.0" encoding="utf-8"?>
+<ds:datastoreItem xmlns:ds="http://schemas.openxmlformats.org/officeDocument/2006/customXml" ds:itemID="{3FF81FC1-5894-42AE-8F66-AB8491C753C6}">
+  <ds:schemaRefs>
+    <ds:schemaRef ds:uri="http://schemas.microsoft.com/sharepoint/v3/contenttype/forms"/>
+  </ds:schemaRefs>
+</ds:datastoreItem>
+</file>
+
+<file path=customXml/itemProps2.xml><?xml version="1.0" encoding="utf-8"?>
 <ds:datastoreItem xmlns:ds="http://schemas.openxmlformats.org/officeDocument/2006/customXml" ds:itemID="{4FB89A05-8F7D-4EC4-9023-210D3CF103D0}">
   <ds:schemaRefs>
     <ds:schemaRef ds:uri="http://schemas.microsoft.com/office/2006/metadata/contentType"/>
@@ -8932,26 +8940,18 @@
 </ds:datastoreItem>
 </file>
 
-<file path=customXml/itemProps2.xml><?xml version="1.0" encoding="utf-8"?>
-<ds:datastoreItem xmlns:ds="http://schemas.openxmlformats.org/officeDocument/2006/customXml" ds:itemID="{3FF81FC1-5894-42AE-8F66-AB8491C753C6}">
-  <ds:schemaRefs>
-    <ds:schemaRef ds:uri="http://schemas.microsoft.com/sharepoint/v3/contenttype/forms"/>
-  </ds:schemaRefs>
-</ds:datastoreItem>
-</file>
-
 <file path=customXml/itemProps3.xml><?xml version="1.0" encoding="utf-8"?>
 <ds:datastoreItem xmlns:ds="http://schemas.openxmlformats.org/officeDocument/2006/customXml" ds:itemID="{1F073C4A-42B5-4907-B412-DBB2B011C51C}">
   <ds:schemaRefs>
+    <ds:schemaRef ds:uri="http://schemas.microsoft.com/office/2006/documentManagement/types"/>
+    <ds:schemaRef ds:uri="355f0d77-842e-4779-ae64-083256b6aaf6"/>
     <ds:schemaRef ds:uri="http://www.w3.org/XML/1998/namespace"/>
+    <ds:schemaRef ds:uri="http://purl.org/dc/elements/1.1/"/>
+    <ds:schemaRef ds:uri="http://schemas.openxmlformats.org/package/2006/metadata/core-properties"/>
+    <ds:schemaRef ds:uri="http://purl.org/dc/dcmitype/"/>
+    <ds:schemaRef ds:uri="http://schemas.microsoft.com/office/2006/metadata/properties"/>
     <ds:schemaRef ds:uri="http://purl.org/dc/terms/"/>
     <ds:schemaRef ds:uri="http://schemas.microsoft.com/office/infopath/2007/PartnerControls"/>
-    <ds:schemaRef ds:uri="http://purl.org/dc/elements/1.1/"/>
-    <ds:schemaRef ds:uri="http://purl.org/dc/dcmitype/"/>
-    <ds:schemaRef ds:uri="http://schemas.microsoft.com/office/2006/metadata/properties"/>
-    <ds:schemaRef ds:uri="http://schemas.microsoft.com/office/2006/documentManagement/types"/>
-    <ds:schemaRef ds:uri="355f0d77-842e-4779-ae64-083256b6aaf6"/>
-    <ds:schemaRef ds:uri="http://schemas.openxmlformats.org/package/2006/metadata/core-properties"/>
   </ds:schemaRefs>
 </ds:datastoreItem>
 </file>